--- a/Resources/Notes.pptx
+++ b/Resources/Notes.pptx
@@ -8,6 +8,15 @@
     <p:sldId id="256" r:id="rId2"/>
     <p:sldId id="257" r:id="rId3"/>
     <p:sldId id="258" r:id="rId4"/>
+    <p:sldId id="259" r:id="rId5"/>
+    <p:sldId id="260" r:id="rId6"/>
+    <p:sldId id="261" r:id="rId7"/>
+    <p:sldId id="263" r:id="rId8"/>
+    <p:sldId id="262" r:id="rId9"/>
+    <p:sldId id="264" r:id="rId10"/>
+    <p:sldId id="265" r:id="rId11"/>
+    <p:sldId id="266" r:id="rId12"/>
+    <p:sldId id="267" r:id="rId13"/>
   </p:sldIdLst>
   <p:sldSz cx="12192000" cy="6858000"/>
   <p:notesSz cx="6858000" cy="9144000"/>
@@ -261,7 +270,7 @@
           <a:p>
             <a:fld id="{162DCEF9-7F5B-4235-8EC3-75D5AB177DA5}" type="datetimeFigureOut">
               <a:rPr lang="en-US" smtClean="0"/>
-              <a:t>4/26/2021</a:t>
+              <a:t>5/4/2021</a:t>
             </a:fld>
             <a:endParaRPr lang="en-US"/>
           </a:p>
@@ -459,7 +468,7 @@
           <a:p>
             <a:fld id="{162DCEF9-7F5B-4235-8EC3-75D5AB177DA5}" type="datetimeFigureOut">
               <a:rPr lang="en-US" smtClean="0"/>
-              <a:t>4/26/2021</a:t>
+              <a:t>5/4/2021</a:t>
             </a:fld>
             <a:endParaRPr lang="en-US"/>
           </a:p>
@@ -667,7 +676,7 @@
           <a:p>
             <a:fld id="{162DCEF9-7F5B-4235-8EC3-75D5AB177DA5}" type="datetimeFigureOut">
               <a:rPr lang="en-US" smtClean="0"/>
-              <a:t>4/26/2021</a:t>
+              <a:t>5/4/2021</a:t>
             </a:fld>
             <a:endParaRPr lang="en-US"/>
           </a:p>
@@ -865,7 +874,7 @@
           <a:p>
             <a:fld id="{162DCEF9-7F5B-4235-8EC3-75D5AB177DA5}" type="datetimeFigureOut">
               <a:rPr lang="en-US" smtClean="0"/>
-              <a:t>4/26/2021</a:t>
+              <a:t>5/4/2021</a:t>
             </a:fld>
             <a:endParaRPr lang="en-US"/>
           </a:p>
@@ -1140,7 +1149,7 @@
           <a:p>
             <a:fld id="{162DCEF9-7F5B-4235-8EC3-75D5AB177DA5}" type="datetimeFigureOut">
               <a:rPr lang="en-US" smtClean="0"/>
-              <a:t>4/26/2021</a:t>
+              <a:t>5/4/2021</a:t>
             </a:fld>
             <a:endParaRPr lang="en-US"/>
           </a:p>
@@ -1405,7 +1414,7 @@
           <a:p>
             <a:fld id="{162DCEF9-7F5B-4235-8EC3-75D5AB177DA5}" type="datetimeFigureOut">
               <a:rPr lang="en-US" smtClean="0"/>
-              <a:t>4/26/2021</a:t>
+              <a:t>5/4/2021</a:t>
             </a:fld>
             <a:endParaRPr lang="en-US"/>
           </a:p>
@@ -1817,7 +1826,7 @@
           <a:p>
             <a:fld id="{162DCEF9-7F5B-4235-8EC3-75D5AB177DA5}" type="datetimeFigureOut">
               <a:rPr lang="en-US" smtClean="0"/>
-              <a:t>4/26/2021</a:t>
+              <a:t>5/4/2021</a:t>
             </a:fld>
             <a:endParaRPr lang="en-US"/>
           </a:p>
@@ -1958,7 +1967,7 @@
           <a:p>
             <a:fld id="{162DCEF9-7F5B-4235-8EC3-75D5AB177DA5}" type="datetimeFigureOut">
               <a:rPr lang="en-US" smtClean="0"/>
-              <a:t>4/26/2021</a:t>
+              <a:t>5/4/2021</a:t>
             </a:fld>
             <a:endParaRPr lang="en-US"/>
           </a:p>
@@ -2071,7 +2080,7 @@
           <a:p>
             <a:fld id="{162DCEF9-7F5B-4235-8EC3-75D5AB177DA5}" type="datetimeFigureOut">
               <a:rPr lang="en-US" smtClean="0"/>
-              <a:t>4/26/2021</a:t>
+              <a:t>5/4/2021</a:t>
             </a:fld>
             <a:endParaRPr lang="en-US"/>
           </a:p>
@@ -2382,7 +2391,7 @@
           <a:p>
             <a:fld id="{162DCEF9-7F5B-4235-8EC3-75D5AB177DA5}" type="datetimeFigureOut">
               <a:rPr lang="en-US" smtClean="0"/>
-              <a:t>4/26/2021</a:t>
+              <a:t>5/4/2021</a:t>
             </a:fld>
             <a:endParaRPr lang="en-US"/>
           </a:p>
@@ -2670,7 +2679,7 @@
           <a:p>
             <a:fld id="{162DCEF9-7F5B-4235-8EC3-75D5AB177DA5}" type="datetimeFigureOut">
               <a:rPr lang="en-US" smtClean="0"/>
-              <a:t>4/26/2021</a:t>
+              <a:t>5/4/2021</a:t>
             </a:fld>
             <a:endParaRPr lang="en-US"/>
           </a:p>
@@ -2911,7 +2920,7 @@
           <a:p>
             <a:fld id="{162DCEF9-7F5B-4235-8EC3-75D5AB177DA5}" type="datetimeFigureOut">
               <a:rPr lang="en-US" smtClean="0"/>
-              <a:t>4/26/2021</a:t>
+              <a:t>5/4/2021</a:t>
             </a:fld>
             <a:endParaRPr lang="en-US"/>
           </a:p>
@@ -3787,6 +3796,655 @@
 </p:sld>
 </file>
 
+<file path=ppt/slides/slide10.xml><?xml version="1.0" encoding="utf-8"?>
+<p:sld xmlns:a="http://schemas.openxmlformats.org/drawingml/2006/main" xmlns:r="http://schemas.openxmlformats.org/officeDocument/2006/relationships" xmlns:p="http://schemas.openxmlformats.org/presentationml/2006/main">
+  <p:cSld>
+    <p:spTree>
+      <p:nvGrpSpPr>
+        <p:cNvPr id="1" name=""/>
+        <p:cNvGrpSpPr/>
+        <p:nvPr/>
+      </p:nvGrpSpPr>
+      <p:grpSpPr>
+        <a:xfrm>
+          <a:off x="0" y="0"/>
+          <a:ext cx="0" cy="0"/>
+          <a:chOff x="0" y="0"/>
+          <a:chExt cx="0" cy="0"/>
+        </a:xfrm>
+      </p:grpSpPr>
+      <p:sp>
+        <p:nvSpPr>
+          <p:cNvPr id="3" name="TextBox 2">
+            <a:extLst>
+              <a:ext uri="{FF2B5EF4-FFF2-40B4-BE49-F238E27FC236}">
+                <a16:creationId xmlns:a16="http://schemas.microsoft.com/office/drawing/2014/main" id="{86BB6E0C-2F0B-4667-A463-A78E8075B37C}"/>
+              </a:ext>
+            </a:extLst>
+          </p:cNvPr>
+          <p:cNvSpPr txBox="1"/>
+          <p:nvPr/>
+        </p:nvSpPr>
+        <p:spPr>
+          <a:xfrm>
+            <a:off x="7327655" y="975917"/>
+            <a:ext cx="1604598" cy="369332"/>
+          </a:xfrm>
+          <a:prstGeom prst="rect">
+            <a:avLst/>
+          </a:prstGeom>
+          <a:noFill/>
+        </p:spPr>
+        <p:txBody>
+          <a:bodyPr wrap="square" rtlCol="0">
+            <a:spAutoFit/>
+          </a:bodyPr>
+          <a:lstStyle/>
+          <a:p>
+            <a:r>
+              <a:rPr lang="en-US" b="1" dirty="0" err="1"/>
+              <a:t>MyComponent</a:t>
+            </a:r>
+            <a:endParaRPr lang="en-US" b="1" dirty="0"/>
+          </a:p>
+        </p:txBody>
+      </p:sp>
+      <p:sp>
+        <p:nvSpPr>
+          <p:cNvPr id="6" name="TextBox 5">
+            <a:extLst>
+              <a:ext uri="{FF2B5EF4-FFF2-40B4-BE49-F238E27FC236}">
+                <a16:creationId xmlns:a16="http://schemas.microsoft.com/office/drawing/2014/main" id="{3FDAC571-F7ED-4D9D-89BA-8DFEDEA01B19}"/>
+              </a:ext>
+            </a:extLst>
+          </p:cNvPr>
+          <p:cNvSpPr txBox="1"/>
+          <p:nvPr/>
+        </p:nvSpPr>
+        <p:spPr>
+          <a:xfrm>
+            <a:off x="552450" y="1846191"/>
+            <a:ext cx="4001966" cy="473206"/>
+          </a:xfrm>
+          <a:prstGeom prst="rect">
+            <a:avLst/>
+          </a:prstGeom>
+          <a:noFill/>
+        </p:spPr>
+        <p:txBody>
+          <a:bodyPr wrap="square" rtlCol="0">
+            <a:spAutoFit/>
+          </a:bodyPr>
+          <a:lstStyle/>
+          <a:p>
+            <a:pPr>
+              <a:lnSpc>
+                <a:spcPct val="150000"/>
+              </a:lnSpc>
+            </a:pPr>
+            <a:r>
+              <a:rPr lang="en-US" dirty="0"/>
+              <a:t>Template </a:t>
+            </a:r>
+            <a:r>
+              <a:rPr lang="my-MM" dirty="0"/>
+              <a:t>တည်ဆောက်လိုက်တယ်</a:t>
+            </a:r>
+            <a:endParaRPr lang="en-US" dirty="0"/>
+          </a:p>
+        </p:txBody>
+      </p:sp>
+      <p:sp>
+        <p:nvSpPr>
+          <p:cNvPr id="11" name="TextBox 10">
+            <a:extLst>
+              <a:ext uri="{FF2B5EF4-FFF2-40B4-BE49-F238E27FC236}">
+                <a16:creationId xmlns:a16="http://schemas.microsoft.com/office/drawing/2014/main" id="{46B9337C-9D2A-44F3-AC2F-B6CFB0D5B5CF}"/>
+              </a:ext>
+            </a:extLst>
+          </p:cNvPr>
+          <p:cNvSpPr txBox="1"/>
+          <p:nvPr/>
+        </p:nvSpPr>
+        <p:spPr>
+          <a:xfrm>
+            <a:off x="543658" y="465992"/>
+            <a:ext cx="4705351" cy="369332"/>
+          </a:xfrm>
+          <a:prstGeom prst="rect">
+            <a:avLst/>
+          </a:prstGeom>
+          <a:noFill/>
+        </p:spPr>
+        <p:txBody>
+          <a:bodyPr wrap="square" rtlCol="0">
+            <a:spAutoFit/>
+          </a:bodyPr>
+          <a:lstStyle/>
+          <a:p>
+            <a:r>
+              <a:rPr lang="en-US" b="1" dirty="0"/>
+              <a:t>Step 7: </a:t>
+            </a:r>
+            <a:r>
+              <a:rPr lang="en-US" b="1" dirty="0" err="1"/>
+              <a:t>ngAfterViewInit</a:t>
+            </a:r>
+            <a:r>
+              <a:rPr lang="en-US" b="1" dirty="0"/>
+              <a:t>()</a:t>
+            </a:r>
+          </a:p>
+        </p:txBody>
+      </p:sp>
+      <p:pic>
+        <p:nvPicPr>
+          <p:cNvPr id="5" name="Picture 4">
+            <a:extLst>
+              <a:ext uri="{FF2B5EF4-FFF2-40B4-BE49-F238E27FC236}">
+                <a16:creationId xmlns:a16="http://schemas.microsoft.com/office/drawing/2014/main" id="{C229AF74-EB76-4585-A9E8-1ECAAD1E6CB3}"/>
+              </a:ext>
+            </a:extLst>
+          </p:cNvPr>
+          <p:cNvPicPr>
+            <a:picLocks noChangeAspect="1"/>
+          </p:cNvPicPr>
+          <p:nvPr/>
+        </p:nvPicPr>
+        <p:blipFill>
+          <a:blip r:embed="rId2">
+            <a:extLst>
+              <a:ext uri="{28A0092B-C50C-407E-A947-70E740481C1C}">
+                <a14:useLocalDpi xmlns:a14="http://schemas.microsoft.com/office/drawing/2010/main" val="0"/>
+              </a:ext>
+            </a:extLst>
+          </a:blip>
+          <a:stretch>
+            <a:fillRect/>
+          </a:stretch>
+        </p:blipFill>
+        <p:spPr>
+          <a:xfrm>
+            <a:off x="3746622" y="118696"/>
+            <a:ext cx="8827477" cy="6620608"/>
+          </a:xfrm>
+          <a:prstGeom prst="rect">
+            <a:avLst/>
+          </a:prstGeom>
+        </p:spPr>
+      </p:pic>
+    </p:spTree>
+    <p:extLst>
+      <p:ext uri="{BB962C8B-B14F-4D97-AF65-F5344CB8AC3E}">
+        <p14:creationId xmlns:p14="http://schemas.microsoft.com/office/powerpoint/2010/main" val="1516372659"/>
+      </p:ext>
+    </p:extLst>
+  </p:cSld>
+  <p:clrMapOvr>
+    <a:masterClrMapping/>
+  </p:clrMapOvr>
+</p:sld>
+</file>
+
+<file path=ppt/slides/slide11.xml><?xml version="1.0" encoding="utf-8"?>
+<p:sld xmlns:a="http://schemas.openxmlformats.org/drawingml/2006/main" xmlns:r="http://schemas.openxmlformats.org/officeDocument/2006/relationships" xmlns:p="http://schemas.openxmlformats.org/presentationml/2006/main">
+  <p:cSld>
+    <p:spTree>
+      <p:nvGrpSpPr>
+        <p:cNvPr id="1" name=""/>
+        <p:cNvGrpSpPr/>
+        <p:nvPr/>
+      </p:nvGrpSpPr>
+      <p:grpSpPr>
+        <a:xfrm>
+          <a:off x="0" y="0"/>
+          <a:ext cx="0" cy="0"/>
+          <a:chOff x="0" y="0"/>
+          <a:chExt cx="0" cy="0"/>
+        </a:xfrm>
+      </p:grpSpPr>
+      <p:sp>
+        <p:nvSpPr>
+          <p:cNvPr id="3" name="TextBox 2">
+            <a:extLst>
+              <a:ext uri="{FF2B5EF4-FFF2-40B4-BE49-F238E27FC236}">
+                <a16:creationId xmlns:a16="http://schemas.microsoft.com/office/drawing/2014/main" id="{86BB6E0C-2F0B-4667-A463-A78E8075B37C}"/>
+              </a:ext>
+            </a:extLst>
+          </p:cNvPr>
+          <p:cNvSpPr txBox="1"/>
+          <p:nvPr/>
+        </p:nvSpPr>
+        <p:spPr>
+          <a:xfrm>
+            <a:off x="7327655" y="975917"/>
+            <a:ext cx="1604598" cy="369332"/>
+          </a:xfrm>
+          <a:prstGeom prst="rect">
+            <a:avLst/>
+          </a:prstGeom>
+          <a:noFill/>
+        </p:spPr>
+        <p:txBody>
+          <a:bodyPr wrap="square" rtlCol="0">
+            <a:spAutoFit/>
+          </a:bodyPr>
+          <a:lstStyle/>
+          <a:p>
+            <a:r>
+              <a:rPr lang="en-US" b="1" dirty="0" err="1"/>
+              <a:t>MyComponent</a:t>
+            </a:r>
+            <a:endParaRPr lang="en-US" b="1" dirty="0"/>
+          </a:p>
+        </p:txBody>
+      </p:sp>
+      <p:sp>
+        <p:nvSpPr>
+          <p:cNvPr id="11" name="TextBox 10">
+            <a:extLst>
+              <a:ext uri="{FF2B5EF4-FFF2-40B4-BE49-F238E27FC236}">
+                <a16:creationId xmlns:a16="http://schemas.microsoft.com/office/drawing/2014/main" id="{46B9337C-9D2A-44F3-AC2F-B6CFB0D5B5CF}"/>
+              </a:ext>
+            </a:extLst>
+          </p:cNvPr>
+          <p:cNvSpPr txBox="1"/>
+          <p:nvPr/>
+        </p:nvSpPr>
+        <p:spPr>
+          <a:xfrm>
+            <a:off x="552450" y="465992"/>
+            <a:ext cx="4705351" cy="369332"/>
+          </a:xfrm>
+          <a:prstGeom prst="rect">
+            <a:avLst/>
+          </a:prstGeom>
+          <a:noFill/>
+        </p:spPr>
+        <p:txBody>
+          <a:bodyPr wrap="square" rtlCol="0">
+            <a:spAutoFit/>
+          </a:bodyPr>
+          <a:lstStyle/>
+          <a:p>
+            <a:r>
+              <a:rPr lang="en-US" b="1" dirty="0"/>
+              <a:t>Step 8: </a:t>
+            </a:r>
+            <a:r>
+              <a:rPr lang="en-US" b="1" dirty="0" err="1"/>
+              <a:t>ngAfterViewChecked</a:t>
+            </a:r>
+            <a:r>
+              <a:rPr lang="en-US" b="1" dirty="0"/>
+              <a:t>()</a:t>
+            </a:r>
+          </a:p>
+        </p:txBody>
+      </p:sp>
+      <p:pic>
+        <p:nvPicPr>
+          <p:cNvPr id="5" name="Picture 4">
+            <a:extLst>
+              <a:ext uri="{FF2B5EF4-FFF2-40B4-BE49-F238E27FC236}">
+                <a16:creationId xmlns:a16="http://schemas.microsoft.com/office/drawing/2014/main" id="{C229AF74-EB76-4585-A9E8-1ECAAD1E6CB3}"/>
+              </a:ext>
+            </a:extLst>
+          </p:cNvPr>
+          <p:cNvPicPr>
+            <a:picLocks noChangeAspect="1"/>
+          </p:cNvPicPr>
+          <p:nvPr/>
+        </p:nvPicPr>
+        <p:blipFill>
+          <a:blip r:embed="rId2">
+            <a:extLst>
+              <a:ext uri="{28A0092B-C50C-407E-A947-70E740481C1C}">
+                <a14:useLocalDpi xmlns:a14="http://schemas.microsoft.com/office/drawing/2010/main" val="0"/>
+              </a:ext>
+            </a:extLst>
+          </a:blip>
+          <a:stretch>
+            <a:fillRect/>
+          </a:stretch>
+        </p:blipFill>
+        <p:spPr>
+          <a:xfrm>
+            <a:off x="3746622" y="118696"/>
+            <a:ext cx="8827477" cy="6620608"/>
+          </a:xfrm>
+          <a:prstGeom prst="rect">
+            <a:avLst/>
+          </a:prstGeom>
+        </p:spPr>
+      </p:pic>
+      <p:sp>
+        <p:nvSpPr>
+          <p:cNvPr id="7" name="TextBox 6">
+            <a:extLst>
+              <a:ext uri="{FF2B5EF4-FFF2-40B4-BE49-F238E27FC236}">
+                <a16:creationId xmlns:a16="http://schemas.microsoft.com/office/drawing/2014/main" id="{ED640075-CE33-47E0-8463-81B9347760D3}"/>
+              </a:ext>
+            </a:extLst>
+          </p:cNvPr>
+          <p:cNvSpPr txBox="1"/>
+          <p:nvPr/>
+        </p:nvSpPr>
+        <p:spPr>
+          <a:xfrm>
+            <a:off x="561242" y="1846191"/>
+            <a:ext cx="4001966" cy="888705"/>
+          </a:xfrm>
+          <a:prstGeom prst="rect">
+            <a:avLst/>
+          </a:prstGeom>
+          <a:noFill/>
+        </p:spPr>
+        <p:txBody>
+          <a:bodyPr wrap="square" rtlCol="0">
+            <a:spAutoFit/>
+          </a:bodyPr>
+          <a:lstStyle/>
+          <a:p>
+            <a:pPr>
+              <a:lnSpc>
+                <a:spcPct val="150000"/>
+              </a:lnSpc>
+            </a:pPr>
+            <a:r>
+              <a:rPr lang="en-US" dirty="0"/>
+              <a:t>change detection run </a:t>
+            </a:r>
+            <a:r>
+              <a:rPr lang="my-MM" dirty="0"/>
+              <a:t>ရင် </a:t>
+            </a:r>
+            <a:r>
+              <a:rPr lang="en-US" dirty="0"/>
+              <a:t>template </a:t>
+            </a:r>
+            <a:r>
+              <a:rPr lang="my-MM" dirty="0"/>
+              <a:t>ကို ထပ်စစ်တယ်</a:t>
+            </a:r>
+            <a:endParaRPr lang="en-US" dirty="0"/>
+          </a:p>
+        </p:txBody>
+      </p:sp>
+      <p:pic>
+        <p:nvPicPr>
+          <p:cNvPr id="8" name="Picture 7">
+            <a:extLst>
+              <a:ext uri="{FF2B5EF4-FFF2-40B4-BE49-F238E27FC236}">
+                <a16:creationId xmlns:a16="http://schemas.microsoft.com/office/drawing/2014/main" id="{DB52E788-39FD-48EB-A2A8-1BDF8A72C7C8}"/>
+              </a:ext>
+            </a:extLst>
+          </p:cNvPr>
+          <p:cNvPicPr>
+            <a:picLocks noChangeAspect="1"/>
+          </p:cNvPicPr>
+          <p:nvPr/>
+        </p:nvPicPr>
+        <p:blipFill>
+          <a:blip r:embed="rId3">
+            <a:extLst>
+              <a:ext uri="{28A0092B-C50C-407E-A947-70E740481C1C}">
+                <a14:useLocalDpi xmlns:a14="http://schemas.microsoft.com/office/drawing/2010/main" val="0"/>
+              </a:ext>
+            </a:extLst>
+          </a:blip>
+          <a:stretch>
+            <a:fillRect/>
+          </a:stretch>
+        </p:blipFill>
+        <p:spPr>
+          <a:xfrm rot="10500466">
+            <a:off x="4786851" y="1023690"/>
+            <a:ext cx="1472168" cy="1200909"/>
+          </a:xfrm>
+          <a:prstGeom prst="rect">
+            <a:avLst/>
+          </a:prstGeom>
+        </p:spPr>
+      </p:pic>
+      <p:pic>
+        <p:nvPicPr>
+          <p:cNvPr id="9" name="Picture 8">
+            <a:extLst>
+              <a:ext uri="{FF2B5EF4-FFF2-40B4-BE49-F238E27FC236}">
+                <a16:creationId xmlns:a16="http://schemas.microsoft.com/office/drawing/2014/main" id="{E0DBE352-6A94-466A-BA16-53F216324589}"/>
+              </a:ext>
+            </a:extLst>
+          </p:cNvPr>
+          <p:cNvPicPr>
+            <a:picLocks noChangeAspect="1"/>
+          </p:cNvPicPr>
+          <p:nvPr/>
+        </p:nvPicPr>
+        <p:blipFill>
+          <a:blip r:embed="rId4">
+            <a:extLst>
+              <a:ext uri="{28A0092B-C50C-407E-A947-70E740481C1C}">
+                <a14:useLocalDpi xmlns:a14="http://schemas.microsoft.com/office/drawing/2010/main" val="0"/>
+              </a:ext>
+            </a:extLst>
+          </a:blip>
+          <a:stretch>
+            <a:fillRect/>
+          </a:stretch>
+        </p:blipFill>
+        <p:spPr>
+          <a:xfrm rot="796565">
+            <a:off x="6027160" y="851481"/>
+            <a:ext cx="528773" cy="558149"/>
+          </a:xfrm>
+          <a:prstGeom prst="rect">
+            <a:avLst/>
+          </a:prstGeom>
+        </p:spPr>
+      </p:pic>
+    </p:spTree>
+    <p:extLst>
+      <p:ext uri="{BB962C8B-B14F-4D97-AF65-F5344CB8AC3E}">
+        <p14:creationId xmlns:p14="http://schemas.microsoft.com/office/powerpoint/2010/main" val="3887102676"/>
+      </p:ext>
+    </p:extLst>
+  </p:cSld>
+  <p:clrMapOvr>
+    <a:masterClrMapping/>
+  </p:clrMapOvr>
+</p:sld>
+</file>
+
+<file path=ppt/slides/slide12.xml><?xml version="1.0" encoding="utf-8"?>
+<p:sld xmlns:a="http://schemas.openxmlformats.org/drawingml/2006/main" xmlns:r="http://schemas.openxmlformats.org/officeDocument/2006/relationships" xmlns:p="http://schemas.openxmlformats.org/presentationml/2006/main">
+  <p:cSld>
+    <p:spTree>
+      <p:nvGrpSpPr>
+        <p:cNvPr id="1" name=""/>
+        <p:cNvGrpSpPr/>
+        <p:nvPr/>
+      </p:nvGrpSpPr>
+      <p:grpSpPr>
+        <a:xfrm>
+          <a:off x="0" y="0"/>
+          <a:ext cx="0" cy="0"/>
+          <a:chOff x="0" y="0"/>
+          <a:chExt cx="0" cy="0"/>
+        </a:xfrm>
+      </p:grpSpPr>
+      <p:sp>
+        <p:nvSpPr>
+          <p:cNvPr id="3" name="TextBox 2">
+            <a:extLst>
+              <a:ext uri="{FF2B5EF4-FFF2-40B4-BE49-F238E27FC236}">
+                <a16:creationId xmlns:a16="http://schemas.microsoft.com/office/drawing/2014/main" id="{86BB6E0C-2F0B-4667-A463-A78E8075B37C}"/>
+              </a:ext>
+            </a:extLst>
+          </p:cNvPr>
+          <p:cNvSpPr txBox="1"/>
+          <p:nvPr/>
+        </p:nvSpPr>
+        <p:spPr>
+          <a:xfrm>
+            <a:off x="7327655" y="975917"/>
+            <a:ext cx="1604598" cy="369332"/>
+          </a:xfrm>
+          <a:prstGeom prst="rect">
+            <a:avLst/>
+          </a:prstGeom>
+          <a:noFill/>
+        </p:spPr>
+        <p:txBody>
+          <a:bodyPr wrap="square" rtlCol="0">
+            <a:spAutoFit/>
+          </a:bodyPr>
+          <a:lstStyle/>
+          <a:p>
+            <a:r>
+              <a:rPr lang="en-US" b="1" dirty="0" err="1"/>
+              <a:t>MyComponent</a:t>
+            </a:r>
+            <a:endParaRPr lang="en-US" b="1" dirty="0"/>
+          </a:p>
+        </p:txBody>
+      </p:sp>
+      <p:sp>
+        <p:nvSpPr>
+          <p:cNvPr id="11" name="TextBox 10">
+            <a:extLst>
+              <a:ext uri="{FF2B5EF4-FFF2-40B4-BE49-F238E27FC236}">
+                <a16:creationId xmlns:a16="http://schemas.microsoft.com/office/drawing/2014/main" id="{46B9337C-9D2A-44F3-AC2F-B6CFB0D5B5CF}"/>
+              </a:ext>
+            </a:extLst>
+          </p:cNvPr>
+          <p:cNvSpPr txBox="1"/>
+          <p:nvPr/>
+        </p:nvSpPr>
+        <p:spPr>
+          <a:xfrm>
+            <a:off x="552450" y="465992"/>
+            <a:ext cx="4705351" cy="369332"/>
+          </a:xfrm>
+          <a:prstGeom prst="rect">
+            <a:avLst/>
+          </a:prstGeom>
+          <a:noFill/>
+        </p:spPr>
+        <p:txBody>
+          <a:bodyPr wrap="square" rtlCol="0">
+            <a:spAutoFit/>
+          </a:bodyPr>
+          <a:lstStyle/>
+          <a:p>
+            <a:r>
+              <a:rPr lang="en-US" b="1" dirty="0"/>
+              <a:t>Step 9:ngOnDestroy()</a:t>
+            </a:r>
+          </a:p>
+        </p:txBody>
+      </p:sp>
+      <p:sp>
+        <p:nvSpPr>
+          <p:cNvPr id="7" name="TextBox 6">
+            <a:extLst>
+              <a:ext uri="{FF2B5EF4-FFF2-40B4-BE49-F238E27FC236}">
+                <a16:creationId xmlns:a16="http://schemas.microsoft.com/office/drawing/2014/main" id="{ED640075-CE33-47E0-8463-81B9347760D3}"/>
+              </a:ext>
+            </a:extLst>
+          </p:cNvPr>
+          <p:cNvSpPr txBox="1"/>
+          <p:nvPr/>
+        </p:nvSpPr>
+        <p:spPr>
+          <a:xfrm>
+            <a:off x="552450" y="1846191"/>
+            <a:ext cx="4001966" cy="473206"/>
+          </a:xfrm>
+          <a:prstGeom prst="rect">
+            <a:avLst/>
+          </a:prstGeom>
+          <a:noFill/>
+        </p:spPr>
+        <p:txBody>
+          <a:bodyPr wrap="square" rtlCol="0">
+            <a:spAutoFit/>
+          </a:bodyPr>
+          <a:lstStyle/>
+          <a:p>
+            <a:pPr>
+              <a:lnSpc>
+                <a:spcPct val="150000"/>
+              </a:lnSpc>
+            </a:pPr>
+            <a:r>
+              <a:rPr lang="en-US" dirty="0"/>
+              <a:t>Component </a:t>
+            </a:r>
+            <a:r>
+              <a:rPr lang="my-MM" dirty="0"/>
+              <a:t>ဖျက်သိမ်းလိုက်တယ်။</a:t>
+            </a:r>
+            <a:endParaRPr lang="en-US" dirty="0"/>
+          </a:p>
+        </p:txBody>
+      </p:sp>
+      <p:pic>
+        <p:nvPicPr>
+          <p:cNvPr id="15" name="Picture 14">
+            <a:extLst>
+              <a:ext uri="{FF2B5EF4-FFF2-40B4-BE49-F238E27FC236}">
+                <a16:creationId xmlns:a16="http://schemas.microsoft.com/office/drawing/2014/main" id="{B77E5BCC-445B-47A9-96EC-0A2F986853EA}"/>
+              </a:ext>
+            </a:extLst>
+          </p:cNvPr>
+          <p:cNvPicPr>
+            <a:picLocks noChangeAspect="1"/>
+          </p:cNvPicPr>
+          <p:nvPr/>
+        </p:nvPicPr>
+        <p:blipFill>
+          <a:blip r:embed="rId2">
+            <a:duotone>
+              <a:prstClr val="black"/>
+              <a:srgbClr val="F6EAEA">
+                <a:tint val="45000"/>
+                <a:satMod val="400000"/>
+              </a:srgbClr>
+            </a:duotone>
+            <a:extLst>
+              <a:ext uri="{28A0092B-C50C-407E-A947-70E740481C1C}">
+                <a14:useLocalDpi xmlns:a14="http://schemas.microsoft.com/office/drawing/2010/main" val="0"/>
+              </a:ext>
+            </a:extLst>
+          </a:blip>
+          <a:stretch>
+            <a:fillRect/>
+          </a:stretch>
+        </p:blipFill>
+        <p:spPr>
+          <a:xfrm>
+            <a:off x="6149688" y="1539091"/>
+            <a:ext cx="3904844" cy="4023975"/>
+          </a:xfrm>
+          <a:prstGeom prst="rect">
+            <a:avLst/>
+          </a:prstGeom>
+        </p:spPr>
+      </p:pic>
+    </p:spTree>
+    <p:extLst>
+      <p:ext uri="{BB962C8B-B14F-4D97-AF65-F5344CB8AC3E}">
+        <p14:creationId xmlns:p14="http://schemas.microsoft.com/office/powerpoint/2010/main" val="2762642721"/>
+      </p:ext>
+    </p:extLst>
+  </p:cSld>
+  <p:clrMapOvr>
+    <a:masterClrMapping/>
+  </p:clrMapOvr>
+</p:sld>
+</file>
+
 <file path=ppt/slides/slide2.xml><?xml version="1.0" encoding="utf-8"?>
 <p:sld xmlns:a="http://schemas.openxmlformats.org/drawingml/2006/main" xmlns:r="http://schemas.openxmlformats.org/officeDocument/2006/relationships" xmlns:p="http://schemas.openxmlformats.org/presentationml/2006/main">
   <p:cSld>
@@ -4730,6 +5388,2534 @@
     <p:extLst>
       <p:ext uri="{BB962C8B-B14F-4D97-AF65-F5344CB8AC3E}">
         <p14:creationId xmlns:p14="http://schemas.microsoft.com/office/powerpoint/2010/main" val="75773391"/>
+      </p:ext>
+    </p:extLst>
+  </p:cSld>
+  <p:clrMapOvr>
+    <a:masterClrMapping/>
+  </p:clrMapOvr>
+</p:sld>
+</file>
+
+<file path=ppt/slides/slide4.xml><?xml version="1.0" encoding="utf-8"?>
+<p:sld xmlns:a="http://schemas.openxmlformats.org/drawingml/2006/main" xmlns:r="http://schemas.openxmlformats.org/officeDocument/2006/relationships" xmlns:p="http://schemas.openxmlformats.org/presentationml/2006/main">
+  <p:cSld>
+    <p:spTree>
+      <p:nvGrpSpPr>
+        <p:cNvPr id="1" name=""/>
+        <p:cNvGrpSpPr/>
+        <p:nvPr/>
+      </p:nvGrpSpPr>
+      <p:grpSpPr>
+        <a:xfrm>
+          <a:off x="0" y="0"/>
+          <a:ext cx="0" cy="0"/>
+          <a:chOff x="0" y="0"/>
+          <a:chExt cx="0" cy="0"/>
+        </a:xfrm>
+      </p:grpSpPr>
+      <p:sp>
+        <p:nvSpPr>
+          <p:cNvPr id="3" name="TextBox 2">
+            <a:extLst>
+              <a:ext uri="{FF2B5EF4-FFF2-40B4-BE49-F238E27FC236}">
+                <a16:creationId xmlns:a16="http://schemas.microsoft.com/office/drawing/2014/main" id="{86BB6E0C-2F0B-4667-A463-A78E8075B37C}"/>
+              </a:ext>
+            </a:extLst>
+          </p:cNvPr>
+          <p:cNvSpPr txBox="1"/>
+          <p:nvPr/>
+        </p:nvSpPr>
+        <p:spPr>
+          <a:xfrm>
+            <a:off x="7327655" y="975917"/>
+            <a:ext cx="1604598" cy="369332"/>
+          </a:xfrm>
+          <a:prstGeom prst="rect">
+            <a:avLst/>
+          </a:prstGeom>
+          <a:noFill/>
+        </p:spPr>
+        <p:txBody>
+          <a:bodyPr wrap="square" rtlCol="0">
+            <a:spAutoFit/>
+          </a:bodyPr>
+          <a:lstStyle/>
+          <a:p>
+            <a:r>
+              <a:rPr lang="en-US" b="1" dirty="0" err="1"/>
+              <a:t>MyComponent</a:t>
+            </a:r>
+            <a:endParaRPr lang="en-US" b="1" dirty="0"/>
+          </a:p>
+        </p:txBody>
+      </p:sp>
+      <p:sp>
+        <p:nvSpPr>
+          <p:cNvPr id="6" name="TextBox 5">
+            <a:extLst>
+              <a:ext uri="{FF2B5EF4-FFF2-40B4-BE49-F238E27FC236}">
+                <a16:creationId xmlns:a16="http://schemas.microsoft.com/office/drawing/2014/main" id="{3FDAC571-F7ED-4D9D-89BA-8DFEDEA01B19}"/>
+              </a:ext>
+            </a:extLst>
+          </p:cNvPr>
+          <p:cNvSpPr txBox="1"/>
+          <p:nvPr/>
+        </p:nvSpPr>
+        <p:spPr>
+          <a:xfrm>
+            <a:off x="517280" y="1846191"/>
+            <a:ext cx="3613639" cy="888705"/>
+          </a:xfrm>
+          <a:prstGeom prst="rect">
+            <a:avLst/>
+          </a:prstGeom>
+          <a:noFill/>
+        </p:spPr>
+        <p:txBody>
+          <a:bodyPr wrap="square" rtlCol="0">
+            <a:spAutoFit/>
+          </a:bodyPr>
+          <a:lstStyle/>
+          <a:p>
+            <a:pPr>
+              <a:lnSpc>
+                <a:spcPct val="150000"/>
+              </a:lnSpc>
+            </a:pPr>
+            <a:r>
+              <a:rPr lang="en-US" dirty="0"/>
+              <a:t>Component </a:t>
+            </a:r>
+            <a:r>
+              <a:rPr lang="my-MM" dirty="0"/>
+              <a:t>စတည်ဆောက်တဲ့အခါ </a:t>
+            </a:r>
+            <a:r>
+              <a:rPr lang="en-US" dirty="0"/>
+              <a:t>constructor </a:t>
+            </a:r>
+            <a:r>
+              <a:rPr lang="my-MM" dirty="0"/>
+              <a:t>ကိုအရင် </a:t>
+            </a:r>
+            <a:r>
+              <a:rPr lang="en-US" dirty="0"/>
+              <a:t>run </a:t>
+            </a:r>
+            <a:r>
+              <a:rPr lang="my-MM" dirty="0"/>
+              <a:t>တယ် </a:t>
+            </a:r>
+            <a:endParaRPr lang="en-US" dirty="0"/>
+          </a:p>
+        </p:txBody>
+      </p:sp>
+      <p:sp>
+        <p:nvSpPr>
+          <p:cNvPr id="11" name="TextBox 10">
+            <a:extLst>
+              <a:ext uri="{FF2B5EF4-FFF2-40B4-BE49-F238E27FC236}">
+                <a16:creationId xmlns:a16="http://schemas.microsoft.com/office/drawing/2014/main" id="{46B9337C-9D2A-44F3-AC2F-B6CFB0D5B5CF}"/>
+              </a:ext>
+            </a:extLst>
+          </p:cNvPr>
+          <p:cNvSpPr txBox="1"/>
+          <p:nvPr/>
+        </p:nvSpPr>
+        <p:spPr>
+          <a:xfrm>
+            <a:off x="517280" y="465992"/>
+            <a:ext cx="4907574" cy="369332"/>
+          </a:xfrm>
+          <a:prstGeom prst="rect">
+            <a:avLst/>
+          </a:prstGeom>
+          <a:noFill/>
+        </p:spPr>
+        <p:txBody>
+          <a:bodyPr wrap="square" rtlCol="0">
+            <a:spAutoFit/>
+          </a:bodyPr>
+          <a:lstStyle/>
+          <a:p>
+            <a:r>
+              <a:rPr lang="en-US" b="1" dirty="0"/>
+              <a:t>Step 1: constructor()</a:t>
+            </a:r>
+          </a:p>
+        </p:txBody>
+      </p:sp>
+      <p:pic>
+        <p:nvPicPr>
+          <p:cNvPr id="22" name="Picture 21">
+            <a:extLst>
+              <a:ext uri="{FF2B5EF4-FFF2-40B4-BE49-F238E27FC236}">
+                <a16:creationId xmlns:a16="http://schemas.microsoft.com/office/drawing/2014/main" id="{325A4710-4839-4CDA-AC98-E40CD448A1DE}"/>
+              </a:ext>
+            </a:extLst>
+          </p:cNvPr>
+          <p:cNvPicPr>
+            <a:picLocks noChangeAspect="1"/>
+          </p:cNvPicPr>
+          <p:nvPr/>
+        </p:nvPicPr>
+        <p:blipFill>
+          <a:blip r:embed="rId2">
+            <a:duotone>
+              <a:prstClr val="black"/>
+              <a:srgbClr val="F6EAEA">
+                <a:tint val="45000"/>
+                <a:satMod val="400000"/>
+              </a:srgbClr>
+            </a:duotone>
+            <a:extLst>
+              <a:ext uri="{28A0092B-C50C-407E-A947-70E740481C1C}">
+                <a14:useLocalDpi xmlns:a14="http://schemas.microsoft.com/office/drawing/2010/main" val="0"/>
+              </a:ext>
+            </a:extLst>
+          </a:blip>
+          <a:stretch>
+            <a:fillRect/>
+          </a:stretch>
+        </p:blipFill>
+        <p:spPr>
+          <a:xfrm>
+            <a:off x="5268795" y="1427940"/>
+            <a:ext cx="5722318" cy="4269477"/>
+          </a:xfrm>
+          <a:prstGeom prst="rect">
+            <a:avLst/>
+          </a:prstGeom>
+        </p:spPr>
+      </p:pic>
+      <p:sp>
+        <p:nvSpPr>
+          <p:cNvPr id="7" name="Thought Bubble: Cloud 6">
+            <a:extLst>
+              <a:ext uri="{FF2B5EF4-FFF2-40B4-BE49-F238E27FC236}">
+                <a16:creationId xmlns:a16="http://schemas.microsoft.com/office/drawing/2014/main" id="{B624A36C-9E2B-4C7F-B6F3-665C751F11A3}"/>
+              </a:ext>
+            </a:extLst>
+          </p:cNvPr>
+          <p:cNvSpPr/>
+          <p:nvPr/>
+        </p:nvSpPr>
+        <p:spPr>
+          <a:xfrm>
+            <a:off x="1888880" y="4365478"/>
+            <a:ext cx="2620108" cy="1331939"/>
+          </a:xfrm>
+          <a:prstGeom prst="cloudCallout">
+            <a:avLst>
+              <a:gd name="adj1" fmla="val 86886"/>
+              <a:gd name="adj2" fmla="val -63581"/>
+            </a:avLst>
+          </a:prstGeom>
+        </p:spPr>
+        <p:style>
+          <a:lnRef idx="2">
+            <a:schemeClr val="accent4"/>
+          </a:lnRef>
+          <a:fillRef idx="1">
+            <a:schemeClr val="lt1"/>
+          </a:fillRef>
+          <a:effectRef idx="0">
+            <a:schemeClr val="accent4"/>
+          </a:effectRef>
+          <a:fontRef idx="minor">
+            <a:schemeClr val="dk1"/>
+          </a:fontRef>
+        </p:style>
+        <p:txBody>
+          <a:bodyPr rtlCol="0" anchor="ctr"/>
+          <a:lstStyle/>
+          <a:p>
+            <a:pPr algn="ctr"/>
+            <a:r>
+              <a:rPr lang="en-US" dirty="0"/>
+              <a:t>This is Constructor </a:t>
+            </a:r>
+          </a:p>
+        </p:txBody>
+      </p:sp>
+    </p:spTree>
+    <p:extLst>
+      <p:ext uri="{BB962C8B-B14F-4D97-AF65-F5344CB8AC3E}">
+        <p14:creationId xmlns:p14="http://schemas.microsoft.com/office/powerpoint/2010/main" val="607005048"/>
+      </p:ext>
+    </p:extLst>
+  </p:cSld>
+  <p:clrMapOvr>
+    <a:masterClrMapping/>
+  </p:clrMapOvr>
+</p:sld>
+</file>
+
+<file path=ppt/slides/slide5.xml><?xml version="1.0" encoding="utf-8"?>
+<p:sld xmlns:a="http://schemas.openxmlformats.org/drawingml/2006/main" xmlns:r="http://schemas.openxmlformats.org/officeDocument/2006/relationships" xmlns:p="http://schemas.openxmlformats.org/presentationml/2006/main">
+  <p:cSld>
+    <p:spTree>
+      <p:nvGrpSpPr>
+        <p:cNvPr id="1" name=""/>
+        <p:cNvGrpSpPr/>
+        <p:nvPr/>
+      </p:nvGrpSpPr>
+      <p:grpSpPr>
+        <a:xfrm>
+          <a:off x="0" y="0"/>
+          <a:ext cx="0" cy="0"/>
+          <a:chOff x="0" y="0"/>
+          <a:chExt cx="0" cy="0"/>
+        </a:xfrm>
+      </p:grpSpPr>
+      <p:pic>
+        <p:nvPicPr>
+          <p:cNvPr id="23" name="Picture 22">
+            <a:extLst>
+              <a:ext uri="{FF2B5EF4-FFF2-40B4-BE49-F238E27FC236}">
+                <a16:creationId xmlns:a16="http://schemas.microsoft.com/office/drawing/2014/main" id="{C043D957-9BAF-40DB-BB7F-CE825825912E}"/>
+              </a:ext>
+            </a:extLst>
+          </p:cNvPr>
+          <p:cNvPicPr>
+            <a:picLocks noChangeAspect="1"/>
+          </p:cNvPicPr>
+          <p:nvPr/>
+        </p:nvPicPr>
+        <p:blipFill>
+          <a:blip r:embed="rId2">
+            <a:duotone>
+              <a:prstClr val="black"/>
+              <a:srgbClr val="F6EAEA">
+                <a:tint val="45000"/>
+                <a:satMod val="400000"/>
+              </a:srgbClr>
+            </a:duotone>
+            <a:extLst>
+              <a:ext uri="{28A0092B-C50C-407E-A947-70E740481C1C}">
+                <a14:useLocalDpi xmlns:a14="http://schemas.microsoft.com/office/drawing/2010/main" val="0"/>
+              </a:ext>
+            </a:extLst>
+          </a:blip>
+          <a:stretch>
+            <a:fillRect/>
+          </a:stretch>
+        </p:blipFill>
+        <p:spPr>
+          <a:xfrm>
+            <a:off x="5268795" y="1427940"/>
+            <a:ext cx="5722318" cy="4269477"/>
+          </a:xfrm>
+          <a:prstGeom prst="rect">
+            <a:avLst/>
+          </a:prstGeom>
+        </p:spPr>
+      </p:pic>
+      <p:sp>
+        <p:nvSpPr>
+          <p:cNvPr id="3" name="TextBox 2">
+            <a:extLst>
+              <a:ext uri="{FF2B5EF4-FFF2-40B4-BE49-F238E27FC236}">
+                <a16:creationId xmlns:a16="http://schemas.microsoft.com/office/drawing/2014/main" id="{86BB6E0C-2F0B-4667-A463-A78E8075B37C}"/>
+              </a:ext>
+            </a:extLst>
+          </p:cNvPr>
+          <p:cNvSpPr txBox="1"/>
+          <p:nvPr/>
+        </p:nvSpPr>
+        <p:spPr>
+          <a:xfrm>
+            <a:off x="7327655" y="975917"/>
+            <a:ext cx="1604598" cy="369332"/>
+          </a:xfrm>
+          <a:prstGeom prst="rect">
+            <a:avLst/>
+          </a:prstGeom>
+          <a:noFill/>
+        </p:spPr>
+        <p:txBody>
+          <a:bodyPr wrap="square" rtlCol="0">
+            <a:spAutoFit/>
+          </a:bodyPr>
+          <a:lstStyle/>
+          <a:p>
+            <a:r>
+              <a:rPr lang="en-US" b="1" dirty="0" err="1"/>
+              <a:t>MyComponent</a:t>
+            </a:r>
+            <a:endParaRPr lang="en-US" b="1" dirty="0"/>
+          </a:p>
+        </p:txBody>
+      </p:sp>
+      <p:sp>
+        <p:nvSpPr>
+          <p:cNvPr id="6" name="TextBox 5">
+            <a:extLst>
+              <a:ext uri="{FF2B5EF4-FFF2-40B4-BE49-F238E27FC236}">
+                <a16:creationId xmlns:a16="http://schemas.microsoft.com/office/drawing/2014/main" id="{3FDAC571-F7ED-4D9D-89BA-8DFEDEA01B19}"/>
+              </a:ext>
+            </a:extLst>
+          </p:cNvPr>
+          <p:cNvSpPr txBox="1"/>
+          <p:nvPr/>
+        </p:nvSpPr>
+        <p:spPr>
+          <a:xfrm>
+            <a:off x="543662" y="1846191"/>
+            <a:ext cx="3613639" cy="888705"/>
+          </a:xfrm>
+          <a:prstGeom prst="rect">
+            <a:avLst/>
+          </a:prstGeom>
+          <a:noFill/>
+        </p:spPr>
+        <p:txBody>
+          <a:bodyPr wrap="square" rtlCol="0">
+            <a:spAutoFit/>
+          </a:bodyPr>
+          <a:lstStyle/>
+          <a:p>
+            <a:pPr>
+              <a:lnSpc>
+                <a:spcPct val="150000"/>
+              </a:lnSpc>
+            </a:pPr>
+            <a:r>
+              <a:rPr lang="my-MM" dirty="0"/>
+              <a:t>လက်ခံရရှိတဲ့ </a:t>
+            </a:r>
+            <a:r>
+              <a:rPr lang="en-US" dirty="0"/>
+              <a:t>state </a:t>
+            </a:r>
+            <a:r>
+              <a:rPr lang="my-MM" dirty="0"/>
+              <a:t>တွေကို ထည့်လိုက်တယ်။</a:t>
+            </a:r>
+            <a:endParaRPr lang="en-US" dirty="0"/>
+          </a:p>
+        </p:txBody>
+      </p:sp>
+      <p:sp>
+        <p:nvSpPr>
+          <p:cNvPr id="11" name="TextBox 10">
+            <a:extLst>
+              <a:ext uri="{FF2B5EF4-FFF2-40B4-BE49-F238E27FC236}">
+                <a16:creationId xmlns:a16="http://schemas.microsoft.com/office/drawing/2014/main" id="{46B9337C-9D2A-44F3-AC2F-B6CFB0D5B5CF}"/>
+              </a:ext>
+            </a:extLst>
+          </p:cNvPr>
+          <p:cNvSpPr txBox="1"/>
+          <p:nvPr/>
+        </p:nvSpPr>
+        <p:spPr>
+          <a:xfrm>
+            <a:off x="539261" y="501047"/>
+            <a:ext cx="4624025" cy="369332"/>
+          </a:xfrm>
+          <a:prstGeom prst="rect">
+            <a:avLst/>
+          </a:prstGeom>
+          <a:noFill/>
+        </p:spPr>
+        <p:txBody>
+          <a:bodyPr wrap="square" rtlCol="0">
+            <a:spAutoFit/>
+          </a:bodyPr>
+          <a:lstStyle/>
+          <a:p>
+            <a:r>
+              <a:rPr lang="en-US" b="1" dirty="0"/>
+              <a:t>Step 2: </a:t>
+            </a:r>
+            <a:r>
+              <a:rPr lang="en-US" b="1" dirty="0" err="1"/>
+              <a:t>ngOnChanges</a:t>
+            </a:r>
+            <a:r>
+              <a:rPr lang="en-US" b="1" dirty="0"/>
+              <a:t>()</a:t>
+            </a:r>
+          </a:p>
+        </p:txBody>
+      </p:sp>
+      <p:sp>
+        <p:nvSpPr>
+          <p:cNvPr id="5" name="TextBox 4">
+            <a:extLst>
+              <a:ext uri="{FF2B5EF4-FFF2-40B4-BE49-F238E27FC236}">
+                <a16:creationId xmlns:a16="http://schemas.microsoft.com/office/drawing/2014/main" id="{E4124317-60E2-4C27-8B9E-FD07CE33D127}"/>
+              </a:ext>
+            </a:extLst>
+          </p:cNvPr>
+          <p:cNvSpPr txBox="1"/>
+          <p:nvPr/>
+        </p:nvSpPr>
+        <p:spPr>
+          <a:xfrm>
+            <a:off x="2521926" y="4651352"/>
+            <a:ext cx="2162908" cy="523220"/>
+          </a:xfrm>
+          <a:prstGeom prst="rect">
+            <a:avLst/>
+          </a:prstGeom>
+          <a:noFill/>
+        </p:spPr>
+        <p:txBody>
+          <a:bodyPr wrap="square" rtlCol="0">
+            <a:spAutoFit/>
+          </a:bodyPr>
+          <a:lstStyle/>
+          <a:p>
+            <a:r>
+              <a:rPr lang="en-US" sz="2800" dirty="0"/>
+              <a:t>= state</a:t>
+            </a:r>
+          </a:p>
+        </p:txBody>
+      </p:sp>
+      <p:pic>
+        <p:nvPicPr>
+          <p:cNvPr id="15" name="Picture 14">
+            <a:extLst>
+              <a:ext uri="{FF2B5EF4-FFF2-40B4-BE49-F238E27FC236}">
+                <a16:creationId xmlns:a16="http://schemas.microsoft.com/office/drawing/2014/main" id="{64E61E1F-DB6A-4D8C-AEC1-F05525A02999}"/>
+              </a:ext>
+            </a:extLst>
+          </p:cNvPr>
+          <p:cNvPicPr>
+            <a:picLocks noChangeAspect="1"/>
+          </p:cNvPicPr>
+          <p:nvPr/>
+        </p:nvPicPr>
+        <p:blipFill>
+          <a:blip r:embed="rId3">
+            <a:extLst>
+              <a:ext uri="{28A0092B-C50C-407E-A947-70E740481C1C}">
+                <a14:useLocalDpi xmlns:a14="http://schemas.microsoft.com/office/drawing/2010/main" val="0"/>
+              </a:ext>
+            </a:extLst>
+          </a:blip>
+          <a:stretch>
+            <a:fillRect/>
+          </a:stretch>
+        </p:blipFill>
+        <p:spPr>
+          <a:xfrm>
+            <a:off x="565637" y="4234320"/>
+            <a:ext cx="2136531" cy="1357284"/>
+          </a:xfrm>
+          <a:prstGeom prst="rect">
+            <a:avLst/>
+          </a:prstGeom>
+        </p:spPr>
+      </p:pic>
+      <p:pic>
+        <p:nvPicPr>
+          <p:cNvPr id="16" name="Picture 15">
+            <a:extLst>
+              <a:ext uri="{FF2B5EF4-FFF2-40B4-BE49-F238E27FC236}">
+                <a16:creationId xmlns:a16="http://schemas.microsoft.com/office/drawing/2014/main" id="{B3238458-FE53-4DDA-8F3D-315E7AAC5B1D}"/>
+              </a:ext>
+            </a:extLst>
+          </p:cNvPr>
+          <p:cNvPicPr>
+            <a:picLocks noChangeAspect="1"/>
+          </p:cNvPicPr>
+          <p:nvPr/>
+        </p:nvPicPr>
+        <p:blipFill>
+          <a:blip r:embed="rId3">
+            <a:extLst>
+              <a:ext uri="{28A0092B-C50C-407E-A947-70E740481C1C}">
+                <a14:useLocalDpi xmlns:a14="http://schemas.microsoft.com/office/drawing/2010/main" val="0"/>
+              </a:ext>
+            </a:extLst>
+          </a:blip>
+          <a:stretch>
+            <a:fillRect/>
+          </a:stretch>
+        </p:blipFill>
+        <p:spPr>
+          <a:xfrm>
+            <a:off x="5460024" y="1987034"/>
+            <a:ext cx="1705708" cy="1083593"/>
+          </a:xfrm>
+          <a:prstGeom prst="rect">
+            <a:avLst/>
+          </a:prstGeom>
+        </p:spPr>
+      </p:pic>
+    </p:spTree>
+    <p:extLst>
+      <p:ext uri="{BB962C8B-B14F-4D97-AF65-F5344CB8AC3E}">
+        <p14:creationId xmlns:p14="http://schemas.microsoft.com/office/powerpoint/2010/main" val="3312721123"/>
+      </p:ext>
+    </p:extLst>
+  </p:cSld>
+  <p:clrMapOvr>
+    <a:masterClrMapping/>
+  </p:clrMapOvr>
+</p:sld>
+</file>
+
+<file path=ppt/slides/slide6.xml><?xml version="1.0" encoding="utf-8"?>
+<p:sld xmlns:a="http://schemas.openxmlformats.org/drawingml/2006/main" xmlns:r="http://schemas.openxmlformats.org/officeDocument/2006/relationships" xmlns:p="http://schemas.openxmlformats.org/presentationml/2006/main">
+  <p:cSld>
+    <p:spTree>
+      <p:nvGrpSpPr>
+        <p:cNvPr id="1" name=""/>
+        <p:cNvGrpSpPr/>
+        <p:nvPr/>
+      </p:nvGrpSpPr>
+      <p:grpSpPr>
+        <a:xfrm>
+          <a:off x="0" y="0"/>
+          <a:ext cx="0" cy="0"/>
+          <a:chOff x="0" y="0"/>
+          <a:chExt cx="0" cy="0"/>
+        </a:xfrm>
+      </p:grpSpPr>
+      <p:pic>
+        <p:nvPicPr>
+          <p:cNvPr id="27" name="Picture 26">
+            <a:extLst>
+              <a:ext uri="{FF2B5EF4-FFF2-40B4-BE49-F238E27FC236}">
+                <a16:creationId xmlns:a16="http://schemas.microsoft.com/office/drawing/2014/main" id="{966F47A2-3B47-41B7-AEA9-B9A776AEAD3D}"/>
+              </a:ext>
+            </a:extLst>
+          </p:cNvPr>
+          <p:cNvPicPr>
+            <a:picLocks noChangeAspect="1"/>
+          </p:cNvPicPr>
+          <p:nvPr/>
+        </p:nvPicPr>
+        <p:blipFill>
+          <a:blip r:embed="rId2">
+            <a:duotone>
+              <a:prstClr val="black"/>
+              <a:srgbClr val="F6EAEA">
+                <a:tint val="45000"/>
+                <a:satMod val="400000"/>
+              </a:srgbClr>
+            </a:duotone>
+            <a:extLst>
+              <a:ext uri="{28A0092B-C50C-407E-A947-70E740481C1C}">
+                <a14:useLocalDpi xmlns:a14="http://schemas.microsoft.com/office/drawing/2010/main" val="0"/>
+              </a:ext>
+            </a:extLst>
+          </a:blip>
+          <a:stretch>
+            <a:fillRect/>
+          </a:stretch>
+        </p:blipFill>
+        <p:spPr>
+          <a:xfrm>
+            <a:off x="5268795" y="1427940"/>
+            <a:ext cx="5722318" cy="4269477"/>
+          </a:xfrm>
+          <a:prstGeom prst="rect">
+            <a:avLst/>
+          </a:prstGeom>
+        </p:spPr>
+      </p:pic>
+      <p:sp>
+        <p:nvSpPr>
+          <p:cNvPr id="3" name="TextBox 2">
+            <a:extLst>
+              <a:ext uri="{FF2B5EF4-FFF2-40B4-BE49-F238E27FC236}">
+                <a16:creationId xmlns:a16="http://schemas.microsoft.com/office/drawing/2014/main" id="{86BB6E0C-2F0B-4667-A463-A78E8075B37C}"/>
+              </a:ext>
+            </a:extLst>
+          </p:cNvPr>
+          <p:cNvSpPr txBox="1"/>
+          <p:nvPr/>
+        </p:nvSpPr>
+        <p:spPr>
+          <a:xfrm>
+            <a:off x="7327655" y="975917"/>
+            <a:ext cx="1604598" cy="369332"/>
+          </a:xfrm>
+          <a:prstGeom prst="rect">
+            <a:avLst/>
+          </a:prstGeom>
+          <a:noFill/>
+        </p:spPr>
+        <p:txBody>
+          <a:bodyPr wrap="square" rtlCol="0">
+            <a:spAutoFit/>
+          </a:bodyPr>
+          <a:lstStyle/>
+          <a:p>
+            <a:r>
+              <a:rPr lang="en-US" b="1" dirty="0" err="1"/>
+              <a:t>MyComponent</a:t>
+            </a:r>
+            <a:endParaRPr lang="en-US" b="1" dirty="0"/>
+          </a:p>
+        </p:txBody>
+      </p:sp>
+      <p:sp>
+        <p:nvSpPr>
+          <p:cNvPr id="6" name="TextBox 5">
+            <a:extLst>
+              <a:ext uri="{FF2B5EF4-FFF2-40B4-BE49-F238E27FC236}">
+                <a16:creationId xmlns:a16="http://schemas.microsoft.com/office/drawing/2014/main" id="{3FDAC571-F7ED-4D9D-89BA-8DFEDEA01B19}"/>
+              </a:ext>
+            </a:extLst>
+          </p:cNvPr>
+          <p:cNvSpPr txBox="1"/>
+          <p:nvPr/>
+        </p:nvSpPr>
+        <p:spPr>
+          <a:xfrm>
+            <a:off x="534866" y="1846191"/>
+            <a:ext cx="4001966" cy="888705"/>
+          </a:xfrm>
+          <a:prstGeom prst="rect">
+            <a:avLst/>
+          </a:prstGeom>
+          <a:noFill/>
+        </p:spPr>
+        <p:txBody>
+          <a:bodyPr wrap="square" rtlCol="0">
+            <a:spAutoFit/>
+          </a:bodyPr>
+          <a:lstStyle/>
+          <a:p>
+            <a:pPr>
+              <a:lnSpc>
+                <a:spcPct val="150000"/>
+              </a:lnSpc>
+            </a:pPr>
+            <a:r>
+              <a:rPr lang="en-US" dirty="0"/>
+              <a:t>Component </a:t>
+            </a:r>
+            <a:r>
+              <a:rPr lang="my-MM" dirty="0"/>
+              <a:t>ဆောက်ဖို့လိုတဲ့ </a:t>
+            </a:r>
+            <a:r>
+              <a:rPr lang="en-US" dirty="0"/>
+              <a:t>resource </a:t>
+            </a:r>
+            <a:r>
+              <a:rPr lang="my-MM" dirty="0"/>
+              <a:t>တွေ ထည့်လိုက်တယ်။</a:t>
+            </a:r>
+            <a:endParaRPr lang="en-US" dirty="0"/>
+          </a:p>
+        </p:txBody>
+      </p:sp>
+      <p:sp>
+        <p:nvSpPr>
+          <p:cNvPr id="11" name="TextBox 10">
+            <a:extLst>
+              <a:ext uri="{FF2B5EF4-FFF2-40B4-BE49-F238E27FC236}">
+                <a16:creationId xmlns:a16="http://schemas.microsoft.com/office/drawing/2014/main" id="{46B9337C-9D2A-44F3-AC2F-B6CFB0D5B5CF}"/>
+              </a:ext>
+            </a:extLst>
+          </p:cNvPr>
+          <p:cNvSpPr txBox="1"/>
+          <p:nvPr/>
+        </p:nvSpPr>
+        <p:spPr>
+          <a:xfrm>
+            <a:off x="534866" y="465992"/>
+            <a:ext cx="4705351" cy="369332"/>
+          </a:xfrm>
+          <a:prstGeom prst="rect">
+            <a:avLst/>
+          </a:prstGeom>
+          <a:noFill/>
+        </p:spPr>
+        <p:txBody>
+          <a:bodyPr wrap="square" rtlCol="0">
+            <a:spAutoFit/>
+          </a:bodyPr>
+          <a:lstStyle/>
+          <a:p>
+            <a:r>
+              <a:rPr lang="en-US" b="1" dirty="0"/>
+              <a:t>Step 3: </a:t>
+            </a:r>
+            <a:r>
+              <a:rPr lang="en-US" b="1" dirty="0" err="1"/>
+              <a:t>ngOnInit</a:t>
+            </a:r>
+            <a:r>
+              <a:rPr lang="en-US" b="1" dirty="0"/>
+              <a:t>()</a:t>
+            </a:r>
+          </a:p>
+        </p:txBody>
+      </p:sp>
+      <p:sp>
+        <p:nvSpPr>
+          <p:cNvPr id="5" name="TextBox 4">
+            <a:extLst>
+              <a:ext uri="{FF2B5EF4-FFF2-40B4-BE49-F238E27FC236}">
+                <a16:creationId xmlns:a16="http://schemas.microsoft.com/office/drawing/2014/main" id="{E4124317-60E2-4C27-8B9E-FD07CE33D127}"/>
+              </a:ext>
+            </a:extLst>
+          </p:cNvPr>
+          <p:cNvSpPr txBox="1"/>
+          <p:nvPr/>
+        </p:nvSpPr>
+        <p:spPr>
+          <a:xfrm>
+            <a:off x="1784838" y="4677729"/>
+            <a:ext cx="2162908" cy="461665"/>
+          </a:xfrm>
+          <a:prstGeom prst="rect">
+            <a:avLst/>
+          </a:prstGeom>
+          <a:noFill/>
+        </p:spPr>
+        <p:txBody>
+          <a:bodyPr wrap="square" rtlCol="0">
+            <a:spAutoFit/>
+          </a:bodyPr>
+          <a:lstStyle/>
+          <a:p>
+            <a:r>
+              <a:rPr lang="en-US" sz="2400" dirty="0"/>
+              <a:t>= resource</a:t>
+            </a:r>
+          </a:p>
+        </p:txBody>
+      </p:sp>
+      <p:pic>
+        <p:nvPicPr>
+          <p:cNvPr id="21" name="Picture 20">
+            <a:extLst>
+              <a:ext uri="{FF2B5EF4-FFF2-40B4-BE49-F238E27FC236}">
+                <a16:creationId xmlns:a16="http://schemas.microsoft.com/office/drawing/2014/main" id="{C2023AA9-5C7D-472B-A6E7-7C65DB52DCEE}"/>
+              </a:ext>
+            </a:extLst>
+          </p:cNvPr>
+          <p:cNvPicPr>
+            <a:picLocks noChangeAspect="1"/>
+          </p:cNvPicPr>
+          <p:nvPr/>
+        </p:nvPicPr>
+        <p:blipFill>
+          <a:blip r:embed="rId3">
+            <a:extLst>
+              <a:ext uri="{28A0092B-C50C-407E-A947-70E740481C1C}">
+                <a14:useLocalDpi xmlns:a14="http://schemas.microsoft.com/office/drawing/2010/main" val="0"/>
+              </a:ext>
+            </a:extLst>
+          </a:blip>
+          <a:stretch>
+            <a:fillRect/>
+          </a:stretch>
+        </p:blipFill>
+        <p:spPr>
+          <a:xfrm>
+            <a:off x="758027" y="4312854"/>
+            <a:ext cx="1026811" cy="1191414"/>
+          </a:xfrm>
+          <a:prstGeom prst="rect">
+            <a:avLst/>
+          </a:prstGeom>
+        </p:spPr>
+      </p:pic>
+      <p:pic>
+        <p:nvPicPr>
+          <p:cNvPr id="22" name="Picture 21">
+            <a:extLst>
+              <a:ext uri="{FF2B5EF4-FFF2-40B4-BE49-F238E27FC236}">
+                <a16:creationId xmlns:a16="http://schemas.microsoft.com/office/drawing/2014/main" id="{36D83F89-0B23-47E3-91B5-BA3F0DF0A42E}"/>
+              </a:ext>
+            </a:extLst>
+          </p:cNvPr>
+          <p:cNvPicPr>
+            <a:picLocks noChangeAspect="1"/>
+          </p:cNvPicPr>
+          <p:nvPr/>
+        </p:nvPicPr>
+        <p:blipFill>
+          <a:blip r:embed="rId4">
+            <a:extLst>
+              <a:ext uri="{28A0092B-C50C-407E-A947-70E740481C1C}">
+                <a14:useLocalDpi xmlns:a14="http://schemas.microsoft.com/office/drawing/2010/main" val="0"/>
+              </a:ext>
+            </a:extLst>
+          </a:blip>
+          <a:stretch>
+            <a:fillRect/>
+          </a:stretch>
+        </p:blipFill>
+        <p:spPr>
+          <a:xfrm>
+            <a:off x="5460024" y="1987034"/>
+            <a:ext cx="1705708" cy="1083593"/>
+          </a:xfrm>
+          <a:prstGeom prst="rect">
+            <a:avLst/>
+          </a:prstGeom>
+        </p:spPr>
+      </p:pic>
+      <p:pic>
+        <p:nvPicPr>
+          <p:cNvPr id="23" name="Picture 22">
+            <a:extLst>
+              <a:ext uri="{FF2B5EF4-FFF2-40B4-BE49-F238E27FC236}">
+                <a16:creationId xmlns:a16="http://schemas.microsoft.com/office/drawing/2014/main" id="{944A87C8-DBA3-4E68-93B4-E6C9315A34A1}"/>
+              </a:ext>
+            </a:extLst>
+          </p:cNvPr>
+          <p:cNvPicPr>
+            <a:picLocks noChangeAspect="1"/>
+          </p:cNvPicPr>
+          <p:nvPr/>
+        </p:nvPicPr>
+        <p:blipFill>
+          <a:blip r:embed="rId3">
+            <a:extLst>
+              <a:ext uri="{28A0092B-C50C-407E-A947-70E740481C1C}">
+                <a14:useLocalDpi xmlns:a14="http://schemas.microsoft.com/office/drawing/2010/main" val="0"/>
+              </a:ext>
+            </a:extLst>
+          </a:blip>
+          <a:stretch>
+            <a:fillRect/>
+          </a:stretch>
+        </p:blipFill>
+        <p:spPr>
+          <a:xfrm>
+            <a:off x="5570300" y="3024292"/>
+            <a:ext cx="799677" cy="927869"/>
+          </a:xfrm>
+          <a:prstGeom prst="rect">
+            <a:avLst/>
+          </a:prstGeom>
+        </p:spPr>
+      </p:pic>
+      <p:pic>
+        <p:nvPicPr>
+          <p:cNvPr id="24" name="Picture 23">
+            <a:extLst>
+              <a:ext uri="{FF2B5EF4-FFF2-40B4-BE49-F238E27FC236}">
+                <a16:creationId xmlns:a16="http://schemas.microsoft.com/office/drawing/2014/main" id="{A3A5C052-EE2C-4BA8-BCBB-5329583783B3}"/>
+              </a:ext>
+            </a:extLst>
+          </p:cNvPr>
+          <p:cNvPicPr>
+            <a:picLocks noChangeAspect="1"/>
+          </p:cNvPicPr>
+          <p:nvPr/>
+        </p:nvPicPr>
+        <p:blipFill>
+          <a:blip r:embed="rId3">
+            <a:extLst>
+              <a:ext uri="{28A0092B-C50C-407E-A947-70E740481C1C}">
+                <a14:useLocalDpi xmlns:a14="http://schemas.microsoft.com/office/drawing/2010/main" val="0"/>
+              </a:ext>
+            </a:extLst>
+          </a:blip>
+          <a:stretch>
+            <a:fillRect/>
+          </a:stretch>
+        </p:blipFill>
+        <p:spPr>
+          <a:xfrm>
+            <a:off x="6593190" y="3035331"/>
+            <a:ext cx="799677" cy="927869"/>
+          </a:xfrm>
+          <a:prstGeom prst="rect">
+            <a:avLst/>
+          </a:prstGeom>
+        </p:spPr>
+      </p:pic>
+      <p:pic>
+        <p:nvPicPr>
+          <p:cNvPr id="25" name="Picture 24">
+            <a:extLst>
+              <a:ext uri="{FF2B5EF4-FFF2-40B4-BE49-F238E27FC236}">
+                <a16:creationId xmlns:a16="http://schemas.microsoft.com/office/drawing/2014/main" id="{35AD8B2B-C4BC-4354-8820-4A392843356B}"/>
+              </a:ext>
+            </a:extLst>
+          </p:cNvPr>
+          <p:cNvPicPr>
+            <a:picLocks noChangeAspect="1"/>
+          </p:cNvPicPr>
+          <p:nvPr/>
+        </p:nvPicPr>
+        <p:blipFill>
+          <a:blip r:embed="rId3">
+            <a:extLst>
+              <a:ext uri="{28A0092B-C50C-407E-A947-70E740481C1C}">
+                <a14:useLocalDpi xmlns:a14="http://schemas.microsoft.com/office/drawing/2010/main" val="0"/>
+              </a:ext>
+            </a:extLst>
+          </a:blip>
+          <a:stretch>
+            <a:fillRect/>
+          </a:stretch>
+        </p:blipFill>
+        <p:spPr>
+          <a:xfrm>
+            <a:off x="7575262" y="3024292"/>
+            <a:ext cx="799677" cy="927869"/>
+          </a:xfrm>
+          <a:prstGeom prst="rect">
+            <a:avLst/>
+          </a:prstGeom>
+        </p:spPr>
+      </p:pic>
+    </p:spTree>
+    <p:extLst>
+      <p:ext uri="{BB962C8B-B14F-4D97-AF65-F5344CB8AC3E}">
+        <p14:creationId xmlns:p14="http://schemas.microsoft.com/office/powerpoint/2010/main" val="959678350"/>
+      </p:ext>
+    </p:extLst>
+  </p:cSld>
+  <p:clrMapOvr>
+    <a:masterClrMapping/>
+  </p:clrMapOvr>
+</p:sld>
+</file>
+
+<file path=ppt/slides/slide7.xml><?xml version="1.0" encoding="utf-8"?>
+<p:sld xmlns:a="http://schemas.openxmlformats.org/drawingml/2006/main" xmlns:r="http://schemas.openxmlformats.org/officeDocument/2006/relationships" xmlns:p="http://schemas.openxmlformats.org/presentationml/2006/main">
+  <p:cSld>
+    <p:spTree>
+      <p:nvGrpSpPr>
+        <p:cNvPr id="1" name=""/>
+        <p:cNvGrpSpPr/>
+        <p:nvPr/>
+      </p:nvGrpSpPr>
+      <p:grpSpPr>
+        <a:xfrm>
+          <a:off x="0" y="0"/>
+          <a:ext cx="0" cy="0"/>
+          <a:chOff x="0" y="0"/>
+          <a:chExt cx="0" cy="0"/>
+        </a:xfrm>
+      </p:grpSpPr>
+      <p:pic>
+        <p:nvPicPr>
+          <p:cNvPr id="18" name="Picture 17">
+            <a:extLst>
+              <a:ext uri="{FF2B5EF4-FFF2-40B4-BE49-F238E27FC236}">
+                <a16:creationId xmlns:a16="http://schemas.microsoft.com/office/drawing/2014/main" id="{F64098E5-2171-45CA-9DB2-42CE5545A9AD}"/>
+              </a:ext>
+            </a:extLst>
+          </p:cNvPr>
+          <p:cNvPicPr>
+            <a:picLocks noChangeAspect="1"/>
+          </p:cNvPicPr>
+          <p:nvPr/>
+        </p:nvPicPr>
+        <p:blipFill>
+          <a:blip r:embed="rId2">
+            <a:duotone>
+              <a:prstClr val="black"/>
+              <a:srgbClr val="F6EAEA">
+                <a:tint val="45000"/>
+                <a:satMod val="400000"/>
+              </a:srgbClr>
+            </a:duotone>
+            <a:extLst>
+              <a:ext uri="{28A0092B-C50C-407E-A947-70E740481C1C}">
+                <a14:useLocalDpi xmlns:a14="http://schemas.microsoft.com/office/drawing/2010/main" val="0"/>
+              </a:ext>
+            </a:extLst>
+          </a:blip>
+          <a:stretch>
+            <a:fillRect/>
+          </a:stretch>
+        </p:blipFill>
+        <p:spPr>
+          <a:xfrm>
+            <a:off x="5268795" y="1427940"/>
+            <a:ext cx="5722318" cy="4269477"/>
+          </a:xfrm>
+          <a:prstGeom prst="rect">
+            <a:avLst/>
+          </a:prstGeom>
+        </p:spPr>
+      </p:pic>
+      <p:sp>
+        <p:nvSpPr>
+          <p:cNvPr id="3" name="TextBox 2">
+            <a:extLst>
+              <a:ext uri="{FF2B5EF4-FFF2-40B4-BE49-F238E27FC236}">
+                <a16:creationId xmlns:a16="http://schemas.microsoft.com/office/drawing/2014/main" id="{86BB6E0C-2F0B-4667-A463-A78E8075B37C}"/>
+              </a:ext>
+            </a:extLst>
+          </p:cNvPr>
+          <p:cNvSpPr txBox="1"/>
+          <p:nvPr/>
+        </p:nvSpPr>
+        <p:spPr>
+          <a:xfrm>
+            <a:off x="7327655" y="975917"/>
+            <a:ext cx="1604598" cy="369332"/>
+          </a:xfrm>
+          <a:prstGeom prst="rect">
+            <a:avLst/>
+          </a:prstGeom>
+          <a:noFill/>
+        </p:spPr>
+        <p:txBody>
+          <a:bodyPr wrap="square" rtlCol="0">
+            <a:spAutoFit/>
+          </a:bodyPr>
+          <a:lstStyle/>
+          <a:p>
+            <a:r>
+              <a:rPr lang="en-US" b="1" dirty="0" err="1"/>
+              <a:t>MyComponent</a:t>
+            </a:r>
+            <a:endParaRPr lang="en-US" b="1" dirty="0"/>
+          </a:p>
+        </p:txBody>
+      </p:sp>
+      <p:sp>
+        <p:nvSpPr>
+          <p:cNvPr id="6" name="TextBox 5">
+            <a:extLst>
+              <a:ext uri="{FF2B5EF4-FFF2-40B4-BE49-F238E27FC236}">
+                <a16:creationId xmlns:a16="http://schemas.microsoft.com/office/drawing/2014/main" id="{3FDAC571-F7ED-4D9D-89BA-8DFEDEA01B19}"/>
+              </a:ext>
+            </a:extLst>
+          </p:cNvPr>
+          <p:cNvSpPr txBox="1"/>
+          <p:nvPr/>
+        </p:nvSpPr>
+        <p:spPr>
+          <a:xfrm>
+            <a:off x="526068" y="1846191"/>
+            <a:ext cx="4001966" cy="880369"/>
+          </a:xfrm>
+          <a:prstGeom prst="rect">
+            <a:avLst/>
+          </a:prstGeom>
+          <a:noFill/>
+        </p:spPr>
+        <p:txBody>
+          <a:bodyPr wrap="square" rtlCol="0">
+            <a:spAutoFit/>
+          </a:bodyPr>
+          <a:lstStyle/>
+          <a:p>
+            <a:pPr>
+              <a:lnSpc>
+                <a:spcPct val="150000"/>
+              </a:lnSpc>
+            </a:pPr>
+            <a:r>
+              <a:rPr lang="my-MM" dirty="0"/>
+              <a:t>ပြောင်းလဲတာတွေစောင့်ကြည့်ဖို့ </a:t>
+            </a:r>
+            <a:r>
+              <a:rPr lang="en-US" dirty="0"/>
+              <a:t>change detection </a:t>
+            </a:r>
+            <a:r>
+              <a:rPr lang="my-MM" dirty="0"/>
+              <a:t>စတင်လိုက်တယ်။</a:t>
+            </a:r>
+            <a:endParaRPr lang="en-US" dirty="0"/>
+          </a:p>
+        </p:txBody>
+      </p:sp>
+      <p:sp>
+        <p:nvSpPr>
+          <p:cNvPr id="11" name="TextBox 10">
+            <a:extLst>
+              <a:ext uri="{FF2B5EF4-FFF2-40B4-BE49-F238E27FC236}">
+                <a16:creationId xmlns:a16="http://schemas.microsoft.com/office/drawing/2014/main" id="{46B9337C-9D2A-44F3-AC2F-B6CFB0D5B5CF}"/>
+              </a:ext>
+            </a:extLst>
+          </p:cNvPr>
+          <p:cNvSpPr txBox="1"/>
+          <p:nvPr/>
+        </p:nvSpPr>
+        <p:spPr>
+          <a:xfrm>
+            <a:off x="526066" y="465992"/>
+            <a:ext cx="4705351" cy="369332"/>
+          </a:xfrm>
+          <a:prstGeom prst="rect">
+            <a:avLst/>
+          </a:prstGeom>
+          <a:noFill/>
+        </p:spPr>
+        <p:txBody>
+          <a:bodyPr wrap="square" rtlCol="0">
+            <a:spAutoFit/>
+          </a:bodyPr>
+          <a:lstStyle/>
+          <a:p>
+            <a:r>
+              <a:rPr lang="en-US" b="1" dirty="0"/>
+              <a:t>Step 4: </a:t>
+            </a:r>
+            <a:r>
+              <a:rPr lang="en-US" b="1" dirty="0" err="1"/>
+              <a:t>ngDoCheck</a:t>
+            </a:r>
+            <a:r>
+              <a:rPr lang="en-US" b="1" dirty="0"/>
+              <a:t>()</a:t>
+            </a:r>
+          </a:p>
+        </p:txBody>
+      </p:sp>
+      <p:sp>
+        <p:nvSpPr>
+          <p:cNvPr id="5" name="TextBox 4">
+            <a:extLst>
+              <a:ext uri="{FF2B5EF4-FFF2-40B4-BE49-F238E27FC236}">
+                <a16:creationId xmlns:a16="http://schemas.microsoft.com/office/drawing/2014/main" id="{E4124317-60E2-4C27-8B9E-FD07CE33D127}"/>
+              </a:ext>
+            </a:extLst>
+          </p:cNvPr>
+          <p:cNvSpPr txBox="1"/>
+          <p:nvPr/>
+        </p:nvSpPr>
+        <p:spPr>
+          <a:xfrm>
+            <a:off x="1784837" y="4677729"/>
+            <a:ext cx="2952554" cy="523220"/>
+          </a:xfrm>
+          <a:prstGeom prst="rect">
+            <a:avLst/>
+          </a:prstGeom>
+          <a:noFill/>
+        </p:spPr>
+        <p:txBody>
+          <a:bodyPr wrap="square" rtlCol="0">
+            <a:spAutoFit/>
+          </a:bodyPr>
+          <a:lstStyle/>
+          <a:p>
+            <a:r>
+              <a:rPr lang="en-US" sz="2800" dirty="0"/>
+              <a:t>= change detection</a:t>
+            </a:r>
+          </a:p>
+        </p:txBody>
+      </p:sp>
+      <p:pic>
+        <p:nvPicPr>
+          <p:cNvPr id="25" name="Picture 24">
+            <a:extLst>
+              <a:ext uri="{FF2B5EF4-FFF2-40B4-BE49-F238E27FC236}">
+                <a16:creationId xmlns:a16="http://schemas.microsoft.com/office/drawing/2014/main" id="{2B75B0E0-CECB-428E-B2BF-515666B9D504}"/>
+              </a:ext>
+            </a:extLst>
+          </p:cNvPr>
+          <p:cNvPicPr>
+            <a:picLocks noChangeAspect="1"/>
+          </p:cNvPicPr>
+          <p:nvPr/>
+        </p:nvPicPr>
+        <p:blipFill>
+          <a:blip r:embed="rId3">
+            <a:extLst>
+              <a:ext uri="{28A0092B-C50C-407E-A947-70E740481C1C}">
+                <a14:useLocalDpi xmlns:a14="http://schemas.microsoft.com/office/drawing/2010/main" val="0"/>
+              </a:ext>
+            </a:extLst>
+          </a:blip>
+          <a:stretch>
+            <a:fillRect/>
+          </a:stretch>
+        </p:blipFill>
+        <p:spPr>
+          <a:xfrm rot="10500466">
+            <a:off x="4786851" y="1023690"/>
+            <a:ext cx="1472168" cy="1200909"/>
+          </a:xfrm>
+          <a:prstGeom prst="rect">
+            <a:avLst/>
+          </a:prstGeom>
+        </p:spPr>
+      </p:pic>
+      <p:pic>
+        <p:nvPicPr>
+          <p:cNvPr id="26" name="Picture 25">
+            <a:extLst>
+              <a:ext uri="{FF2B5EF4-FFF2-40B4-BE49-F238E27FC236}">
+                <a16:creationId xmlns:a16="http://schemas.microsoft.com/office/drawing/2014/main" id="{7688263C-92F6-493E-94EF-0782AAC8CF41}"/>
+              </a:ext>
+            </a:extLst>
+          </p:cNvPr>
+          <p:cNvPicPr>
+            <a:picLocks noChangeAspect="1"/>
+          </p:cNvPicPr>
+          <p:nvPr/>
+        </p:nvPicPr>
+        <p:blipFill>
+          <a:blip r:embed="rId3">
+            <a:extLst>
+              <a:ext uri="{28A0092B-C50C-407E-A947-70E740481C1C}">
+                <a14:useLocalDpi xmlns:a14="http://schemas.microsoft.com/office/drawing/2010/main" val="0"/>
+              </a:ext>
+            </a:extLst>
+          </a:blip>
+          <a:stretch>
+            <a:fillRect/>
+          </a:stretch>
+        </p:blipFill>
+        <p:spPr>
+          <a:xfrm rot="10500466">
+            <a:off x="428895" y="4077273"/>
+            <a:ext cx="1472168" cy="1200909"/>
+          </a:xfrm>
+          <a:prstGeom prst="rect">
+            <a:avLst/>
+          </a:prstGeom>
+        </p:spPr>
+      </p:pic>
+      <p:pic>
+        <p:nvPicPr>
+          <p:cNvPr id="29" name="Picture 28">
+            <a:extLst>
+              <a:ext uri="{FF2B5EF4-FFF2-40B4-BE49-F238E27FC236}">
+                <a16:creationId xmlns:a16="http://schemas.microsoft.com/office/drawing/2014/main" id="{A99530DA-1204-46C3-8350-27684A98C043}"/>
+              </a:ext>
+            </a:extLst>
+          </p:cNvPr>
+          <p:cNvPicPr>
+            <a:picLocks noChangeAspect="1"/>
+          </p:cNvPicPr>
+          <p:nvPr/>
+        </p:nvPicPr>
+        <p:blipFill>
+          <a:blip r:embed="rId4">
+            <a:extLst>
+              <a:ext uri="{28A0092B-C50C-407E-A947-70E740481C1C}">
+                <a14:useLocalDpi xmlns:a14="http://schemas.microsoft.com/office/drawing/2010/main" val="0"/>
+              </a:ext>
+            </a:extLst>
+          </a:blip>
+          <a:stretch>
+            <a:fillRect/>
+          </a:stretch>
+        </p:blipFill>
+        <p:spPr>
+          <a:xfrm>
+            <a:off x="5460024" y="1987034"/>
+            <a:ext cx="1705708" cy="1083593"/>
+          </a:xfrm>
+          <a:prstGeom prst="rect">
+            <a:avLst/>
+          </a:prstGeom>
+        </p:spPr>
+      </p:pic>
+      <p:pic>
+        <p:nvPicPr>
+          <p:cNvPr id="30" name="Picture 29">
+            <a:extLst>
+              <a:ext uri="{FF2B5EF4-FFF2-40B4-BE49-F238E27FC236}">
+                <a16:creationId xmlns:a16="http://schemas.microsoft.com/office/drawing/2014/main" id="{8349E6CA-A6E2-4CAC-A96F-CD0F6E80BF67}"/>
+              </a:ext>
+            </a:extLst>
+          </p:cNvPr>
+          <p:cNvPicPr>
+            <a:picLocks noChangeAspect="1"/>
+          </p:cNvPicPr>
+          <p:nvPr/>
+        </p:nvPicPr>
+        <p:blipFill>
+          <a:blip r:embed="rId5">
+            <a:extLst>
+              <a:ext uri="{28A0092B-C50C-407E-A947-70E740481C1C}">
+                <a14:useLocalDpi xmlns:a14="http://schemas.microsoft.com/office/drawing/2010/main" val="0"/>
+              </a:ext>
+            </a:extLst>
+          </a:blip>
+          <a:stretch>
+            <a:fillRect/>
+          </a:stretch>
+        </p:blipFill>
+        <p:spPr>
+          <a:xfrm>
+            <a:off x="5570300" y="3024292"/>
+            <a:ext cx="799677" cy="927869"/>
+          </a:xfrm>
+          <a:prstGeom prst="rect">
+            <a:avLst/>
+          </a:prstGeom>
+        </p:spPr>
+      </p:pic>
+      <p:pic>
+        <p:nvPicPr>
+          <p:cNvPr id="15" name="Picture 14">
+            <a:extLst>
+              <a:ext uri="{FF2B5EF4-FFF2-40B4-BE49-F238E27FC236}">
+                <a16:creationId xmlns:a16="http://schemas.microsoft.com/office/drawing/2014/main" id="{19D2B848-C56E-41AB-9D44-860788A38BCE}"/>
+              </a:ext>
+            </a:extLst>
+          </p:cNvPr>
+          <p:cNvPicPr>
+            <a:picLocks noChangeAspect="1"/>
+          </p:cNvPicPr>
+          <p:nvPr/>
+        </p:nvPicPr>
+        <p:blipFill>
+          <a:blip r:embed="rId5">
+            <a:extLst>
+              <a:ext uri="{28A0092B-C50C-407E-A947-70E740481C1C}">
+                <a14:useLocalDpi xmlns:a14="http://schemas.microsoft.com/office/drawing/2010/main" val="0"/>
+              </a:ext>
+            </a:extLst>
+          </a:blip>
+          <a:stretch>
+            <a:fillRect/>
+          </a:stretch>
+        </p:blipFill>
+        <p:spPr>
+          <a:xfrm>
+            <a:off x="6593190" y="3035331"/>
+            <a:ext cx="799677" cy="927869"/>
+          </a:xfrm>
+          <a:prstGeom prst="rect">
+            <a:avLst/>
+          </a:prstGeom>
+        </p:spPr>
+      </p:pic>
+      <p:pic>
+        <p:nvPicPr>
+          <p:cNvPr id="16" name="Picture 15">
+            <a:extLst>
+              <a:ext uri="{FF2B5EF4-FFF2-40B4-BE49-F238E27FC236}">
+                <a16:creationId xmlns:a16="http://schemas.microsoft.com/office/drawing/2014/main" id="{332CEE02-B082-4EF6-A2B3-E6D4965A8F99}"/>
+              </a:ext>
+            </a:extLst>
+          </p:cNvPr>
+          <p:cNvPicPr>
+            <a:picLocks noChangeAspect="1"/>
+          </p:cNvPicPr>
+          <p:nvPr/>
+        </p:nvPicPr>
+        <p:blipFill>
+          <a:blip r:embed="rId5">
+            <a:extLst>
+              <a:ext uri="{28A0092B-C50C-407E-A947-70E740481C1C}">
+                <a14:useLocalDpi xmlns:a14="http://schemas.microsoft.com/office/drawing/2010/main" val="0"/>
+              </a:ext>
+            </a:extLst>
+          </a:blip>
+          <a:stretch>
+            <a:fillRect/>
+          </a:stretch>
+        </p:blipFill>
+        <p:spPr>
+          <a:xfrm>
+            <a:off x="7575262" y="3024292"/>
+            <a:ext cx="799677" cy="927869"/>
+          </a:xfrm>
+          <a:prstGeom prst="rect">
+            <a:avLst/>
+          </a:prstGeom>
+        </p:spPr>
+      </p:pic>
+    </p:spTree>
+    <p:extLst>
+      <p:ext uri="{BB962C8B-B14F-4D97-AF65-F5344CB8AC3E}">
+        <p14:creationId xmlns:p14="http://schemas.microsoft.com/office/powerpoint/2010/main" val="3485951448"/>
+      </p:ext>
+    </p:extLst>
+  </p:cSld>
+  <p:clrMapOvr>
+    <a:masterClrMapping/>
+  </p:clrMapOvr>
+</p:sld>
+</file>
+
+<file path=ppt/slides/slide8.xml><?xml version="1.0" encoding="utf-8"?>
+<p:sld xmlns:a="http://schemas.openxmlformats.org/drawingml/2006/main" xmlns:r="http://schemas.openxmlformats.org/officeDocument/2006/relationships" xmlns:p="http://schemas.openxmlformats.org/presentationml/2006/main">
+  <p:cSld>
+    <p:spTree>
+      <p:nvGrpSpPr>
+        <p:cNvPr id="1" name=""/>
+        <p:cNvGrpSpPr/>
+        <p:nvPr/>
+      </p:nvGrpSpPr>
+      <p:grpSpPr>
+        <a:xfrm>
+          <a:off x="0" y="0"/>
+          <a:ext cx="0" cy="0"/>
+          <a:chOff x="0" y="0"/>
+          <a:chExt cx="0" cy="0"/>
+        </a:xfrm>
+      </p:grpSpPr>
+      <p:pic>
+        <p:nvPicPr>
+          <p:cNvPr id="41" name="Picture 40">
+            <a:extLst>
+              <a:ext uri="{FF2B5EF4-FFF2-40B4-BE49-F238E27FC236}">
+                <a16:creationId xmlns:a16="http://schemas.microsoft.com/office/drawing/2014/main" id="{B36A5264-6E5A-4CC3-A1E0-8930ADB610B5}"/>
+              </a:ext>
+            </a:extLst>
+          </p:cNvPr>
+          <p:cNvPicPr>
+            <a:picLocks noChangeAspect="1"/>
+          </p:cNvPicPr>
+          <p:nvPr/>
+        </p:nvPicPr>
+        <p:blipFill>
+          <a:blip r:embed="rId2">
+            <a:duotone>
+              <a:prstClr val="black"/>
+              <a:srgbClr val="F6EAEA">
+                <a:tint val="45000"/>
+                <a:satMod val="400000"/>
+              </a:srgbClr>
+            </a:duotone>
+            <a:extLst>
+              <a:ext uri="{28A0092B-C50C-407E-A947-70E740481C1C}">
+                <a14:useLocalDpi xmlns:a14="http://schemas.microsoft.com/office/drawing/2010/main" val="0"/>
+              </a:ext>
+            </a:extLst>
+          </a:blip>
+          <a:stretch>
+            <a:fillRect/>
+          </a:stretch>
+        </p:blipFill>
+        <p:spPr>
+          <a:xfrm>
+            <a:off x="5268795" y="1427940"/>
+            <a:ext cx="5722318" cy="4269477"/>
+          </a:xfrm>
+          <a:prstGeom prst="rect">
+            <a:avLst/>
+          </a:prstGeom>
+        </p:spPr>
+      </p:pic>
+      <p:sp>
+        <p:nvSpPr>
+          <p:cNvPr id="3" name="TextBox 2">
+            <a:extLst>
+              <a:ext uri="{FF2B5EF4-FFF2-40B4-BE49-F238E27FC236}">
+                <a16:creationId xmlns:a16="http://schemas.microsoft.com/office/drawing/2014/main" id="{86BB6E0C-2F0B-4667-A463-A78E8075B37C}"/>
+              </a:ext>
+            </a:extLst>
+          </p:cNvPr>
+          <p:cNvSpPr txBox="1"/>
+          <p:nvPr/>
+        </p:nvSpPr>
+        <p:spPr>
+          <a:xfrm>
+            <a:off x="7327655" y="975917"/>
+            <a:ext cx="1604598" cy="369332"/>
+          </a:xfrm>
+          <a:prstGeom prst="rect">
+            <a:avLst/>
+          </a:prstGeom>
+          <a:noFill/>
+        </p:spPr>
+        <p:txBody>
+          <a:bodyPr wrap="square" rtlCol="0">
+            <a:spAutoFit/>
+          </a:bodyPr>
+          <a:lstStyle/>
+          <a:p>
+            <a:r>
+              <a:rPr lang="en-US" b="1" dirty="0" err="1"/>
+              <a:t>MyComponent</a:t>
+            </a:r>
+            <a:endParaRPr lang="en-US" b="1" dirty="0"/>
+          </a:p>
+        </p:txBody>
+      </p:sp>
+      <p:sp>
+        <p:nvSpPr>
+          <p:cNvPr id="6" name="TextBox 5">
+            <a:extLst>
+              <a:ext uri="{FF2B5EF4-FFF2-40B4-BE49-F238E27FC236}">
+                <a16:creationId xmlns:a16="http://schemas.microsoft.com/office/drawing/2014/main" id="{3FDAC571-F7ED-4D9D-89BA-8DFEDEA01B19}"/>
+              </a:ext>
+            </a:extLst>
+          </p:cNvPr>
+          <p:cNvSpPr txBox="1"/>
+          <p:nvPr/>
+        </p:nvSpPr>
+        <p:spPr>
+          <a:xfrm>
+            <a:off x="552450" y="1846191"/>
+            <a:ext cx="4001966" cy="888705"/>
+          </a:xfrm>
+          <a:prstGeom prst="rect">
+            <a:avLst/>
+          </a:prstGeom>
+          <a:noFill/>
+        </p:spPr>
+        <p:txBody>
+          <a:bodyPr wrap="square" rtlCol="0">
+            <a:spAutoFit/>
+          </a:bodyPr>
+          <a:lstStyle/>
+          <a:p>
+            <a:pPr>
+              <a:lnSpc>
+                <a:spcPct val="150000"/>
+              </a:lnSpc>
+            </a:pPr>
+            <a:r>
+              <a:rPr lang="en-US" dirty="0"/>
+              <a:t>ng-content </a:t>
+            </a:r>
+            <a:r>
+              <a:rPr lang="my-MM" dirty="0"/>
+              <a:t>ကရလာတဲ့ </a:t>
+            </a:r>
+            <a:r>
+              <a:rPr lang="en-US" dirty="0"/>
+              <a:t>contents </a:t>
+            </a:r>
+            <a:r>
+              <a:rPr lang="my-MM" dirty="0"/>
+              <a:t>တွေ ထည့်လိုက်တယ်။</a:t>
+            </a:r>
+            <a:endParaRPr lang="en-US" dirty="0"/>
+          </a:p>
+        </p:txBody>
+      </p:sp>
+      <p:sp>
+        <p:nvSpPr>
+          <p:cNvPr id="11" name="TextBox 10">
+            <a:extLst>
+              <a:ext uri="{FF2B5EF4-FFF2-40B4-BE49-F238E27FC236}">
+                <a16:creationId xmlns:a16="http://schemas.microsoft.com/office/drawing/2014/main" id="{46B9337C-9D2A-44F3-AC2F-B6CFB0D5B5CF}"/>
+              </a:ext>
+            </a:extLst>
+          </p:cNvPr>
+          <p:cNvSpPr txBox="1"/>
+          <p:nvPr/>
+        </p:nvSpPr>
+        <p:spPr>
+          <a:xfrm>
+            <a:off x="552450" y="465992"/>
+            <a:ext cx="4705351" cy="369332"/>
+          </a:xfrm>
+          <a:prstGeom prst="rect">
+            <a:avLst/>
+          </a:prstGeom>
+          <a:noFill/>
+        </p:spPr>
+        <p:txBody>
+          <a:bodyPr wrap="square" rtlCol="0">
+            <a:spAutoFit/>
+          </a:bodyPr>
+          <a:lstStyle/>
+          <a:p>
+            <a:r>
+              <a:rPr lang="en-US" b="1" dirty="0"/>
+              <a:t>Step 5: </a:t>
+            </a:r>
+            <a:r>
+              <a:rPr lang="en-US" b="1" dirty="0" err="1"/>
+              <a:t>ngAfterContentInit</a:t>
+            </a:r>
+            <a:r>
+              <a:rPr lang="en-US" b="1" dirty="0"/>
+              <a:t>()</a:t>
+            </a:r>
+          </a:p>
+        </p:txBody>
+      </p:sp>
+      <p:sp>
+        <p:nvSpPr>
+          <p:cNvPr id="5" name="TextBox 4">
+            <a:extLst>
+              <a:ext uri="{FF2B5EF4-FFF2-40B4-BE49-F238E27FC236}">
+                <a16:creationId xmlns:a16="http://schemas.microsoft.com/office/drawing/2014/main" id="{E4124317-60E2-4C27-8B9E-FD07CE33D127}"/>
+              </a:ext>
+            </a:extLst>
+          </p:cNvPr>
+          <p:cNvSpPr txBox="1"/>
+          <p:nvPr/>
+        </p:nvSpPr>
+        <p:spPr>
+          <a:xfrm>
+            <a:off x="1784837" y="4677729"/>
+            <a:ext cx="2952554" cy="523220"/>
+          </a:xfrm>
+          <a:prstGeom prst="rect">
+            <a:avLst/>
+          </a:prstGeom>
+          <a:noFill/>
+        </p:spPr>
+        <p:txBody>
+          <a:bodyPr wrap="square" rtlCol="0">
+            <a:spAutoFit/>
+          </a:bodyPr>
+          <a:lstStyle/>
+          <a:p>
+            <a:r>
+              <a:rPr lang="en-US" sz="2800" dirty="0"/>
+              <a:t>= content </a:t>
+            </a:r>
+          </a:p>
+        </p:txBody>
+      </p:sp>
+      <p:pic>
+        <p:nvPicPr>
+          <p:cNvPr id="25" name="Picture 24">
+            <a:extLst>
+              <a:ext uri="{FF2B5EF4-FFF2-40B4-BE49-F238E27FC236}">
+                <a16:creationId xmlns:a16="http://schemas.microsoft.com/office/drawing/2014/main" id="{2B75B0E0-CECB-428E-B2BF-515666B9D504}"/>
+              </a:ext>
+            </a:extLst>
+          </p:cNvPr>
+          <p:cNvPicPr>
+            <a:picLocks noChangeAspect="1"/>
+          </p:cNvPicPr>
+          <p:nvPr/>
+        </p:nvPicPr>
+        <p:blipFill>
+          <a:blip r:embed="rId3">
+            <a:extLst>
+              <a:ext uri="{28A0092B-C50C-407E-A947-70E740481C1C}">
+                <a14:useLocalDpi xmlns:a14="http://schemas.microsoft.com/office/drawing/2010/main" val="0"/>
+              </a:ext>
+            </a:extLst>
+          </a:blip>
+          <a:stretch>
+            <a:fillRect/>
+          </a:stretch>
+        </p:blipFill>
+        <p:spPr>
+          <a:xfrm rot="10500466">
+            <a:off x="4786851" y="1023690"/>
+            <a:ext cx="1472168" cy="1200909"/>
+          </a:xfrm>
+          <a:prstGeom prst="rect">
+            <a:avLst/>
+          </a:prstGeom>
+        </p:spPr>
+      </p:pic>
+      <p:pic>
+        <p:nvPicPr>
+          <p:cNvPr id="33" name="Picture 32">
+            <a:extLst>
+              <a:ext uri="{FF2B5EF4-FFF2-40B4-BE49-F238E27FC236}">
+                <a16:creationId xmlns:a16="http://schemas.microsoft.com/office/drawing/2014/main" id="{3359D833-42C2-4EB0-A253-909586B1C4E2}"/>
+              </a:ext>
+            </a:extLst>
+          </p:cNvPr>
+          <p:cNvPicPr>
+            <a:picLocks noChangeAspect="1"/>
+          </p:cNvPicPr>
+          <p:nvPr/>
+        </p:nvPicPr>
+        <p:blipFill>
+          <a:blip r:embed="rId4">
+            <a:extLst>
+              <a:ext uri="{28A0092B-C50C-407E-A947-70E740481C1C}">
+                <a14:useLocalDpi xmlns:a14="http://schemas.microsoft.com/office/drawing/2010/main" val="0"/>
+              </a:ext>
+            </a:extLst>
+          </a:blip>
+          <a:stretch>
+            <a:fillRect/>
+          </a:stretch>
+        </p:blipFill>
+        <p:spPr>
+          <a:xfrm>
+            <a:off x="804708" y="4497157"/>
+            <a:ext cx="812342" cy="1085910"/>
+          </a:xfrm>
+          <a:prstGeom prst="rect">
+            <a:avLst/>
+          </a:prstGeom>
+        </p:spPr>
+      </p:pic>
+      <p:pic>
+        <p:nvPicPr>
+          <p:cNvPr id="34" name="Picture 33">
+            <a:extLst>
+              <a:ext uri="{FF2B5EF4-FFF2-40B4-BE49-F238E27FC236}">
+                <a16:creationId xmlns:a16="http://schemas.microsoft.com/office/drawing/2014/main" id="{8B653A16-59B5-4A84-99F8-7A44FC4E7D7F}"/>
+              </a:ext>
+            </a:extLst>
+          </p:cNvPr>
+          <p:cNvPicPr>
+            <a:picLocks noChangeAspect="1"/>
+          </p:cNvPicPr>
+          <p:nvPr/>
+        </p:nvPicPr>
+        <p:blipFill>
+          <a:blip r:embed="rId5">
+            <a:extLst>
+              <a:ext uri="{28A0092B-C50C-407E-A947-70E740481C1C}">
+                <a14:useLocalDpi xmlns:a14="http://schemas.microsoft.com/office/drawing/2010/main" val="0"/>
+              </a:ext>
+            </a:extLst>
+          </a:blip>
+          <a:stretch>
+            <a:fillRect/>
+          </a:stretch>
+        </p:blipFill>
+        <p:spPr>
+          <a:xfrm>
+            <a:off x="5460024" y="1987034"/>
+            <a:ext cx="1705708" cy="1083593"/>
+          </a:xfrm>
+          <a:prstGeom prst="rect">
+            <a:avLst/>
+          </a:prstGeom>
+        </p:spPr>
+      </p:pic>
+      <p:pic>
+        <p:nvPicPr>
+          <p:cNvPr id="35" name="Picture 34">
+            <a:extLst>
+              <a:ext uri="{FF2B5EF4-FFF2-40B4-BE49-F238E27FC236}">
+                <a16:creationId xmlns:a16="http://schemas.microsoft.com/office/drawing/2014/main" id="{35A562D5-749F-4FD3-A6B8-5AFFA6C00729}"/>
+              </a:ext>
+            </a:extLst>
+          </p:cNvPr>
+          <p:cNvPicPr>
+            <a:picLocks noChangeAspect="1"/>
+          </p:cNvPicPr>
+          <p:nvPr/>
+        </p:nvPicPr>
+        <p:blipFill>
+          <a:blip r:embed="rId6">
+            <a:extLst>
+              <a:ext uri="{28A0092B-C50C-407E-A947-70E740481C1C}">
+                <a14:useLocalDpi xmlns:a14="http://schemas.microsoft.com/office/drawing/2010/main" val="0"/>
+              </a:ext>
+            </a:extLst>
+          </a:blip>
+          <a:stretch>
+            <a:fillRect/>
+          </a:stretch>
+        </p:blipFill>
+        <p:spPr>
+          <a:xfrm>
+            <a:off x="5570300" y="3024292"/>
+            <a:ext cx="799677" cy="927869"/>
+          </a:xfrm>
+          <a:prstGeom prst="rect">
+            <a:avLst/>
+          </a:prstGeom>
+        </p:spPr>
+      </p:pic>
+      <p:pic>
+        <p:nvPicPr>
+          <p:cNvPr id="36" name="Picture 35">
+            <a:extLst>
+              <a:ext uri="{FF2B5EF4-FFF2-40B4-BE49-F238E27FC236}">
+                <a16:creationId xmlns:a16="http://schemas.microsoft.com/office/drawing/2014/main" id="{8E367D61-BDE5-437B-93D9-4753D5B6C559}"/>
+              </a:ext>
+            </a:extLst>
+          </p:cNvPr>
+          <p:cNvPicPr>
+            <a:picLocks noChangeAspect="1"/>
+          </p:cNvPicPr>
+          <p:nvPr/>
+        </p:nvPicPr>
+        <p:blipFill>
+          <a:blip r:embed="rId6">
+            <a:extLst>
+              <a:ext uri="{28A0092B-C50C-407E-A947-70E740481C1C}">
+                <a14:useLocalDpi xmlns:a14="http://schemas.microsoft.com/office/drawing/2010/main" val="0"/>
+              </a:ext>
+            </a:extLst>
+          </a:blip>
+          <a:stretch>
+            <a:fillRect/>
+          </a:stretch>
+        </p:blipFill>
+        <p:spPr>
+          <a:xfrm>
+            <a:off x="6593190" y="3035331"/>
+            <a:ext cx="799677" cy="927869"/>
+          </a:xfrm>
+          <a:prstGeom prst="rect">
+            <a:avLst/>
+          </a:prstGeom>
+        </p:spPr>
+      </p:pic>
+      <p:pic>
+        <p:nvPicPr>
+          <p:cNvPr id="37" name="Picture 36">
+            <a:extLst>
+              <a:ext uri="{FF2B5EF4-FFF2-40B4-BE49-F238E27FC236}">
+                <a16:creationId xmlns:a16="http://schemas.microsoft.com/office/drawing/2014/main" id="{0126563D-56E7-45B3-8B02-B83DDB98BBC9}"/>
+              </a:ext>
+            </a:extLst>
+          </p:cNvPr>
+          <p:cNvPicPr>
+            <a:picLocks noChangeAspect="1"/>
+          </p:cNvPicPr>
+          <p:nvPr/>
+        </p:nvPicPr>
+        <p:blipFill>
+          <a:blip r:embed="rId6">
+            <a:extLst>
+              <a:ext uri="{28A0092B-C50C-407E-A947-70E740481C1C}">
+                <a14:useLocalDpi xmlns:a14="http://schemas.microsoft.com/office/drawing/2010/main" val="0"/>
+              </a:ext>
+            </a:extLst>
+          </a:blip>
+          <a:stretch>
+            <a:fillRect/>
+          </a:stretch>
+        </p:blipFill>
+        <p:spPr>
+          <a:xfrm>
+            <a:off x="7575262" y="3024292"/>
+            <a:ext cx="799677" cy="927869"/>
+          </a:xfrm>
+          <a:prstGeom prst="rect">
+            <a:avLst/>
+          </a:prstGeom>
+        </p:spPr>
+      </p:pic>
+      <p:pic>
+        <p:nvPicPr>
+          <p:cNvPr id="38" name="Picture 37">
+            <a:extLst>
+              <a:ext uri="{FF2B5EF4-FFF2-40B4-BE49-F238E27FC236}">
+                <a16:creationId xmlns:a16="http://schemas.microsoft.com/office/drawing/2014/main" id="{7886DC5C-98E1-4238-8A2A-92E9D65FA03E}"/>
+              </a:ext>
+            </a:extLst>
+          </p:cNvPr>
+          <p:cNvPicPr>
+            <a:picLocks noChangeAspect="1"/>
+          </p:cNvPicPr>
+          <p:nvPr/>
+        </p:nvPicPr>
+        <p:blipFill>
+          <a:blip r:embed="rId4">
+            <a:extLst>
+              <a:ext uri="{28A0092B-C50C-407E-A947-70E740481C1C}">
+                <a14:useLocalDpi xmlns:a14="http://schemas.microsoft.com/office/drawing/2010/main" val="0"/>
+              </a:ext>
+            </a:extLst>
+          </a:blip>
+          <a:stretch>
+            <a:fillRect/>
+          </a:stretch>
+        </p:blipFill>
+        <p:spPr>
+          <a:xfrm>
+            <a:off x="5511262" y="4279896"/>
+            <a:ext cx="812342" cy="1085910"/>
+          </a:xfrm>
+          <a:prstGeom prst="rect">
+            <a:avLst/>
+          </a:prstGeom>
+        </p:spPr>
+      </p:pic>
+      <p:pic>
+        <p:nvPicPr>
+          <p:cNvPr id="39" name="Picture 38">
+            <a:extLst>
+              <a:ext uri="{FF2B5EF4-FFF2-40B4-BE49-F238E27FC236}">
+                <a16:creationId xmlns:a16="http://schemas.microsoft.com/office/drawing/2014/main" id="{5C911891-D216-4E41-A5BF-4EE4541A58F9}"/>
+              </a:ext>
+            </a:extLst>
+          </p:cNvPr>
+          <p:cNvPicPr>
+            <a:picLocks noChangeAspect="1"/>
+          </p:cNvPicPr>
+          <p:nvPr/>
+        </p:nvPicPr>
+        <p:blipFill>
+          <a:blip r:embed="rId4">
+            <a:extLst>
+              <a:ext uri="{28A0092B-C50C-407E-A947-70E740481C1C}">
+                <a14:useLocalDpi xmlns:a14="http://schemas.microsoft.com/office/drawing/2010/main" val="0"/>
+              </a:ext>
+            </a:extLst>
+          </a:blip>
+          <a:stretch>
+            <a:fillRect/>
+          </a:stretch>
+        </p:blipFill>
+        <p:spPr>
+          <a:xfrm>
+            <a:off x="6524266" y="4279896"/>
+            <a:ext cx="812342" cy="1085910"/>
+          </a:xfrm>
+          <a:prstGeom prst="rect">
+            <a:avLst/>
+          </a:prstGeom>
+        </p:spPr>
+      </p:pic>
+    </p:spTree>
+    <p:extLst>
+      <p:ext uri="{BB962C8B-B14F-4D97-AF65-F5344CB8AC3E}">
+        <p14:creationId xmlns:p14="http://schemas.microsoft.com/office/powerpoint/2010/main" val="1283969030"/>
+      </p:ext>
+    </p:extLst>
+  </p:cSld>
+  <p:clrMapOvr>
+    <a:masterClrMapping/>
+  </p:clrMapOvr>
+</p:sld>
+</file>
+
+<file path=ppt/slides/slide9.xml><?xml version="1.0" encoding="utf-8"?>
+<p:sld xmlns:a="http://schemas.openxmlformats.org/drawingml/2006/main" xmlns:r="http://schemas.openxmlformats.org/officeDocument/2006/relationships" xmlns:p="http://schemas.openxmlformats.org/presentationml/2006/main">
+  <p:cSld>
+    <p:spTree>
+      <p:nvGrpSpPr>
+        <p:cNvPr id="1" name=""/>
+        <p:cNvGrpSpPr/>
+        <p:nvPr/>
+      </p:nvGrpSpPr>
+      <p:grpSpPr>
+        <a:xfrm>
+          <a:off x="0" y="0"/>
+          <a:ext cx="0" cy="0"/>
+          <a:chOff x="0" y="0"/>
+          <a:chExt cx="0" cy="0"/>
+        </a:xfrm>
+      </p:grpSpPr>
+      <p:pic>
+        <p:nvPicPr>
+          <p:cNvPr id="20" name="Picture 19">
+            <a:extLst>
+              <a:ext uri="{FF2B5EF4-FFF2-40B4-BE49-F238E27FC236}">
+                <a16:creationId xmlns:a16="http://schemas.microsoft.com/office/drawing/2014/main" id="{7C021B77-D1FB-4AB7-AF88-0E7443CB5D3F}"/>
+              </a:ext>
+            </a:extLst>
+          </p:cNvPr>
+          <p:cNvPicPr>
+            <a:picLocks noChangeAspect="1"/>
+          </p:cNvPicPr>
+          <p:nvPr/>
+        </p:nvPicPr>
+        <p:blipFill>
+          <a:blip r:embed="rId2">
+            <a:duotone>
+              <a:prstClr val="black"/>
+              <a:srgbClr val="F6EAEA">
+                <a:tint val="45000"/>
+                <a:satMod val="400000"/>
+              </a:srgbClr>
+            </a:duotone>
+            <a:extLst>
+              <a:ext uri="{28A0092B-C50C-407E-A947-70E740481C1C}">
+                <a14:useLocalDpi xmlns:a14="http://schemas.microsoft.com/office/drawing/2010/main" val="0"/>
+              </a:ext>
+            </a:extLst>
+          </a:blip>
+          <a:stretch>
+            <a:fillRect/>
+          </a:stretch>
+        </p:blipFill>
+        <p:spPr>
+          <a:xfrm>
+            <a:off x="5268795" y="1427940"/>
+            <a:ext cx="5722318" cy="4269477"/>
+          </a:xfrm>
+          <a:prstGeom prst="rect">
+            <a:avLst/>
+          </a:prstGeom>
+        </p:spPr>
+      </p:pic>
+      <p:sp>
+        <p:nvSpPr>
+          <p:cNvPr id="3" name="TextBox 2">
+            <a:extLst>
+              <a:ext uri="{FF2B5EF4-FFF2-40B4-BE49-F238E27FC236}">
+                <a16:creationId xmlns:a16="http://schemas.microsoft.com/office/drawing/2014/main" id="{86BB6E0C-2F0B-4667-A463-A78E8075B37C}"/>
+              </a:ext>
+            </a:extLst>
+          </p:cNvPr>
+          <p:cNvSpPr txBox="1"/>
+          <p:nvPr/>
+        </p:nvSpPr>
+        <p:spPr>
+          <a:xfrm>
+            <a:off x="7327655" y="975917"/>
+            <a:ext cx="1604598" cy="369332"/>
+          </a:xfrm>
+          <a:prstGeom prst="rect">
+            <a:avLst/>
+          </a:prstGeom>
+          <a:noFill/>
+        </p:spPr>
+        <p:txBody>
+          <a:bodyPr wrap="square" rtlCol="0">
+            <a:spAutoFit/>
+          </a:bodyPr>
+          <a:lstStyle/>
+          <a:p>
+            <a:r>
+              <a:rPr lang="en-US" b="1" dirty="0" err="1"/>
+              <a:t>MyComponent</a:t>
+            </a:r>
+            <a:endParaRPr lang="en-US" b="1" dirty="0"/>
+          </a:p>
+        </p:txBody>
+      </p:sp>
+      <p:sp>
+        <p:nvSpPr>
+          <p:cNvPr id="6" name="TextBox 5">
+            <a:extLst>
+              <a:ext uri="{FF2B5EF4-FFF2-40B4-BE49-F238E27FC236}">
+                <a16:creationId xmlns:a16="http://schemas.microsoft.com/office/drawing/2014/main" id="{3FDAC571-F7ED-4D9D-89BA-8DFEDEA01B19}"/>
+              </a:ext>
+            </a:extLst>
+          </p:cNvPr>
+          <p:cNvSpPr txBox="1"/>
+          <p:nvPr/>
+        </p:nvSpPr>
+        <p:spPr>
+          <a:xfrm>
+            <a:off x="552450" y="1846191"/>
+            <a:ext cx="4001966" cy="888705"/>
+          </a:xfrm>
+          <a:prstGeom prst="rect">
+            <a:avLst/>
+          </a:prstGeom>
+          <a:noFill/>
+        </p:spPr>
+        <p:txBody>
+          <a:bodyPr wrap="square" rtlCol="0">
+            <a:spAutoFit/>
+          </a:bodyPr>
+          <a:lstStyle/>
+          <a:p>
+            <a:pPr>
+              <a:lnSpc>
+                <a:spcPct val="150000"/>
+              </a:lnSpc>
+            </a:pPr>
+            <a:r>
+              <a:rPr lang="en-US" dirty="0"/>
+              <a:t>change detection run </a:t>
+            </a:r>
+            <a:r>
+              <a:rPr lang="my-MM" dirty="0"/>
+              <a:t>ရင်</a:t>
+            </a:r>
+            <a:r>
+              <a:rPr lang="en-US" dirty="0"/>
+              <a:t> content </a:t>
+            </a:r>
+            <a:r>
+              <a:rPr lang="my-MM" dirty="0"/>
+              <a:t>ကိုပါထပ်စစ်တယ်။</a:t>
+            </a:r>
+            <a:endParaRPr lang="en-US" dirty="0"/>
+          </a:p>
+        </p:txBody>
+      </p:sp>
+      <p:sp>
+        <p:nvSpPr>
+          <p:cNvPr id="11" name="TextBox 10">
+            <a:extLst>
+              <a:ext uri="{FF2B5EF4-FFF2-40B4-BE49-F238E27FC236}">
+                <a16:creationId xmlns:a16="http://schemas.microsoft.com/office/drawing/2014/main" id="{46B9337C-9D2A-44F3-AC2F-B6CFB0D5B5CF}"/>
+              </a:ext>
+            </a:extLst>
+          </p:cNvPr>
+          <p:cNvSpPr txBox="1"/>
+          <p:nvPr/>
+        </p:nvSpPr>
+        <p:spPr>
+          <a:xfrm>
+            <a:off x="543658" y="465992"/>
+            <a:ext cx="4705351" cy="369332"/>
+          </a:xfrm>
+          <a:prstGeom prst="rect">
+            <a:avLst/>
+          </a:prstGeom>
+          <a:noFill/>
+        </p:spPr>
+        <p:txBody>
+          <a:bodyPr wrap="square" rtlCol="0">
+            <a:spAutoFit/>
+          </a:bodyPr>
+          <a:lstStyle/>
+          <a:p>
+            <a:r>
+              <a:rPr lang="en-US" b="1" dirty="0"/>
+              <a:t>Step 6: </a:t>
+            </a:r>
+            <a:r>
+              <a:rPr lang="en-US" b="1" dirty="0" err="1"/>
+              <a:t>ngAfterContentChecked</a:t>
+            </a:r>
+            <a:r>
+              <a:rPr lang="en-US" b="1" dirty="0"/>
+              <a:t>()</a:t>
+            </a:r>
+          </a:p>
+        </p:txBody>
+      </p:sp>
+      <p:pic>
+        <p:nvPicPr>
+          <p:cNvPr id="25" name="Picture 24">
+            <a:extLst>
+              <a:ext uri="{FF2B5EF4-FFF2-40B4-BE49-F238E27FC236}">
+                <a16:creationId xmlns:a16="http://schemas.microsoft.com/office/drawing/2014/main" id="{2B75B0E0-CECB-428E-B2BF-515666B9D504}"/>
+              </a:ext>
+            </a:extLst>
+          </p:cNvPr>
+          <p:cNvPicPr>
+            <a:picLocks noChangeAspect="1"/>
+          </p:cNvPicPr>
+          <p:nvPr/>
+        </p:nvPicPr>
+        <p:blipFill>
+          <a:blip r:embed="rId3">
+            <a:extLst>
+              <a:ext uri="{28A0092B-C50C-407E-A947-70E740481C1C}">
+                <a14:useLocalDpi xmlns:a14="http://schemas.microsoft.com/office/drawing/2010/main" val="0"/>
+              </a:ext>
+            </a:extLst>
+          </a:blip>
+          <a:stretch>
+            <a:fillRect/>
+          </a:stretch>
+        </p:blipFill>
+        <p:spPr>
+          <a:xfrm rot="10500466">
+            <a:off x="4786851" y="1023690"/>
+            <a:ext cx="1472168" cy="1200909"/>
+          </a:xfrm>
+          <a:prstGeom prst="rect">
+            <a:avLst/>
+          </a:prstGeom>
+        </p:spPr>
+      </p:pic>
+      <p:pic>
+        <p:nvPicPr>
+          <p:cNvPr id="34" name="Picture 33">
+            <a:extLst>
+              <a:ext uri="{FF2B5EF4-FFF2-40B4-BE49-F238E27FC236}">
+                <a16:creationId xmlns:a16="http://schemas.microsoft.com/office/drawing/2014/main" id="{8B653A16-59B5-4A84-99F8-7A44FC4E7D7F}"/>
+              </a:ext>
+            </a:extLst>
+          </p:cNvPr>
+          <p:cNvPicPr>
+            <a:picLocks noChangeAspect="1"/>
+          </p:cNvPicPr>
+          <p:nvPr/>
+        </p:nvPicPr>
+        <p:blipFill>
+          <a:blip r:embed="rId4">
+            <a:extLst>
+              <a:ext uri="{28A0092B-C50C-407E-A947-70E740481C1C}">
+                <a14:useLocalDpi xmlns:a14="http://schemas.microsoft.com/office/drawing/2010/main" val="0"/>
+              </a:ext>
+            </a:extLst>
+          </a:blip>
+          <a:stretch>
+            <a:fillRect/>
+          </a:stretch>
+        </p:blipFill>
+        <p:spPr>
+          <a:xfrm>
+            <a:off x="5460024" y="1987034"/>
+            <a:ext cx="1705708" cy="1083593"/>
+          </a:xfrm>
+          <a:prstGeom prst="rect">
+            <a:avLst/>
+          </a:prstGeom>
+        </p:spPr>
+      </p:pic>
+      <p:pic>
+        <p:nvPicPr>
+          <p:cNvPr id="35" name="Picture 34">
+            <a:extLst>
+              <a:ext uri="{FF2B5EF4-FFF2-40B4-BE49-F238E27FC236}">
+                <a16:creationId xmlns:a16="http://schemas.microsoft.com/office/drawing/2014/main" id="{35A562D5-749F-4FD3-A6B8-5AFFA6C00729}"/>
+              </a:ext>
+            </a:extLst>
+          </p:cNvPr>
+          <p:cNvPicPr>
+            <a:picLocks noChangeAspect="1"/>
+          </p:cNvPicPr>
+          <p:nvPr/>
+        </p:nvPicPr>
+        <p:blipFill>
+          <a:blip r:embed="rId5">
+            <a:extLst>
+              <a:ext uri="{28A0092B-C50C-407E-A947-70E740481C1C}">
+                <a14:useLocalDpi xmlns:a14="http://schemas.microsoft.com/office/drawing/2010/main" val="0"/>
+              </a:ext>
+            </a:extLst>
+          </a:blip>
+          <a:stretch>
+            <a:fillRect/>
+          </a:stretch>
+        </p:blipFill>
+        <p:spPr>
+          <a:xfrm>
+            <a:off x="5570300" y="3024292"/>
+            <a:ext cx="799677" cy="927869"/>
+          </a:xfrm>
+          <a:prstGeom prst="rect">
+            <a:avLst/>
+          </a:prstGeom>
+        </p:spPr>
+      </p:pic>
+      <p:pic>
+        <p:nvPicPr>
+          <p:cNvPr id="36" name="Picture 35">
+            <a:extLst>
+              <a:ext uri="{FF2B5EF4-FFF2-40B4-BE49-F238E27FC236}">
+                <a16:creationId xmlns:a16="http://schemas.microsoft.com/office/drawing/2014/main" id="{8E367D61-BDE5-437B-93D9-4753D5B6C559}"/>
+              </a:ext>
+            </a:extLst>
+          </p:cNvPr>
+          <p:cNvPicPr>
+            <a:picLocks noChangeAspect="1"/>
+          </p:cNvPicPr>
+          <p:nvPr/>
+        </p:nvPicPr>
+        <p:blipFill>
+          <a:blip r:embed="rId5">
+            <a:extLst>
+              <a:ext uri="{28A0092B-C50C-407E-A947-70E740481C1C}">
+                <a14:useLocalDpi xmlns:a14="http://schemas.microsoft.com/office/drawing/2010/main" val="0"/>
+              </a:ext>
+            </a:extLst>
+          </a:blip>
+          <a:stretch>
+            <a:fillRect/>
+          </a:stretch>
+        </p:blipFill>
+        <p:spPr>
+          <a:xfrm>
+            <a:off x="6593190" y="3035331"/>
+            <a:ext cx="799677" cy="927869"/>
+          </a:xfrm>
+          <a:prstGeom prst="rect">
+            <a:avLst/>
+          </a:prstGeom>
+        </p:spPr>
+      </p:pic>
+      <p:pic>
+        <p:nvPicPr>
+          <p:cNvPr id="37" name="Picture 36">
+            <a:extLst>
+              <a:ext uri="{FF2B5EF4-FFF2-40B4-BE49-F238E27FC236}">
+                <a16:creationId xmlns:a16="http://schemas.microsoft.com/office/drawing/2014/main" id="{0126563D-56E7-45B3-8B02-B83DDB98BBC9}"/>
+              </a:ext>
+            </a:extLst>
+          </p:cNvPr>
+          <p:cNvPicPr>
+            <a:picLocks noChangeAspect="1"/>
+          </p:cNvPicPr>
+          <p:nvPr/>
+        </p:nvPicPr>
+        <p:blipFill>
+          <a:blip r:embed="rId5">
+            <a:extLst>
+              <a:ext uri="{28A0092B-C50C-407E-A947-70E740481C1C}">
+                <a14:useLocalDpi xmlns:a14="http://schemas.microsoft.com/office/drawing/2010/main" val="0"/>
+              </a:ext>
+            </a:extLst>
+          </a:blip>
+          <a:stretch>
+            <a:fillRect/>
+          </a:stretch>
+        </p:blipFill>
+        <p:spPr>
+          <a:xfrm>
+            <a:off x="7575262" y="3024292"/>
+            <a:ext cx="799677" cy="927869"/>
+          </a:xfrm>
+          <a:prstGeom prst="rect">
+            <a:avLst/>
+          </a:prstGeom>
+        </p:spPr>
+      </p:pic>
+      <p:pic>
+        <p:nvPicPr>
+          <p:cNvPr id="38" name="Picture 37">
+            <a:extLst>
+              <a:ext uri="{FF2B5EF4-FFF2-40B4-BE49-F238E27FC236}">
+                <a16:creationId xmlns:a16="http://schemas.microsoft.com/office/drawing/2014/main" id="{7886DC5C-98E1-4238-8A2A-92E9D65FA03E}"/>
+              </a:ext>
+            </a:extLst>
+          </p:cNvPr>
+          <p:cNvPicPr>
+            <a:picLocks noChangeAspect="1"/>
+          </p:cNvPicPr>
+          <p:nvPr/>
+        </p:nvPicPr>
+        <p:blipFill>
+          <a:blip r:embed="rId6">
+            <a:extLst>
+              <a:ext uri="{28A0092B-C50C-407E-A947-70E740481C1C}">
+                <a14:useLocalDpi xmlns:a14="http://schemas.microsoft.com/office/drawing/2010/main" val="0"/>
+              </a:ext>
+            </a:extLst>
+          </a:blip>
+          <a:stretch>
+            <a:fillRect/>
+          </a:stretch>
+        </p:blipFill>
+        <p:spPr>
+          <a:xfrm>
+            <a:off x="5511262" y="4279896"/>
+            <a:ext cx="812342" cy="1085910"/>
+          </a:xfrm>
+          <a:prstGeom prst="rect">
+            <a:avLst/>
+          </a:prstGeom>
+        </p:spPr>
+      </p:pic>
+      <p:pic>
+        <p:nvPicPr>
+          <p:cNvPr id="39" name="Picture 38">
+            <a:extLst>
+              <a:ext uri="{FF2B5EF4-FFF2-40B4-BE49-F238E27FC236}">
+                <a16:creationId xmlns:a16="http://schemas.microsoft.com/office/drawing/2014/main" id="{5C911891-D216-4E41-A5BF-4EE4541A58F9}"/>
+              </a:ext>
+            </a:extLst>
+          </p:cNvPr>
+          <p:cNvPicPr>
+            <a:picLocks noChangeAspect="1"/>
+          </p:cNvPicPr>
+          <p:nvPr/>
+        </p:nvPicPr>
+        <p:blipFill>
+          <a:blip r:embed="rId6">
+            <a:extLst>
+              <a:ext uri="{28A0092B-C50C-407E-A947-70E740481C1C}">
+                <a14:useLocalDpi xmlns:a14="http://schemas.microsoft.com/office/drawing/2010/main" val="0"/>
+              </a:ext>
+            </a:extLst>
+          </a:blip>
+          <a:stretch>
+            <a:fillRect/>
+          </a:stretch>
+        </p:blipFill>
+        <p:spPr>
+          <a:xfrm>
+            <a:off x="6524266" y="4279896"/>
+            <a:ext cx="812342" cy="1085910"/>
+          </a:xfrm>
+          <a:prstGeom prst="rect">
+            <a:avLst/>
+          </a:prstGeom>
+        </p:spPr>
+      </p:pic>
+      <p:pic>
+        <p:nvPicPr>
+          <p:cNvPr id="7" name="Picture 6">
+            <a:extLst>
+              <a:ext uri="{FF2B5EF4-FFF2-40B4-BE49-F238E27FC236}">
+                <a16:creationId xmlns:a16="http://schemas.microsoft.com/office/drawing/2014/main" id="{0FA0823A-A62E-4C4F-84D9-D61330529220}"/>
+              </a:ext>
+            </a:extLst>
+          </p:cNvPr>
+          <p:cNvPicPr>
+            <a:picLocks noChangeAspect="1"/>
+          </p:cNvPicPr>
+          <p:nvPr/>
+        </p:nvPicPr>
+        <p:blipFill>
+          <a:blip r:embed="rId7">
+            <a:extLst>
+              <a:ext uri="{28A0092B-C50C-407E-A947-70E740481C1C}">
+                <a14:useLocalDpi xmlns:a14="http://schemas.microsoft.com/office/drawing/2010/main" val="0"/>
+              </a:ext>
+            </a:extLst>
+          </a:blip>
+          <a:stretch>
+            <a:fillRect/>
+          </a:stretch>
+        </p:blipFill>
+        <p:spPr>
+          <a:xfrm rot="796565">
+            <a:off x="6027160" y="851481"/>
+            <a:ext cx="528773" cy="558149"/>
+          </a:xfrm>
+          <a:prstGeom prst="rect">
+            <a:avLst/>
+          </a:prstGeom>
+        </p:spPr>
+      </p:pic>
+      <p:pic>
+        <p:nvPicPr>
+          <p:cNvPr id="17" name="Picture 16">
+            <a:extLst>
+              <a:ext uri="{FF2B5EF4-FFF2-40B4-BE49-F238E27FC236}">
+                <a16:creationId xmlns:a16="http://schemas.microsoft.com/office/drawing/2014/main" id="{32EF5ECE-06D0-4C01-9656-11C3DAA005C5}"/>
+              </a:ext>
+            </a:extLst>
+          </p:cNvPr>
+          <p:cNvPicPr>
+            <a:picLocks noChangeAspect="1"/>
+          </p:cNvPicPr>
+          <p:nvPr/>
+        </p:nvPicPr>
+        <p:blipFill>
+          <a:blip r:embed="rId7">
+            <a:extLst>
+              <a:ext uri="{28A0092B-C50C-407E-A947-70E740481C1C}">
+                <a14:useLocalDpi xmlns:a14="http://schemas.microsoft.com/office/drawing/2010/main" val="0"/>
+              </a:ext>
+            </a:extLst>
+          </a:blip>
+          <a:stretch>
+            <a:fillRect/>
+          </a:stretch>
+        </p:blipFill>
+        <p:spPr>
+          <a:xfrm>
+            <a:off x="5970138" y="4084021"/>
+            <a:ext cx="528773" cy="558149"/>
+          </a:xfrm>
+          <a:prstGeom prst="rect">
+            <a:avLst/>
+          </a:prstGeom>
+        </p:spPr>
+      </p:pic>
+      <p:pic>
+        <p:nvPicPr>
+          <p:cNvPr id="18" name="Picture 17">
+            <a:extLst>
+              <a:ext uri="{FF2B5EF4-FFF2-40B4-BE49-F238E27FC236}">
+                <a16:creationId xmlns:a16="http://schemas.microsoft.com/office/drawing/2014/main" id="{D5E52CC7-397A-4C14-B8CF-430E2FC30453}"/>
+              </a:ext>
+            </a:extLst>
+          </p:cNvPr>
+          <p:cNvPicPr>
+            <a:picLocks noChangeAspect="1"/>
+          </p:cNvPicPr>
+          <p:nvPr/>
+        </p:nvPicPr>
+        <p:blipFill>
+          <a:blip r:embed="rId7">
+            <a:extLst>
+              <a:ext uri="{28A0092B-C50C-407E-A947-70E740481C1C}">
+                <a14:useLocalDpi xmlns:a14="http://schemas.microsoft.com/office/drawing/2010/main" val="0"/>
+              </a:ext>
+            </a:extLst>
+          </a:blip>
+          <a:stretch>
+            <a:fillRect/>
+          </a:stretch>
+        </p:blipFill>
+        <p:spPr>
+          <a:xfrm>
+            <a:off x="6986784" y="4068742"/>
+            <a:ext cx="528773" cy="558149"/>
+          </a:xfrm>
+          <a:prstGeom prst="rect">
+            <a:avLst/>
+          </a:prstGeom>
+        </p:spPr>
+      </p:pic>
+    </p:spTree>
+    <p:extLst>
+      <p:ext uri="{BB962C8B-B14F-4D97-AF65-F5344CB8AC3E}">
+        <p14:creationId xmlns:p14="http://schemas.microsoft.com/office/powerpoint/2010/main" val="2907175934"/>
       </p:ext>
     </p:extLst>
   </p:cSld>

--- a/Resources/Notes.pptx
+++ b/Resources/Notes.pptx
@@ -17,6 +17,7 @@
     <p:sldId id="265" r:id="rId11"/>
     <p:sldId id="266" r:id="rId12"/>
     <p:sldId id="267" r:id="rId13"/>
+    <p:sldId id="268" r:id="rId14"/>
   </p:sldIdLst>
   <p:sldSz cx="12192000" cy="6858000"/>
   <p:notesSz cx="6858000" cy="9144000"/>
@@ -270,7 +271,7 @@
           <a:p>
             <a:fld id="{162DCEF9-7F5B-4235-8EC3-75D5AB177DA5}" type="datetimeFigureOut">
               <a:rPr lang="en-US" smtClean="0"/>
-              <a:t>5/4/2021</a:t>
+              <a:t>5/10/2021</a:t>
             </a:fld>
             <a:endParaRPr lang="en-US"/>
           </a:p>
@@ -468,7 +469,7 @@
           <a:p>
             <a:fld id="{162DCEF9-7F5B-4235-8EC3-75D5AB177DA5}" type="datetimeFigureOut">
               <a:rPr lang="en-US" smtClean="0"/>
-              <a:t>5/4/2021</a:t>
+              <a:t>5/10/2021</a:t>
             </a:fld>
             <a:endParaRPr lang="en-US"/>
           </a:p>
@@ -676,7 +677,7 @@
           <a:p>
             <a:fld id="{162DCEF9-7F5B-4235-8EC3-75D5AB177DA5}" type="datetimeFigureOut">
               <a:rPr lang="en-US" smtClean="0"/>
-              <a:t>5/4/2021</a:t>
+              <a:t>5/10/2021</a:t>
             </a:fld>
             <a:endParaRPr lang="en-US"/>
           </a:p>
@@ -874,7 +875,7 @@
           <a:p>
             <a:fld id="{162DCEF9-7F5B-4235-8EC3-75D5AB177DA5}" type="datetimeFigureOut">
               <a:rPr lang="en-US" smtClean="0"/>
-              <a:t>5/4/2021</a:t>
+              <a:t>5/10/2021</a:t>
             </a:fld>
             <a:endParaRPr lang="en-US"/>
           </a:p>
@@ -1149,7 +1150,7 @@
           <a:p>
             <a:fld id="{162DCEF9-7F5B-4235-8EC3-75D5AB177DA5}" type="datetimeFigureOut">
               <a:rPr lang="en-US" smtClean="0"/>
-              <a:t>5/4/2021</a:t>
+              <a:t>5/10/2021</a:t>
             </a:fld>
             <a:endParaRPr lang="en-US"/>
           </a:p>
@@ -1414,7 +1415,7 @@
           <a:p>
             <a:fld id="{162DCEF9-7F5B-4235-8EC3-75D5AB177DA5}" type="datetimeFigureOut">
               <a:rPr lang="en-US" smtClean="0"/>
-              <a:t>5/4/2021</a:t>
+              <a:t>5/10/2021</a:t>
             </a:fld>
             <a:endParaRPr lang="en-US"/>
           </a:p>
@@ -1826,7 +1827,7 @@
           <a:p>
             <a:fld id="{162DCEF9-7F5B-4235-8EC3-75D5AB177DA5}" type="datetimeFigureOut">
               <a:rPr lang="en-US" smtClean="0"/>
-              <a:t>5/4/2021</a:t>
+              <a:t>5/10/2021</a:t>
             </a:fld>
             <a:endParaRPr lang="en-US"/>
           </a:p>
@@ -1967,7 +1968,7 @@
           <a:p>
             <a:fld id="{162DCEF9-7F5B-4235-8EC3-75D5AB177DA5}" type="datetimeFigureOut">
               <a:rPr lang="en-US" smtClean="0"/>
-              <a:t>5/4/2021</a:t>
+              <a:t>5/10/2021</a:t>
             </a:fld>
             <a:endParaRPr lang="en-US"/>
           </a:p>
@@ -2080,7 +2081,7 @@
           <a:p>
             <a:fld id="{162DCEF9-7F5B-4235-8EC3-75D5AB177DA5}" type="datetimeFigureOut">
               <a:rPr lang="en-US" smtClean="0"/>
-              <a:t>5/4/2021</a:t>
+              <a:t>5/10/2021</a:t>
             </a:fld>
             <a:endParaRPr lang="en-US"/>
           </a:p>
@@ -2391,7 +2392,7 @@
           <a:p>
             <a:fld id="{162DCEF9-7F5B-4235-8EC3-75D5AB177DA5}" type="datetimeFigureOut">
               <a:rPr lang="en-US" smtClean="0"/>
-              <a:t>5/4/2021</a:t>
+              <a:t>5/10/2021</a:t>
             </a:fld>
             <a:endParaRPr lang="en-US"/>
           </a:p>
@@ -2679,7 +2680,7 @@
           <a:p>
             <a:fld id="{162DCEF9-7F5B-4235-8EC3-75D5AB177DA5}" type="datetimeFigureOut">
               <a:rPr lang="en-US" smtClean="0"/>
-              <a:t>5/4/2021</a:t>
+              <a:t>5/10/2021</a:t>
             </a:fld>
             <a:endParaRPr lang="en-US"/>
           </a:p>
@@ -2920,7 +2921,7 @@
           <a:p>
             <a:fld id="{162DCEF9-7F5B-4235-8EC3-75D5AB177DA5}" type="datetimeFigureOut">
               <a:rPr lang="en-US" smtClean="0"/>
-              <a:t>5/4/2021</a:t>
+              <a:t>5/10/2021</a:t>
             </a:fld>
             <a:endParaRPr lang="en-US"/>
           </a:p>
@@ -4445,6 +4446,623 @@
 </p:sld>
 </file>
 
+<file path=ppt/slides/slide13.xml><?xml version="1.0" encoding="utf-8"?>
+<p:sld xmlns:a="http://schemas.openxmlformats.org/drawingml/2006/main" xmlns:r="http://schemas.openxmlformats.org/officeDocument/2006/relationships" xmlns:p="http://schemas.openxmlformats.org/presentationml/2006/main">
+  <p:cSld>
+    <p:spTree>
+      <p:nvGrpSpPr>
+        <p:cNvPr id="1" name=""/>
+        <p:cNvGrpSpPr/>
+        <p:nvPr/>
+      </p:nvGrpSpPr>
+      <p:grpSpPr>
+        <a:xfrm>
+          <a:off x="0" y="0"/>
+          <a:ext cx="0" cy="0"/>
+          <a:chOff x="0" y="0"/>
+          <a:chExt cx="0" cy="0"/>
+        </a:xfrm>
+      </p:grpSpPr>
+      <p:sp>
+        <p:nvSpPr>
+          <p:cNvPr id="2" name="Rectangle 1">
+            <a:extLst>
+              <a:ext uri="{FF2B5EF4-FFF2-40B4-BE49-F238E27FC236}">
+                <a16:creationId xmlns:a16="http://schemas.microsoft.com/office/drawing/2014/main" id="{49296548-9F7C-4D7F-B4CC-194CF81336F1}"/>
+              </a:ext>
+            </a:extLst>
+          </p:cNvPr>
+          <p:cNvSpPr/>
+          <p:nvPr/>
+        </p:nvSpPr>
+        <p:spPr>
+          <a:xfrm>
+            <a:off x="5671455" y="1102030"/>
+            <a:ext cx="1876700" cy="718062"/>
+          </a:xfrm>
+          <a:prstGeom prst="rect">
+            <a:avLst/>
+          </a:prstGeom>
+          <a:ln>
+            <a:noFill/>
+          </a:ln>
+        </p:spPr>
+        <p:style>
+          <a:lnRef idx="2">
+            <a:schemeClr val="accent5">
+              <a:shade val="50000"/>
+            </a:schemeClr>
+          </a:lnRef>
+          <a:fillRef idx="1">
+            <a:schemeClr val="accent5"/>
+          </a:fillRef>
+          <a:effectRef idx="0">
+            <a:schemeClr val="accent5"/>
+          </a:effectRef>
+          <a:fontRef idx="minor">
+            <a:schemeClr val="lt1"/>
+          </a:fontRef>
+        </p:style>
+        <p:txBody>
+          <a:bodyPr rtlCol="0" anchor="ctr"/>
+          <a:lstStyle/>
+          <a:p>
+            <a:pPr algn="ctr"/>
+            <a:r>
+              <a:rPr lang="en-US" dirty="0" err="1"/>
+              <a:t>AppComponent</a:t>
+            </a:r>
+            <a:endParaRPr lang="en-US" dirty="0"/>
+          </a:p>
+        </p:txBody>
+      </p:sp>
+      <p:sp>
+        <p:nvSpPr>
+          <p:cNvPr id="3" name="Rectangle 2">
+            <a:extLst>
+              <a:ext uri="{FF2B5EF4-FFF2-40B4-BE49-F238E27FC236}">
+                <a16:creationId xmlns:a16="http://schemas.microsoft.com/office/drawing/2014/main" id="{0F6A8C32-4187-4B01-9EFC-C97EBE0054A9}"/>
+              </a:ext>
+            </a:extLst>
+          </p:cNvPr>
+          <p:cNvSpPr/>
+          <p:nvPr/>
+        </p:nvSpPr>
+        <p:spPr>
+          <a:xfrm>
+            <a:off x="3196039" y="2199110"/>
+            <a:ext cx="1876700" cy="718062"/>
+          </a:xfrm>
+          <a:prstGeom prst="rect">
+            <a:avLst/>
+          </a:prstGeom>
+          <a:ln>
+            <a:noFill/>
+          </a:ln>
+        </p:spPr>
+        <p:style>
+          <a:lnRef idx="2">
+            <a:schemeClr val="accent5">
+              <a:shade val="50000"/>
+            </a:schemeClr>
+          </a:lnRef>
+          <a:fillRef idx="1">
+            <a:schemeClr val="accent5"/>
+          </a:fillRef>
+          <a:effectRef idx="0">
+            <a:schemeClr val="accent5"/>
+          </a:effectRef>
+          <a:fontRef idx="minor">
+            <a:schemeClr val="lt1"/>
+          </a:fontRef>
+        </p:style>
+        <p:txBody>
+          <a:bodyPr rtlCol="0" anchor="ctr"/>
+          <a:lstStyle/>
+          <a:p>
+            <a:pPr algn="ctr"/>
+            <a:r>
+              <a:rPr lang="en-US" dirty="0"/>
+              <a:t>POS</a:t>
+            </a:r>
+          </a:p>
+        </p:txBody>
+      </p:sp>
+      <p:sp>
+        <p:nvSpPr>
+          <p:cNvPr id="4" name="Rectangle 3">
+            <a:extLst>
+              <a:ext uri="{FF2B5EF4-FFF2-40B4-BE49-F238E27FC236}">
+                <a16:creationId xmlns:a16="http://schemas.microsoft.com/office/drawing/2014/main" id="{8C33BD96-CF60-4AB7-BF97-942B81EDCAFC}"/>
+              </a:ext>
+            </a:extLst>
+          </p:cNvPr>
+          <p:cNvSpPr/>
+          <p:nvPr/>
+        </p:nvSpPr>
+        <p:spPr>
+          <a:xfrm>
+            <a:off x="8146872" y="2199110"/>
+            <a:ext cx="1876700" cy="718062"/>
+          </a:xfrm>
+          <a:prstGeom prst="rect">
+            <a:avLst/>
+          </a:prstGeom>
+          <a:ln>
+            <a:noFill/>
+          </a:ln>
+        </p:spPr>
+        <p:style>
+          <a:lnRef idx="2">
+            <a:schemeClr val="accent5">
+              <a:shade val="50000"/>
+            </a:schemeClr>
+          </a:lnRef>
+          <a:fillRef idx="1">
+            <a:schemeClr val="accent5"/>
+          </a:fillRef>
+          <a:effectRef idx="0">
+            <a:schemeClr val="accent5"/>
+          </a:effectRef>
+          <a:fontRef idx="minor">
+            <a:schemeClr val="lt1"/>
+          </a:fontRef>
+        </p:style>
+        <p:txBody>
+          <a:bodyPr rtlCol="0" anchor="ctr"/>
+          <a:lstStyle/>
+          <a:p>
+            <a:pPr algn="ctr"/>
+            <a:r>
+              <a:rPr lang="en-US" dirty="0"/>
+              <a:t>Print</a:t>
+            </a:r>
+          </a:p>
+        </p:txBody>
+      </p:sp>
+      <p:sp>
+        <p:nvSpPr>
+          <p:cNvPr id="5" name="Rectangle 4">
+            <a:extLst>
+              <a:ext uri="{FF2B5EF4-FFF2-40B4-BE49-F238E27FC236}">
+                <a16:creationId xmlns:a16="http://schemas.microsoft.com/office/drawing/2014/main" id="{59D74454-F5A0-41D5-ACCA-FCF42ABA2772}"/>
+              </a:ext>
+            </a:extLst>
+          </p:cNvPr>
+          <p:cNvSpPr/>
+          <p:nvPr/>
+        </p:nvSpPr>
+        <p:spPr>
+          <a:xfrm>
+            <a:off x="1153884" y="3398915"/>
+            <a:ext cx="1876700" cy="718062"/>
+          </a:xfrm>
+          <a:prstGeom prst="rect">
+            <a:avLst/>
+          </a:prstGeom>
+          <a:ln>
+            <a:noFill/>
+          </a:ln>
+        </p:spPr>
+        <p:style>
+          <a:lnRef idx="2">
+            <a:schemeClr val="accent5">
+              <a:shade val="50000"/>
+            </a:schemeClr>
+          </a:lnRef>
+          <a:fillRef idx="1">
+            <a:schemeClr val="accent5"/>
+          </a:fillRef>
+          <a:effectRef idx="0">
+            <a:schemeClr val="accent5"/>
+          </a:effectRef>
+          <a:fontRef idx="minor">
+            <a:schemeClr val="lt1"/>
+          </a:fontRef>
+        </p:style>
+        <p:txBody>
+          <a:bodyPr rtlCol="0" anchor="ctr"/>
+          <a:lstStyle/>
+          <a:p>
+            <a:pPr algn="ctr"/>
+            <a:r>
+              <a:rPr lang="en-US" dirty="0"/>
+              <a:t>Items</a:t>
+            </a:r>
+          </a:p>
+        </p:txBody>
+      </p:sp>
+      <p:sp>
+        <p:nvSpPr>
+          <p:cNvPr id="6" name="Rectangle 5">
+            <a:extLst>
+              <a:ext uri="{FF2B5EF4-FFF2-40B4-BE49-F238E27FC236}">
+                <a16:creationId xmlns:a16="http://schemas.microsoft.com/office/drawing/2014/main" id="{2BA344F4-0B91-4472-9EFC-2B269E5C8698}"/>
+              </a:ext>
+            </a:extLst>
+          </p:cNvPr>
+          <p:cNvSpPr/>
+          <p:nvPr/>
+        </p:nvSpPr>
+        <p:spPr>
+          <a:xfrm>
+            <a:off x="5333997" y="3398915"/>
+            <a:ext cx="1876700" cy="718062"/>
+          </a:xfrm>
+          <a:prstGeom prst="rect">
+            <a:avLst/>
+          </a:prstGeom>
+          <a:ln>
+            <a:noFill/>
+          </a:ln>
+        </p:spPr>
+        <p:style>
+          <a:lnRef idx="2">
+            <a:schemeClr val="accent5">
+              <a:shade val="50000"/>
+            </a:schemeClr>
+          </a:lnRef>
+          <a:fillRef idx="1">
+            <a:schemeClr val="accent5"/>
+          </a:fillRef>
+          <a:effectRef idx="0">
+            <a:schemeClr val="accent5"/>
+          </a:effectRef>
+          <a:fontRef idx="minor">
+            <a:schemeClr val="lt1"/>
+          </a:fontRef>
+        </p:style>
+        <p:txBody>
+          <a:bodyPr rtlCol="0" anchor="ctr"/>
+          <a:lstStyle/>
+          <a:p>
+            <a:pPr algn="ctr"/>
+            <a:r>
+              <a:rPr lang="en-US" dirty="0"/>
+              <a:t>Cart</a:t>
+            </a:r>
+          </a:p>
+        </p:txBody>
+      </p:sp>
+      <p:sp>
+        <p:nvSpPr>
+          <p:cNvPr id="7" name="Rectangle 6">
+            <a:extLst>
+              <a:ext uri="{FF2B5EF4-FFF2-40B4-BE49-F238E27FC236}">
+                <a16:creationId xmlns:a16="http://schemas.microsoft.com/office/drawing/2014/main" id="{E869D309-F297-408B-8607-78D395843ED3}"/>
+              </a:ext>
+            </a:extLst>
+          </p:cNvPr>
+          <p:cNvSpPr/>
+          <p:nvPr/>
+        </p:nvSpPr>
+        <p:spPr>
+          <a:xfrm>
+            <a:off x="1153884" y="4785755"/>
+            <a:ext cx="1876700" cy="718062"/>
+          </a:xfrm>
+          <a:prstGeom prst="rect">
+            <a:avLst/>
+          </a:prstGeom>
+          <a:ln>
+            <a:noFill/>
+          </a:ln>
+        </p:spPr>
+        <p:style>
+          <a:lnRef idx="2">
+            <a:schemeClr val="accent5">
+              <a:shade val="50000"/>
+            </a:schemeClr>
+          </a:lnRef>
+          <a:fillRef idx="1">
+            <a:schemeClr val="accent5"/>
+          </a:fillRef>
+          <a:effectRef idx="0">
+            <a:schemeClr val="accent5"/>
+          </a:effectRef>
+          <a:fontRef idx="minor">
+            <a:schemeClr val="lt1"/>
+          </a:fontRef>
+        </p:style>
+        <p:txBody>
+          <a:bodyPr rtlCol="0" anchor="ctr"/>
+          <a:lstStyle/>
+          <a:p>
+            <a:pPr algn="ctr"/>
+            <a:r>
+              <a:rPr lang="en-US" dirty="0"/>
+              <a:t>Item</a:t>
+            </a:r>
+          </a:p>
+        </p:txBody>
+      </p:sp>
+      <p:cxnSp>
+        <p:nvCxnSpPr>
+          <p:cNvPr id="9" name="Straight Connector 8">
+            <a:extLst>
+              <a:ext uri="{FF2B5EF4-FFF2-40B4-BE49-F238E27FC236}">
+                <a16:creationId xmlns:a16="http://schemas.microsoft.com/office/drawing/2014/main" id="{B02393BE-226B-43EA-8DFB-26756063A936}"/>
+              </a:ext>
+            </a:extLst>
+          </p:cNvPr>
+          <p:cNvCxnSpPr>
+            <a:stCxn id="3" idx="0"/>
+            <a:endCxn id="2" idx="1"/>
+          </p:cNvCxnSpPr>
+          <p:nvPr/>
+        </p:nvCxnSpPr>
+        <p:spPr>
+          <a:xfrm flipV="1">
+            <a:off x="4134389" y="1461061"/>
+            <a:ext cx="1537066" cy="738049"/>
+          </a:xfrm>
+          <a:prstGeom prst="line">
+            <a:avLst/>
+          </a:prstGeom>
+          <a:ln>
+            <a:solidFill>
+              <a:schemeClr val="accent1">
+                <a:lumMod val="60000"/>
+                <a:lumOff val="40000"/>
+              </a:schemeClr>
+            </a:solidFill>
+          </a:ln>
+        </p:spPr>
+        <p:style>
+          <a:lnRef idx="3">
+            <a:schemeClr val="accent1"/>
+          </a:lnRef>
+          <a:fillRef idx="0">
+            <a:schemeClr val="accent1"/>
+          </a:fillRef>
+          <a:effectRef idx="2">
+            <a:schemeClr val="accent1"/>
+          </a:effectRef>
+          <a:fontRef idx="minor">
+            <a:schemeClr val="tx1"/>
+          </a:fontRef>
+        </p:style>
+      </p:cxnSp>
+      <p:cxnSp>
+        <p:nvCxnSpPr>
+          <p:cNvPr id="10" name="Straight Connector 9">
+            <a:extLst>
+              <a:ext uri="{FF2B5EF4-FFF2-40B4-BE49-F238E27FC236}">
+                <a16:creationId xmlns:a16="http://schemas.microsoft.com/office/drawing/2014/main" id="{CF2EA6FF-6B6E-4407-8A6A-D3CABBF81D5D}"/>
+              </a:ext>
+            </a:extLst>
+          </p:cNvPr>
+          <p:cNvCxnSpPr>
+            <a:cxnSpLocks/>
+            <a:stCxn id="5" idx="0"/>
+            <a:endCxn id="3" idx="1"/>
+          </p:cNvCxnSpPr>
+          <p:nvPr/>
+        </p:nvCxnSpPr>
+        <p:spPr>
+          <a:xfrm flipV="1">
+            <a:off x="2092234" y="2558141"/>
+            <a:ext cx="1103805" cy="840774"/>
+          </a:xfrm>
+          <a:prstGeom prst="line">
+            <a:avLst/>
+          </a:prstGeom>
+          <a:ln>
+            <a:solidFill>
+              <a:schemeClr val="accent1">
+                <a:lumMod val="60000"/>
+                <a:lumOff val="40000"/>
+              </a:schemeClr>
+            </a:solidFill>
+          </a:ln>
+        </p:spPr>
+        <p:style>
+          <a:lnRef idx="3">
+            <a:schemeClr val="accent1"/>
+          </a:lnRef>
+          <a:fillRef idx="0">
+            <a:schemeClr val="accent1"/>
+          </a:fillRef>
+          <a:effectRef idx="2">
+            <a:schemeClr val="accent1"/>
+          </a:effectRef>
+          <a:fontRef idx="minor">
+            <a:schemeClr val="tx1"/>
+          </a:fontRef>
+        </p:style>
+      </p:cxnSp>
+      <p:cxnSp>
+        <p:nvCxnSpPr>
+          <p:cNvPr id="13" name="Straight Connector 12">
+            <a:extLst>
+              <a:ext uri="{FF2B5EF4-FFF2-40B4-BE49-F238E27FC236}">
+                <a16:creationId xmlns:a16="http://schemas.microsoft.com/office/drawing/2014/main" id="{B844B63B-EAD1-4CBC-A2B0-D4429A00352E}"/>
+              </a:ext>
+            </a:extLst>
+          </p:cNvPr>
+          <p:cNvCxnSpPr>
+            <a:cxnSpLocks/>
+            <a:stCxn id="7" idx="0"/>
+            <a:endCxn id="5" idx="2"/>
+          </p:cNvCxnSpPr>
+          <p:nvPr/>
+        </p:nvCxnSpPr>
+        <p:spPr>
+          <a:xfrm flipV="1">
+            <a:off x="2092234" y="4116977"/>
+            <a:ext cx="0" cy="668778"/>
+          </a:xfrm>
+          <a:prstGeom prst="line">
+            <a:avLst/>
+          </a:prstGeom>
+          <a:ln>
+            <a:solidFill>
+              <a:schemeClr val="accent1">
+                <a:lumMod val="60000"/>
+                <a:lumOff val="40000"/>
+              </a:schemeClr>
+            </a:solidFill>
+          </a:ln>
+        </p:spPr>
+        <p:style>
+          <a:lnRef idx="3">
+            <a:schemeClr val="accent1"/>
+          </a:lnRef>
+          <a:fillRef idx="0">
+            <a:schemeClr val="accent1"/>
+          </a:fillRef>
+          <a:effectRef idx="2">
+            <a:schemeClr val="accent1"/>
+          </a:effectRef>
+          <a:fontRef idx="minor">
+            <a:schemeClr val="tx1"/>
+          </a:fontRef>
+        </p:style>
+      </p:cxnSp>
+      <p:cxnSp>
+        <p:nvCxnSpPr>
+          <p:cNvPr id="14" name="Straight Connector 13">
+            <a:extLst>
+              <a:ext uri="{FF2B5EF4-FFF2-40B4-BE49-F238E27FC236}">
+                <a16:creationId xmlns:a16="http://schemas.microsoft.com/office/drawing/2014/main" id="{D848261C-5D2A-4358-BE87-E396705240A6}"/>
+              </a:ext>
+            </a:extLst>
+          </p:cNvPr>
+          <p:cNvCxnSpPr>
+            <a:cxnSpLocks/>
+            <a:stCxn id="3" idx="3"/>
+            <a:endCxn id="6" idx="0"/>
+          </p:cNvCxnSpPr>
+          <p:nvPr/>
+        </p:nvCxnSpPr>
+        <p:spPr>
+          <a:xfrm>
+            <a:off x="5072739" y="2558141"/>
+            <a:ext cx="1199608" cy="840774"/>
+          </a:xfrm>
+          <a:prstGeom prst="line">
+            <a:avLst/>
+          </a:prstGeom>
+          <a:ln>
+            <a:solidFill>
+              <a:schemeClr val="accent1">
+                <a:lumMod val="60000"/>
+                <a:lumOff val="40000"/>
+              </a:schemeClr>
+            </a:solidFill>
+          </a:ln>
+        </p:spPr>
+        <p:style>
+          <a:lnRef idx="3">
+            <a:schemeClr val="accent1"/>
+          </a:lnRef>
+          <a:fillRef idx="0">
+            <a:schemeClr val="accent1"/>
+          </a:fillRef>
+          <a:effectRef idx="2">
+            <a:schemeClr val="accent1"/>
+          </a:effectRef>
+          <a:fontRef idx="minor">
+            <a:schemeClr val="tx1"/>
+          </a:fontRef>
+        </p:style>
+      </p:cxnSp>
+      <p:cxnSp>
+        <p:nvCxnSpPr>
+          <p:cNvPr id="15" name="Straight Connector 14">
+            <a:extLst>
+              <a:ext uri="{FF2B5EF4-FFF2-40B4-BE49-F238E27FC236}">
+                <a16:creationId xmlns:a16="http://schemas.microsoft.com/office/drawing/2014/main" id="{BC10C052-CD02-491D-99E3-76477DF72D38}"/>
+              </a:ext>
+            </a:extLst>
+          </p:cNvPr>
+          <p:cNvCxnSpPr>
+            <a:cxnSpLocks/>
+            <a:stCxn id="2" idx="3"/>
+            <a:endCxn id="4" idx="0"/>
+          </p:cNvCxnSpPr>
+          <p:nvPr/>
+        </p:nvCxnSpPr>
+        <p:spPr>
+          <a:xfrm>
+            <a:off x="7548155" y="1461061"/>
+            <a:ext cx="1537067" cy="738049"/>
+          </a:xfrm>
+          <a:prstGeom prst="line">
+            <a:avLst/>
+          </a:prstGeom>
+          <a:ln>
+            <a:solidFill>
+              <a:schemeClr val="accent1">
+                <a:lumMod val="60000"/>
+                <a:lumOff val="40000"/>
+              </a:schemeClr>
+            </a:solidFill>
+          </a:ln>
+        </p:spPr>
+        <p:style>
+          <a:lnRef idx="3">
+            <a:schemeClr val="accent1"/>
+          </a:lnRef>
+          <a:fillRef idx="0">
+            <a:schemeClr val="accent1"/>
+          </a:fillRef>
+          <a:effectRef idx="2">
+            <a:schemeClr val="accent1"/>
+          </a:effectRef>
+          <a:fontRef idx="minor">
+            <a:schemeClr val="tx1"/>
+          </a:fontRef>
+        </p:style>
+      </p:cxnSp>
+      <p:sp>
+        <p:nvSpPr>
+          <p:cNvPr id="22" name="TextBox 21">
+            <a:extLst>
+              <a:ext uri="{FF2B5EF4-FFF2-40B4-BE49-F238E27FC236}">
+                <a16:creationId xmlns:a16="http://schemas.microsoft.com/office/drawing/2014/main" id="{4FDE6279-33C1-46B9-8830-31070684CA84}"/>
+              </a:ext>
+            </a:extLst>
+          </p:cNvPr>
+          <p:cNvSpPr txBox="1"/>
+          <p:nvPr/>
+        </p:nvSpPr>
+        <p:spPr>
+          <a:xfrm>
+            <a:off x="322217" y="452846"/>
+            <a:ext cx="2603863" cy="461665"/>
+          </a:xfrm>
+          <a:prstGeom prst="rect">
+            <a:avLst/>
+          </a:prstGeom>
+          <a:noFill/>
+        </p:spPr>
+        <p:txBody>
+          <a:bodyPr wrap="square" rtlCol="0">
+            <a:spAutoFit/>
+          </a:bodyPr>
+          <a:lstStyle/>
+          <a:p>
+            <a:r>
+              <a:rPr lang="en-US" sz="2400" b="1" dirty="0"/>
+              <a:t>Mini POS</a:t>
+            </a:r>
+          </a:p>
+        </p:txBody>
+      </p:sp>
+    </p:spTree>
+    <p:extLst>
+      <p:ext uri="{BB962C8B-B14F-4D97-AF65-F5344CB8AC3E}">
+        <p14:creationId xmlns:p14="http://schemas.microsoft.com/office/powerpoint/2010/main" val="3752257634"/>
+      </p:ext>
+    </p:extLst>
+  </p:cSld>
+  <p:clrMapOvr>
+    <a:masterClrMapping/>
+  </p:clrMapOvr>
+</p:sld>
+</file>
+
 <file path=ppt/slides/slide2.xml><?xml version="1.0" encoding="utf-8"?>
 <p:sld xmlns:a="http://schemas.openxmlformats.org/drawingml/2006/main" xmlns:r="http://schemas.openxmlformats.org/officeDocument/2006/relationships" xmlns:p="http://schemas.openxmlformats.org/presentationml/2006/main">
   <p:cSld>

--- a/Resources/Notes.pptx
+++ b/Resources/Notes.pptx
@@ -18,6 +18,8 @@
     <p:sldId id="266" r:id="rId12"/>
     <p:sldId id="267" r:id="rId13"/>
     <p:sldId id="268" r:id="rId14"/>
+    <p:sldId id="269" r:id="rId15"/>
+    <p:sldId id="270" r:id="rId16"/>
   </p:sldIdLst>
   <p:sldSz cx="12192000" cy="6858000"/>
   <p:notesSz cx="6858000" cy="9144000"/>
@@ -271,7 +273,7 @@
           <a:p>
             <a:fld id="{162DCEF9-7F5B-4235-8EC3-75D5AB177DA5}" type="datetimeFigureOut">
               <a:rPr lang="en-US" smtClean="0"/>
-              <a:t>5/10/2021</a:t>
+              <a:t>5/13/2021</a:t>
             </a:fld>
             <a:endParaRPr lang="en-US"/>
           </a:p>
@@ -469,7 +471,7 @@
           <a:p>
             <a:fld id="{162DCEF9-7F5B-4235-8EC3-75D5AB177DA5}" type="datetimeFigureOut">
               <a:rPr lang="en-US" smtClean="0"/>
-              <a:t>5/10/2021</a:t>
+              <a:t>5/13/2021</a:t>
             </a:fld>
             <a:endParaRPr lang="en-US"/>
           </a:p>
@@ -677,7 +679,7 @@
           <a:p>
             <a:fld id="{162DCEF9-7F5B-4235-8EC3-75D5AB177DA5}" type="datetimeFigureOut">
               <a:rPr lang="en-US" smtClean="0"/>
-              <a:t>5/10/2021</a:t>
+              <a:t>5/13/2021</a:t>
             </a:fld>
             <a:endParaRPr lang="en-US"/>
           </a:p>
@@ -875,7 +877,7 @@
           <a:p>
             <a:fld id="{162DCEF9-7F5B-4235-8EC3-75D5AB177DA5}" type="datetimeFigureOut">
               <a:rPr lang="en-US" smtClean="0"/>
-              <a:t>5/10/2021</a:t>
+              <a:t>5/13/2021</a:t>
             </a:fld>
             <a:endParaRPr lang="en-US"/>
           </a:p>
@@ -1150,7 +1152,7 @@
           <a:p>
             <a:fld id="{162DCEF9-7F5B-4235-8EC3-75D5AB177DA5}" type="datetimeFigureOut">
               <a:rPr lang="en-US" smtClean="0"/>
-              <a:t>5/10/2021</a:t>
+              <a:t>5/13/2021</a:t>
             </a:fld>
             <a:endParaRPr lang="en-US"/>
           </a:p>
@@ -1415,7 +1417,7 @@
           <a:p>
             <a:fld id="{162DCEF9-7F5B-4235-8EC3-75D5AB177DA5}" type="datetimeFigureOut">
               <a:rPr lang="en-US" smtClean="0"/>
-              <a:t>5/10/2021</a:t>
+              <a:t>5/13/2021</a:t>
             </a:fld>
             <a:endParaRPr lang="en-US"/>
           </a:p>
@@ -1827,7 +1829,7 @@
           <a:p>
             <a:fld id="{162DCEF9-7F5B-4235-8EC3-75D5AB177DA5}" type="datetimeFigureOut">
               <a:rPr lang="en-US" smtClean="0"/>
-              <a:t>5/10/2021</a:t>
+              <a:t>5/13/2021</a:t>
             </a:fld>
             <a:endParaRPr lang="en-US"/>
           </a:p>
@@ -1968,7 +1970,7 @@
           <a:p>
             <a:fld id="{162DCEF9-7F5B-4235-8EC3-75D5AB177DA5}" type="datetimeFigureOut">
               <a:rPr lang="en-US" smtClean="0"/>
-              <a:t>5/10/2021</a:t>
+              <a:t>5/13/2021</a:t>
             </a:fld>
             <a:endParaRPr lang="en-US"/>
           </a:p>
@@ -2081,7 +2083,7 @@
           <a:p>
             <a:fld id="{162DCEF9-7F5B-4235-8EC3-75D5AB177DA5}" type="datetimeFigureOut">
               <a:rPr lang="en-US" smtClean="0"/>
-              <a:t>5/10/2021</a:t>
+              <a:t>5/13/2021</a:t>
             </a:fld>
             <a:endParaRPr lang="en-US"/>
           </a:p>
@@ -2392,7 +2394,7 @@
           <a:p>
             <a:fld id="{162DCEF9-7F5B-4235-8EC3-75D5AB177DA5}" type="datetimeFigureOut">
               <a:rPr lang="en-US" smtClean="0"/>
-              <a:t>5/10/2021</a:t>
+              <a:t>5/13/2021</a:t>
             </a:fld>
             <a:endParaRPr lang="en-US"/>
           </a:p>
@@ -2680,7 +2682,7 @@
           <a:p>
             <a:fld id="{162DCEF9-7F5B-4235-8EC3-75D5AB177DA5}" type="datetimeFigureOut">
               <a:rPr lang="en-US" smtClean="0"/>
-              <a:t>5/10/2021</a:t>
+              <a:t>5/13/2021</a:t>
             </a:fld>
             <a:endParaRPr lang="en-US"/>
           </a:p>
@@ -2921,7 +2923,7 @@
           <a:p>
             <a:fld id="{162DCEF9-7F5B-4235-8EC3-75D5AB177DA5}" type="datetimeFigureOut">
               <a:rPr lang="en-US" smtClean="0"/>
-              <a:t>5/10/2021</a:t>
+              <a:t>5/13/2021</a:t>
             </a:fld>
             <a:endParaRPr lang="en-US"/>
           </a:p>
@@ -5063,6 +5065,1281 @@
 </p:sld>
 </file>
 
+<file path=ppt/slides/slide14.xml><?xml version="1.0" encoding="utf-8"?>
+<p:sld xmlns:a="http://schemas.openxmlformats.org/drawingml/2006/main" xmlns:r="http://schemas.openxmlformats.org/officeDocument/2006/relationships" xmlns:p="http://schemas.openxmlformats.org/presentationml/2006/main">
+  <p:cSld>
+    <p:spTree>
+      <p:nvGrpSpPr>
+        <p:cNvPr id="1" name=""/>
+        <p:cNvGrpSpPr/>
+        <p:nvPr/>
+      </p:nvGrpSpPr>
+      <p:grpSpPr>
+        <a:xfrm>
+          <a:off x="0" y="0"/>
+          <a:ext cx="0" cy="0"/>
+          <a:chOff x="0" y="0"/>
+          <a:chExt cx="0" cy="0"/>
+        </a:xfrm>
+      </p:grpSpPr>
+      <p:sp>
+        <p:nvSpPr>
+          <p:cNvPr id="2" name="Rectangle 1">
+            <a:extLst>
+              <a:ext uri="{FF2B5EF4-FFF2-40B4-BE49-F238E27FC236}">
+                <a16:creationId xmlns:a16="http://schemas.microsoft.com/office/drawing/2014/main" id="{F91FF200-C023-4143-B65E-B8CD4A4D0305}"/>
+              </a:ext>
+            </a:extLst>
+          </p:cNvPr>
+          <p:cNvSpPr/>
+          <p:nvPr/>
+        </p:nvSpPr>
+        <p:spPr>
+          <a:xfrm>
+            <a:off x="1301931" y="1409116"/>
+            <a:ext cx="2865120" cy="870857"/>
+          </a:xfrm>
+          <a:prstGeom prst="rect">
+            <a:avLst/>
+          </a:prstGeom>
+          <a:solidFill>
+            <a:schemeClr val="accent1">
+              <a:lumMod val="75000"/>
+            </a:schemeClr>
+          </a:solidFill>
+        </p:spPr>
+        <p:style>
+          <a:lnRef idx="2">
+            <a:schemeClr val="accent4">
+              <a:shade val="50000"/>
+            </a:schemeClr>
+          </a:lnRef>
+          <a:fillRef idx="1">
+            <a:schemeClr val="accent4"/>
+          </a:fillRef>
+          <a:effectRef idx="0">
+            <a:schemeClr val="accent4"/>
+          </a:effectRef>
+          <a:fontRef idx="minor">
+            <a:schemeClr val="lt1"/>
+          </a:fontRef>
+        </p:style>
+        <p:txBody>
+          <a:bodyPr rtlCol="0" anchor="ctr"/>
+          <a:lstStyle/>
+          <a:p>
+            <a:pPr algn="ctr"/>
+            <a:r>
+              <a:rPr lang="en-US" dirty="0" err="1"/>
+              <a:t>AppModule</a:t>
+            </a:r>
+            <a:endParaRPr lang="en-US" dirty="0"/>
+          </a:p>
+        </p:txBody>
+      </p:sp>
+      <p:sp>
+        <p:nvSpPr>
+          <p:cNvPr id="3" name="TextBox 2">
+            <a:extLst>
+              <a:ext uri="{FF2B5EF4-FFF2-40B4-BE49-F238E27FC236}">
+                <a16:creationId xmlns:a16="http://schemas.microsoft.com/office/drawing/2014/main" id="{51B1867C-F341-47DF-8935-6AA701DD5866}"/>
+              </a:ext>
+            </a:extLst>
+          </p:cNvPr>
+          <p:cNvSpPr txBox="1"/>
+          <p:nvPr/>
+        </p:nvSpPr>
+        <p:spPr>
+          <a:xfrm>
+            <a:off x="4167051" y="395443"/>
+            <a:ext cx="3614057" cy="584775"/>
+          </a:xfrm>
+          <a:prstGeom prst="rect">
+            <a:avLst/>
+          </a:prstGeom>
+          <a:noFill/>
+        </p:spPr>
+        <p:txBody>
+          <a:bodyPr wrap="square" rtlCol="0">
+            <a:spAutoFit/>
+          </a:bodyPr>
+          <a:lstStyle/>
+          <a:p>
+            <a:pPr algn="ctr"/>
+            <a:r>
+              <a:rPr lang="en-US" sz="3200" b="1" dirty="0"/>
+              <a:t>Hierarchical Injector</a:t>
+            </a:r>
+          </a:p>
+        </p:txBody>
+      </p:sp>
+      <p:sp>
+        <p:nvSpPr>
+          <p:cNvPr id="4" name="TextBox 3">
+            <a:extLst>
+              <a:ext uri="{FF2B5EF4-FFF2-40B4-BE49-F238E27FC236}">
+                <a16:creationId xmlns:a16="http://schemas.microsoft.com/office/drawing/2014/main" id="{BE943608-48C8-4465-85FB-F6D11DC97F57}"/>
+              </a:ext>
+            </a:extLst>
+          </p:cNvPr>
+          <p:cNvSpPr txBox="1"/>
+          <p:nvPr/>
+        </p:nvSpPr>
+        <p:spPr>
+          <a:xfrm>
+            <a:off x="5212076" y="1376994"/>
+            <a:ext cx="5551715" cy="888705"/>
+          </a:xfrm>
+          <a:prstGeom prst="rect">
+            <a:avLst/>
+          </a:prstGeom>
+        </p:spPr>
+        <p:style>
+          <a:lnRef idx="2">
+            <a:schemeClr val="accent5"/>
+          </a:lnRef>
+          <a:fillRef idx="1">
+            <a:schemeClr val="lt1"/>
+          </a:fillRef>
+          <a:effectRef idx="0">
+            <a:schemeClr val="accent5"/>
+          </a:effectRef>
+          <a:fontRef idx="minor">
+            <a:schemeClr val="dk1"/>
+          </a:fontRef>
+        </p:style>
+        <p:txBody>
+          <a:bodyPr wrap="square" rtlCol="0">
+            <a:spAutoFit/>
+          </a:bodyPr>
+          <a:lstStyle/>
+          <a:p>
+            <a:pPr>
+              <a:lnSpc>
+                <a:spcPct val="150000"/>
+              </a:lnSpc>
+            </a:pPr>
+            <a:r>
+              <a:rPr lang="my-MM" dirty="0"/>
+              <a:t>တူညီတဲ့ </a:t>
+            </a:r>
+            <a:r>
+              <a:rPr lang="en-US" dirty="0"/>
+              <a:t>service instance </a:t>
+            </a:r>
+            <a:r>
+              <a:rPr lang="my-MM" dirty="0"/>
+              <a:t>ကို </a:t>
+            </a:r>
+            <a:r>
+              <a:rPr lang="en-US" dirty="0"/>
+              <a:t>application wide</a:t>
+            </a:r>
+            <a:r>
+              <a:rPr lang="my-MM" dirty="0"/>
+              <a:t> အနေနဲ့ ရရှိပါမယ်။</a:t>
+            </a:r>
+            <a:endParaRPr lang="en-US" dirty="0"/>
+          </a:p>
+        </p:txBody>
+      </p:sp>
+      <p:sp>
+        <p:nvSpPr>
+          <p:cNvPr id="5" name="Rectangle 4">
+            <a:extLst>
+              <a:ext uri="{FF2B5EF4-FFF2-40B4-BE49-F238E27FC236}">
+                <a16:creationId xmlns:a16="http://schemas.microsoft.com/office/drawing/2014/main" id="{0045C322-6539-4445-A848-BB74D39906F9}"/>
+              </a:ext>
+            </a:extLst>
+          </p:cNvPr>
+          <p:cNvSpPr/>
+          <p:nvPr/>
+        </p:nvSpPr>
+        <p:spPr>
+          <a:xfrm>
+            <a:off x="1301931" y="3150830"/>
+            <a:ext cx="2865120" cy="870857"/>
+          </a:xfrm>
+          <a:prstGeom prst="rect">
+            <a:avLst/>
+          </a:prstGeom>
+          <a:solidFill>
+            <a:schemeClr val="accent1">
+              <a:lumMod val="75000"/>
+            </a:schemeClr>
+          </a:solidFill>
+        </p:spPr>
+        <p:style>
+          <a:lnRef idx="2">
+            <a:schemeClr val="accent4">
+              <a:shade val="50000"/>
+            </a:schemeClr>
+          </a:lnRef>
+          <a:fillRef idx="1">
+            <a:schemeClr val="accent4"/>
+          </a:fillRef>
+          <a:effectRef idx="0">
+            <a:schemeClr val="accent4"/>
+          </a:effectRef>
+          <a:fontRef idx="minor">
+            <a:schemeClr val="lt1"/>
+          </a:fontRef>
+        </p:style>
+        <p:txBody>
+          <a:bodyPr rtlCol="0" anchor="ctr"/>
+          <a:lstStyle/>
+          <a:p>
+            <a:pPr algn="ctr"/>
+            <a:r>
+              <a:rPr lang="en-US" dirty="0" err="1"/>
+              <a:t>AppComponent</a:t>
+            </a:r>
+            <a:endParaRPr lang="en-US" dirty="0"/>
+          </a:p>
+        </p:txBody>
+      </p:sp>
+      <p:sp>
+        <p:nvSpPr>
+          <p:cNvPr id="6" name="TextBox 5">
+            <a:extLst>
+              <a:ext uri="{FF2B5EF4-FFF2-40B4-BE49-F238E27FC236}">
+                <a16:creationId xmlns:a16="http://schemas.microsoft.com/office/drawing/2014/main" id="{4F038AFA-FEE6-4457-AD8C-A708412B5A1A}"/>
+              </a:ext>
+            </a:extLst>
+          </p:cNvPr>
+          <p:cNvSpPr txBox="1"/>
+          <p:nvPr/>
+        </p:nvSpPr>
+        <p:spPr>
+          <a:xfrm>
+            <a:off x="5212076" y="3139124"/>
+            <a:ext cx="5551715" cy="888705"/>
+          </a:xfrm>
+          <a:prstGeom prst="rect">
+            <a:avLst/>
+          </a:prstGeom>
+        </p:spPr>
+        <p:style>
+          <a:lnRef idx="2">
+            <a:schemeClr val="accent5"/>
+          </a:lnRef>
+          <a:fillRef idx="1">
+            <a:schemeClr val="lt1"/>
+          </a:fillRef>
+          <a:effectRef idx="0">
+            <a:schemeClr val="accent5"/>
+          </a:effectRef>
+          <a:fontRef idx="minor">
+            <a:schemeClr val="dk1"/>
+          </a:fontRef>
+        </p:style>
+        <p:txBody>
+          <a:bodyPr wrap="square" rtlCol="0">
+            <a:spAutoFit/>
+          </a:bodyPr>
+          <a:lstStyle/>
+          <a:p>
+            <a:pPr>
+              <a:lnSpc>
+                <a:spcPct val="150000"/>
+              </a:lnSpc>
+            </a:pPr>
+            <a:r>
+              <a:rPr lang="my-MM" dirty="0"/>
+              <a:t>တူညီတဲ့ </a:t>
+            </a:r>
+            <a:r>
+              <a:rPr lang="en-US" dirty="0"/>
+              <a:t>service instance </a:t>
+            </a:r>
+            <a:r>
+              <a:rPr lang="my-MM" dirty="0"/>
+              <a:t>ကို </a:t>
+            </a:r>
+            <a:r>
+              <a:rPr lang="en-US" dirty="0"/>
+              <a:t>Component </a:t>
+            </a:r>
+            <a:r>
+              <a:rPr lang="my-MM" dirty="0"/>
+              <a:t>အားလုံးအတွက် ရရှိပါမယ်။ ဒါပေမဲ့ တခြား </a:t>
+            </a:r>
+            <a:r>
+              <a:rPr lang="en-US" dirty="0"/>
+              <a:t>service </a:t>
+            </a:r>
+            <a:r>
+              <a:rPr lang="my-MM" dirty="0"/>
+              <a:t>တွေအတွက်တော့မရပါ။</a:t>
+            </a:r>
+            <a:endParaRPr lang="en-US" dirty="0"/>
+          </a:p>
+        </p:txBody>
+      </p:sp>
+      <p:sp>
+        <p:nvSpPr>
+          <p:cNvPr id="7" name="Rectangle 6">
+            <a:extLst>
+              <a:ext uri="{FF2B5EF4-FFF2-40B4-BE49-F238E27FC236}">
+                <a16:creationId xmlns:a16="http://schemas.microsoft.com/office/drawing/2014/main" id="{AE0389E4-7428-4B1E-B4B6-4D07700A2F90}"/>
+              </a:ext>
+            </a:extLst>
+          </p:cNvPr>
+          <p:cNvSpPr/>
+          <p:nvPr/>
+        </p:nvSpPr>
+        <p:spPr>
+          <a:xfrm>
+            <a:off x="1301931" y="4735790"/>
+            <a:ext cx="2865120" cy="870857"/>
+          </a:xfrm>
+          <a:prstGeom prst="rect">
+            <a:avLst/>
+          </a:prstGeom>
+          <a:solidFill>
+            <a:schemeClr val="accent1">
+              <a:lumMod val="75000"/>
+            </a:schemeClr>
+          </a:solidFill>
+        </p:spPr>
+        <p:style>
+          <a:lnRef idx="2">
+            <a:schemeClr val="accent4">
+              <a:shade val="50000"/>
+            </a:schemeClr>
+          </a:lnRef>
+          <a:fillRef idx="1">
+            <a:schemeClr val="accent4"/>
+          </a:fillRef>
+          <a:effectRef idx="0">
+            <a:schemeClr val="accent4"/>
+          </a:effectRef>
+          <a:fontRef idx="minor">
+            <a:schemeClr val="lt1"/>
+          </a:fontRef>
+        </p:style>
+        <p:txBody>
+          <a:bodyPr rtlCol="0" anchor="ctr"/>
+          <a:lstStyle/>
+          <a:p>
+            <a:pPr algn="ctr"/>
+            <a:r>
+              <a:rPr lang="en-US" dirty="0"/>
+              <a:t>Any Other Component</a:t>
+            </a:r>
+          </a:p>
+        </p:txBody>
+      </p:sp>
+      <p:sp>
+        <p:nvSpPr>
+          <p:cNvPr id="8" name="TextBox 7">
+            <a:extLst>
+              <a:ext uri="{FF2B5EF4-FFF2-40B4-BE49-F238E27FC236}">
+                <a16:creationId xmlns:a16="http://schemas.microsoft.com/office/drawing/2014/main" id="{50B464A4-FDFC-478E-8522-E2933D43851E}"/>
+              </a:ext>
+            </a:extLst>
+          </p:cNvPr>
+          <p:cNvSpPr txBox="1"/>
+          <p:nvPr/>
+        </p:nvSpPr>
+        <p:spPr>
+          <a:xfrm>
+            <a:off x="5212076" y="4724084"/>
+            <a:ext cx="5551715" cy="888705"/>
+          </a:xfrm>
+          <a:prstGeom prst="rect">
+            <a:avLst/>
+          </a:prstGeom>
+        </p:spPr>
+        <p:style>
+          <a:lnRef idx="2">
+            <a:schemeClr val="accent5"/>
+          </a:lnRef>
+          <a:fillRef idx="1">
+            <a:schemeClr val="lt1"/>
+          </a:fillRef>
+          <a:effectRef idx="0">
+            <a:schemeClr val="accent5"/>
+          </a:effectRef>
+          <a:fontRef idx="minor">
+            <a:schemeClr val="dk1"/>
+          </a:fontRef>
+        </p:style>
+        <p:txBody>
+          <a:bodyPr wrap="square" rtlCol="0">
+            <a:spAutoFit/>
+          </a:bodyPr>
+          <a:lstStyle/>
+          <a:p>
+            <a:pPr>
+              <a:lnSpc>
+                <a:spcPct val="150000"/>
+              </a:lnSpc>
+            </a:pPr>
+            <a:r>
+              <a:rPr lang="my-MM" dirty="0"/>
+              <a:t>တူညီတဲ့ </a:t>
+            </a:r>
+            <a:r>
+              <a:rPr lang="en-US" dirty="0"/>
+              <a:t>service instance </a:t>
+            </a:r>
+            <a:r>
+              <a:rPr lang="my-MM" dirty="0"/>
+              <a:t>ကို</a:t>
+            </a:r>
+            <a:r>
+              <a:rPr lang="en-US" dirty="0"/>
+              <a:t> </a:t>
+            </a:r>
+            <a:r>
+              <a:rPr lang="my-MM" dirty="0"/>
+              <a:t>ကြေငြာလိုက်တဲ့ </a:t>
+            </a:r>
+            <a:r>
+              <a:rPr lang="en-US" dirty="0"/>
+              <a:t>component </a:t>
+            </a:r>
+            <a:r>
+              <a:rPr lang="my-MM" dirty="0"/>
+              <a:t>နဲ့ သူ့ရဲ့ </a:t>
+            </a:r>
+            <a:r>
+              <a:rPr lang="en-US" dirty="0"/>
+              <a:t>child component </a:t>
+            </a:r>
+            <a:r>
+              <a:rPr lang="my-MM" dirty="0"/>
+              <a:t>တွေ အကုန်ရရှိပါမယ်။</a:t>
+            </a:r>
+            <a:endParaRPr lang="en-US" dirty="0"/>
+          </a:p>
+        </p:txBody>
+      </p:sp>
+    </p:spTree>
+    <p:extLst>
+      <p:ext uri="{BB962C8B-B14F-4D97-AF65-F5344CB8AC3E}">
+        <p14:creationId xmlns:p14="http://schemas.microsoft.com/office/powerpoint/2010/main" val="1131253338"/>
+      </p:ext>
+    </p:extLst>
+  </p:cSld>
+  <p:clrMapOvr>
+    <a:masterClrMapping/>
+  </p:clrMapOvr>
+</p:sld>
+</file>
+
+<file path=ppt/slides/slide15.xml><?xml version="1.0" encoding="utf-8"?>
+<p:sld xmlns:a="http://schemas.openxmlformats.org/drawingml/2006/main" xmlns:r="http://schemas.openxmlformats.org/officeDocument/2006/relationships" xmlns:p="http://schemas.openxmlformats.org/presentationml/2006/main">
+  <p:cSld>
+    <p:spTree>
+      <p:nvGrpSpPr>
+        <p:cNvPr id="1" name=""/>
+        <p:cNvGrpSpPr/>
+        <p:nvPr/>
+      </p:nvGrpSpPr>
+      <p:grpSpPr>
+        <a:xfrm>
+          <a:off x="0" y="0"/>
+          <a:ext cx="0" cy="0"/>
+          <a:chOff x="0" y="0"/>
+          <a:chExt cx="0" cy="0"/>
+        </a:xfrm>
+      </p:grpSpPr>
+      <p:sp>
+        <p:nvSpPr>
+          <p:cNvPr id="2" name="Rectangle: Rounded Corners 1">
+            <a:extLst>
+              <a:ext uri="{FF2B5EF4-FFF2-40B4-BE49-F238E27FC236}">
+                <a16:creationId xmlns:a16="http://schemas.microsoft.com/office/drawing/2014/main" id="{09D6A648-2CD1-40F1-B44C-08F512F71C15}"/>
+              </a:ext>
+            </a:extLst>
+          </p:cNvPr>
+          <p:cNvSpPr/>
+          <p:nvPr/>
+        </p:nvSpPr>
+        <p:spPr>
+          <a:xfrm>
+            <a:off x="836023" y="681759"/>
+            <a:ext cx="2316480" cy="914400"/>
+          </a:xfrm>
+          <a:prstGeom prst="roundRect">
+            <a:avLst/>
+          </a:prstGeom>
+          <a:solidFill>
+            <a:schemeClr val="accent1">
+              <a:lumMod val="75000"/>
+            </a:schemeClr>
+          </a:solidFill>
+        </p:spPr>
+        <p:style>
+          <a:lnRef idx="2">
+            <a:schemeClr val="accent1">
+              <a:shade val="50000"/>
+            </a:schemeClr>
+          </a:lnRef>
+          <a:fillRef idx="1">
+            <a:schemeClr val="accent1"/>
+          </a:fillRef>
+          <a:effectRef idx="0">
+            <a:schemeClr val="accent1"/>
+          </a:effectRef>
+          <a:fontRef idx="minor">
+            <a:schemeClr val="lt1"/>
+          </a:fontRef>
+        </p:style>
+        <p:txBody>
+          <a:bodyPr rtlCol="0" anchor="ctr"/>
+          <a:lstStyle/>
+          <a:p>
+            <a:pPr algn="ctr"/>
+            <a:r>
+              <a:rPr lang="en-US" dirty="0" err="1"/>
+              <a:t>AppComponent</a:t>
+            </a:r>
+            <a:endParaRPr lang="en-US" dirty="0"/>
+          </a:p>
+        </p:txBody>
+      </p:sp>
+      <p:sp>
+        <p:nvSpPr>
+          <p:cNvPr id="3" name="Rectangle: Rounded Corners 2">
+            <a:extLst>
+              <a:ext uri="{FF2B5EF4-FFF2-40B4-BE49-F238E27FC236}">
+                <a16:creationId xmlns:a16="http://schemas.microsoft.com/office/drawing/2014/main" id="{2E541144-4A24-4500-BA85-23104EE141B6}"/>
+              </a:ext>
+            </a:extLst>
+          </p:cNvPr>
+          <p:cNvSpPr/>
+          <p:nvPr/>
+        </p:nvSpPr>
+        <p:spPr>
+          <a:xfrm>
+            <a:off x="836023" y="2557242"/>
+            <a:ext cx="2316480" cy="914400"/>
+          </a:xfrm>
+          <a:prstGeom prst="roundRect">
+            <a:avLst/>
+          </a:prstGeom>
+          <a:solidFill>
+            <a:schemeClr val="accent1">
+              <a:lumMod val="75000"/>
+            </a:schemeClr>
+          </a:solidFill>
+        </p:spPr>
+        <p:style>
+          <a:lnRef idx="2">
+            <a:schemeClr val="accent1">
+              <a:shade val="50000"/>
+            </a:schemeClr>
+          </a:lnRef>
+          <a:fillRef idx="1">
+            <a:schemeClr val="accent1"/>
+          </a:fillRef>
+          <a:effectRef idx="0">
+            <a:schemeClr val="accent1"/>
+          </a:effectRef>
+          <a:fontRef idx="minor">
+            <a:schemeClr val="lt1"/>
+          </a:fontRef>
+        </p:style>
+        <p:txBody>
+          <a:bodyPr rtlCol="0" anchor="ctr"/>
+          <a:lstStyle/>
+          <a:p>
+            <a:pPr algn="ctr"/>
+            <a:r>
+              <a:rPr lang="en-US" dirty="0" err="1"/>
+              <a:t>ServersComponent</a:t>
+            </a:r>
+            <a:endParaRPr lang="en-US" dirty="0"/>
+          </a:p>
+        </p:txBody>
+      </p:sp>
+      <p:sp>
+        <p:nvSpPr>
+          <p:cNvPr id="4" name="Rectangle: Rounded Corners 3">
+            <a:extLst>
+              <a:ext uri="{FF2B5EF4-FFF2-40B4-BE49-F238E27FC236}">
+                <a16:creationId xmlns:a16="http://schemas.microsoft.com/office/drawing/2014/main" id="{2F4EB003-21E8-4596-AF1C-ABF1419529BD}"/>
+              </a:ext>
+            </a:extLst>
+          </p:cNvPr>
+          <p:cNvSpPr/>
+          <p:nvPr/>
+        </p:nvSpPr>
+        <p:spPr>
+          <a:xfrm>
+            <a:off x="836023" y="4272909"/>
+            <a:ext cx="2316480" cy="914400"/>
+          </a:xfrm>
+          <a:prstGeom prst="roundRect">
+            <a:avLst/>
+          </a:prstGeom>
+          <a:solidFill>
+            <a:schemeClr val="accent1">
+              <a:lumMod val="75000"/>
+            </a:schemeClr>
+          </a:solidFill>
+        </p:spPr>
+        <p:style>
+          <a:lnRef idx="2">
+            <a:schemeClr val="accent1">
+              <a:shade val="50000"/>
+            </a:schemeClr>
+          </a:lnRef>
+          <a:fillRef idx="1">
+            <a:schemeClr val="accent1"/>
+          </a:fillRef>
+          <a:effectRef idx="0">
+            <a:schemeClr val="accent1"/>
+          </a:effectRef>
+          <a:fontRef idx="minor">
+            <a:schemeClr val="lt1"/>
+          </a:fontRef>
+        </p:style>
+        <p:txBody>
+          <a:bodyPr rtlCol="0" anchor="ctr"/>
+          <a:lstStyle/>
+          <a:p>
+            <a:pPr algn="ctr"/>
+            <a:r>
+              <a:rPr lang="en-US" dirty="0" err="1"/>
+              <a:t>ServerComponent</a:t>
+            </a:r>
+            <a:endParaRPr lang="en-US" dirty="0"/>
+          </a:p>
+        </p:txBody>
+      </p:sp>
+      <p:sp>
+        <p:nvSpPr>
+          <p:cNvPr id="15" name="TextBox 14">
+            <a:extLst>
+              <a:ext uri="{FF2B5EF4-FFF2-40B4-BE49-F238E27FC236}">
+                <a16:creationId xmlns:a16="http://schemas.microsoft.com/office/drawing/2014/main" id="{2AE4E881-3C9B-4B1D-9AF2-7F1EB90E5BAF}"/>
+              </a:ext>
+            </a:extLst>
+          </p:cNvPr>
+          <p:cNvSpPr txBox="1"/>
+          <p:nvPr/>
+        </p:nvSpPr>
+        <p:spPr>
+          <a:xfrm>
+            <a:off x="836023" y="5809309"/>
+            <a:ext cx="9457509" cy="473206"/>
+          </a:xfrm>
+          <a:prstGeom prst="rect">
+            <a:avLst/>
+          </a:prstGeom>
+        </p:spPr>
+        <p:style>
+          <a:lnRef idx="2">
+            <a:schemeClr val="accent1"/>
+          </a:lnRef>
+          <a:fillRef idx="1">
+            <a:schemeClr val="lt1"/>
+          </a:fillRef>
+          <a:effectRef idx="0">
+            <a:schemeClr val="accent1"/>
+          </a:effectRef>
+          <a:fontRef idx="minor">
+            <a:schemeClr val="dk1"/>
+          </a:fontRef>
+        </p:style>
+        <p:txBody>
+          <a:bodyPr wrap="square" rtlCol="0">
+            <a:spAutoFit/>
+          </a:bodyPr>
+          <a:lstStyle/>
+          <a:p>
+            <a:pPr>
+              <a:lnSpc>
+                <a:spcPct val="150000"/>
+              </a:lnSpc>
+            </a:pPr>
+            <a:r>
+              <a:rPr lang="en-US" dirty="0"/>
+              <a:t>Component </a:t>
+            </a:r>
+            <a:r>
+              <a:rPr lang="my-MM" dirty="0"/>
+              <a:t>တိုင်းမှာ </a:t>
+            </a:r>
+            <a:r>
+              <a:rPr lang="en-US" dirty="0"/>
+              <a:t>service instance </a:t>
+            </a:r>
+            <a:r>
+              <a:rPr lang="my-MM" dirty="0"/>
+              <a:t>တောင်းယူထားတာကြောင့် </a:t>
+            </a:r>
+            <a:r>
+              <a:rPr lang="en-US" dirty="0"/>
+              <a:t>service instance </a:t>
+            </a:r>
+            <a:r>
+              <a:rPr lang="my-MM" dirty="0"/>
+              <a:t>မတူတော့ပါ</a:t>
+            </a:r>
+          </a:p>
+        </p:txBody>
+      </p:sp>
+      <p:grpSp>
+        <p:nvGrpSpPr>
+          <p:cNvPr id="18" name="Group 17">
+            <a:extLst>
+              <a:ext uri="{FF2B5EF4-FFF2-40B4-BE49-F238E27FC236}">
+                <a16:creationId xmlns:a16="http://schemas.microsoft.com/office/drawing/2014/main" id="{24438CAD-16B5-4DA0-85DA-34A8CCC3005D}"/>
+              </a:ext>
+            </a:extLst>
+          </p:cNvPr>
+          <p:cNvGrpSpPr/>
+          <p:nvPr/>
+        </p:nvGrpSpPr>
+        <p:grpSpPr>
+          <a:xfrm>
+            <a:off x="2609306" y="376481"/>
+            <a:ext cx="1245326" cy="705786"/>
+            <a:chOff x="2808515" y="571805"/>
+            <a:chExt cx="1245326" cy="705786"/>
+          </a:xfrm>
+          <a:solidFill>
+            <a:schemeClr val="accent6">
+              <a:lumMod val="75000"/>
+            </a:schemeClr>
+          </a:solidFill>
+        </p:grpSpPr>
+        <p:sp>
+          <p:nvSpPr>
+            <p:cNvPr id="16" name="Oval 15">
+              <a:extLst>
+                <a:ext uri="{FF2B5EF4-FFF2-40B4-BE49-F238E27FC236}">
+                  <a16:creationId xmlns:a16="http://schemas.microsoft.com/office/drawing/2014/main" id="{1370A3E4-F030-4FE1-87B7-763552B33803}"/>
+                </a:ext>
+              </a:extLst>
+            </p:cNvPr>
+            <p:cNvSpPr/>
+            <p:nvPr/>
+          </p:nvSpPr>
+          <p:spPr>
+            <a:xfrm>
+              <a:off x="2808515" y="571805"/>
+              <a:ext cx="1245326" cy="705786"/>
+            </a:xfrm>
+            <a:prstGeom prst="ellipse">
+              <a:avLst/>
+            </a:prstGeom>
+            <a:grpFill/>
+          </p:spPr>
+          <p:style>
+            <a:lnRef idx="2">
+              <a:schemeClr val="accent1">
+                <a:shade val="50000"/>
+              </a:schemeClr>
+            </a:lnRef>
+            <a:fillRef idx="1">
+              <a:schemeClr val="accent1"/>
+            </a:fillRef>
+            <a:effectRef idx="0">
+              <a:schemeClr val="accent1"/>
+            </a:effectRef>
+            <a:fontRef idx="minor">
+              <a:schemeClr val="lt1"/>
+            </a:fontRef>
+          </p:style>
+          <p:txBody>
+            <a:bodyPr rtlCol="0" anchor="ctr"/>
+            <a:lstStyle/>
+            <a:p>
+              <a:pPr algn="ctr"/>
+              <a:r>
+                <a:rPr lang="my-MM" dirty="0"/>
+                <a:t> </a:t>
+              </a:r>
+              <a:endParaRPr lang="en-US" dirty="0"/>
+            </a:p>
+          </p:txBody>
+        </p:sp>
+        <p:sp>
+          <p:nvSpPr>
+            <p:cNvPr id="17" name="TextBox 16">
+              <a:extLst>
+                <a:ext uri="{FF2B5EF4-FFF2-40B4-BE49-F238E27FC236}">
+                  <a16:creationId xmlns:a16="http://schemas.microsoft.com/office/drawing/2014/main" id="{E77DA11E-161D-431B-9DFD-A85A00DC2B0E}"/>
+                </a:ext>
+              </a:extLst>
+            </p:cNvPr>
+            <p:cNvSpPr txBox="1"/>
+            <p:nvPr/>
+          </p:nvSpPr>
+          <p:spPr>
+            <a:xfrm>
+              <a:off x="2887981" y="770809"/>
+              <a:ext cx="1138645" cy="307777"/>
+            </a:xfrm>
+            <a:prstGeom prst="rect">
+              <a:avLst/>
+            </a:prstGeom>
+            <a:grpFill/>
+          </p:spPr>
+          <p:txBody>
+            <a:bodyPr wrap="square" rtlCol="0">
+              <a:spAutoFit/>
+            </a:bodyPr>
+            <a:lstStyle/>
+            <a:p>
+              <a:r>
+                <a:rPr lang="en-US" sz="1400" dirty="0">
+                  <a:solidFill>
+                    <a:schemeClr val="bg1"/>
+                  </a:solidFill>
+                </a:rPr>
+                <a:t>new instance</a:t>
+              </a:r>
+            </a:p>
+          </p:txBody>
+        </p:sp>
+      </p:grpSp>
+      <p:grpSp>
+        <p:nvGrpSpPr>
+          <p:cNvPr id="21" name="Group 20">
+            <a:extLst>
+              <a:ext uri="{FF2B5EF4-FFF2-40B4-BE49-F238E27FC236}">
+                <a16:creationId xmlns:a16="http://schemas.microsoft.com/office/drawing/2014/main" id="{EB5C3D3B-3869-44ED-A22D-21D88B21669A}"/>
+              </a:ext>
+            </a:extLst>
+          </p:cNvPr>
+          <p:cNvGrpSpPr/>
+          <p:nvPr/>
+        </p:nvGrpSpPr>
+        <p:grpSpPr>
+          <a:xfrm>
+            <a:off x="2616926" y="2253147"/>
+            <a:ext cx="1245326" cy="705786"/>
+            <a:chOff x="2808515" y="571805"/>
+            <a:chExt cx="1245326" cy="705786"/>
+          </a:xfrm>
+          <a:solidFill>
+            <a:schemeClr val="accent6">
+              <a:lumMod val="75000"/>
+            </a:schemeClr>
+          </a:solidFill>
+        </p:grpSpPr>
+        <p:sp>
+          <p:nvSpPr>
+            <p:cNvPr id="22" name="Oval 21">
+              <a:extLst>
+                <a:ext uri="{FF2B5EF4-FFF2-40B4-BE49-F238E27FC236}">
+                  <a16:creationId xmlns:a16="http://schemas.microsoft.com/office/drawing/2014/main" id="{368BF4C0-2A9D-4979-B549-6FFFD88181E2}"/>
+                </a:ext>
+              </a:extLst>
+            </p:cNvPr>
+            <p:cNvSpPr/>
+            <p:nvPr/>
+          </p:nvSpPr>
+          <p:spPr>
+            <a:xfrm>
+              <a:off x="2808515" y="571805"/>
+              <a:ext cx="1245326" cy="705786"/>
+            </a:xfrm>
+            <a:prstGeom prst="ellipse">
+              <a:avLst/>
+            </a:prstGeom>
+            <a:grpFill/>
+          </p:spPr>
+          <p:style>
+            <a:lnRef idx="2">
+              <a:schemeClr val="accent1">
+                <a:shade val="50000"/>
+              </a:schemeClr>
+            </a:lnRef>
+            <a:fillRef idx="1">
+              <a:schemeClr val="accent1"/>
+            </a:fillRef>
+            <a:effectRef idx="0">
+              <a:schemeClr val="accent1"/>
+            </a:effectRef>
+            <a:fontRef idx="minor">
+              <a:schemeClr val="lt1"/>
+            </a:fontRef>
+          </p:style>
+          <p:txBody>
+            <a:bodyPr rtlCol="0" anchor="ctr"/>
+            <a:lstStyle/>
+            <a:p>
+              <a:pPr algn="ctr"/>
+              <a:r>
+                <a:rPr lang="my-MM" dirty="0"/>
+                <a:t> </a:t>
+              </a:r>
+              <a:endParaRPr lang="en-US" dirty="0"/>
+            </a:p>
+          </p:txBody>
+        </p:sp>
+        <p:sp>
+          <p:nvSpPr>
+            <p:cNvPr id="23" name="TextBox 22">
+              <a:extLst>
+                <a:ext uri="{FF2B5EF4-FFF2-40B4-BE49-F238E27FC236}">
+                  <a16:creationId xmlns:a16="http://schemas.microsoft.com/office/drawing/2014/main" id="{8BB3AC03-4BFA-45D9-8B95-103F0F504BDA}"/>
+                </a:ext>
+              </a:extLst>
+            </p:cNvPr>
+            <p:cNvSpPr txBox="1"/>
+            <p:nvPr/>
+          </p:nvSpPr>
+          <p:spPr>
+            <a:xfrm>
+              <a:off x="2887981" y="770809"/>
+              <a:ext cx="1138645" cy="307777"/>
+            </a:xfrm>
+            <a:prstGeom prst="rect">
+              <a:avLst/>
+            </a:prstGeom>
+            <a:grpFill/>
+          </p:spPr>
+          <p:txBody>
+            <a:bodyPr wrap="square" rtlCol="0">
+              <a:spAutoFit/>
+            </a:bodyPr>
+            <a:lstStyle/>
+            <a:p>
+              <a:r>
+                <a:rPr lang="en-US" sz="1400" dirty="0">
+                  <a:solidFill>
+                    <a:schemeClr val="bg1"/>
+                  </a:solidFill>
+                </a:rPr>
+                <a:t>new instance</a:t>
+              </a:r>
+            </a:p>
+          </p:txBody>
+        </p:sp>
+      </p:grpSp>
+      <p:grpSp>
+        <p:nvGrpSpPr>
+          <p:cNvPr id="24" name="Group 23">
+            <a:extLst>
+              <a:ext uri="{FF2B5EF4-FFF2-40B4-BE49-F238E27FC236}">
+                <a16:creationId xmlns:a16="http://schemas.microsoft.com/office/drawing/2014/main" id="{81B0AA13-B8E3-4224-B264-DDBBA7B508F4}"/>
+              </a:ext>
+            </a:extLst>
+          </p:cNvPr>
+          <p:cNvGrpSpPr/>
+          <p:nvPr/>
+        </p:nvGrpSpPr>
+        <p:grpSpPr>
+          <a:xfrm>
+            <a:off x="2688772" y="3920016"/>
+            <a:ext cx="1245326" cy="705786"/>
+            <a:chOff x="2808515" y="571805"/>
+            <a:chExt cx="1245326" cy="705786"/>
+          </a:xfrm>
+          <a:solidFill>
+            <a:schemeClr val="accent6">
+              <a:lumMod val="75000"/>
+            </a:schemeClr>
+          </a:solidFill>
+        </p:grpSpPr>
+        <p:sp>
+          <p:nvSpPr>
+            <p:cNvPr id="25" name="Oval 24">
+              <a:extLst>
+                <a:ext uri="{FF2B5EF4-FFF2-40B4-BE49-F238E27FC236}">
+                  <a16:creationId xmlns:a16="http://schemas.microsoft.com/office/drawing/2014/main" id="{0CEF627E-9168-4275-AE84-E07590CC7999}"/>
+                </a:ext>
+              </a:extLst>
+            </p:cNvPr>
+            <p:cNvSpPr/>
+            <p:nvPr/>
+          </p:nvSpPr>
+          <p:spPr>
+            <a:xfrm>
+              <a:off x="2808515" y="571805"/>
+              <a:ext cx="1245326" cy="705786"/>
+            </a:xfrm>
+            <a:prstGeom prst="ellipse">
+              <a:avLst/>
+            </a:prstGeom>
+            <a:grpFill/>
+          </p:spPr>
+          <p:style>
+            <a:lnRef idx="2">
+              <a:schemeClr val="accent1">
+                <a:shade val="50000"/>
+              </a:schemeClr>
+            </a:lnRef>
+            <a:fillRef idx="1">
+              <a:schemeClr val="accent1"/>
+            </a:fillRef>
+            <a:effectRef idx="0">
+              <a:schemeClr val="accent1"/>
+            </a:effectRef>
+            <a:fontRef idx="minor">
+              <a:schemeClr val="lt1"/>
+            </a:fontRef>
+          </p:style>
+          <p:txBody>
+            <a:bodyPr rtlCol="0" anchor="ctr"/>
+            <a:lstStyle/>
+            <a:p>
+              <a:pPr algn="ctr"/>
+              <a:r>
+                <a:rPr lang="my-MM" dirty="0"/>
+                <a:t> </a:t>
+              </a:r>
+              <a:endParaRPr lang="en-US" dirty="0"/>
+            </a:p>
+          </p:txBody>
+        </p:sp>
+        <p:sp>
+          <p:nvSpPr>
+            <p:cNvPr id="26" name="TextBox 25">
+              <a:extLst>
+                <a:ext uri="{FF2B5EF4-FFF2-40B4-BE49-F238E27FC236}">
+                  <a16:creationId xmlns:a16="http://schemas.microsoft.com/office/drawing/2014/main" id="{647D4C87-7DFD-4A8B-9092-97AB6D31B798}"/>
+                </a:ext>
+              </a:extLst>
+            </p:cNvPr>
+            <p:cNvSpPr txBox="1"/>
+            <p:nvPr/>
+          </p:nvSpPr>
+          <p:spPr>
+            <a:xfrm>
+              <a:off x="2887981" y="770809"/>
+              <a:ext cx="1138645" cy="307777"/>
+            </a:xfrm>
+            <a:prstGeom prst="rect">
+              <a:avLst/>
+            </a:prstGeom>
+            <a:grpFill/>
+          </p:spPr>
+          <p:txBody>
+            <a:bodyPr wrap="square" rtlCol="0">
+              <a:spAutoFit/>
+            </a:bodyPr>
+            <a:lstStyle/>
+            <a:p>
+              <a:r>
+                <a:rPr lang="en-US" sz="1400" dirty="0">
+                  <a:solidFill>
+                    <a:schemeClr val="bg1"/>
+                  </a:solidFill>
+                </a:rPr>
+                <a:t>new instance</a:t>
+              </a:r>
+            </a:p>
+          </p:txBody>
+        </p:sp>
+      </p:grpSp>
+      <p:sp>
+        <p:nvSpPr>
+          <p:cNvPr id="27" name="TextBox 26">
+            <a:extLst>
+              <a:ext uri="{FF2B5EF4-FFF2-40B4-BE49-F238E27FC236}">
+                <a16:creationId xmlns:a16="http://schemas.microsoft.com/office/drawing/2014/main" id="{5B5681B7-A3C9-4FE9-8802-751948A55EFD}"/>
+              </a:ext>
+            </a:extLst>
+          </p:cNvPr>
+          <p:cNvSpPr txBox="1"/>
+          <p:nvPr/>
+        </p:nvSpPr>
+        <p:spPr>
+          <a:xfrm>
+            <a:off x="4550230" y="729373"/>
+            <a:ext cx="5743302" cy="923330"/>
+          </a:xfrm>
+          <a:prstGeom prst="rect">
+            <a:avLst/>
+          </a:prstGeom>
+        </p:spPr>
+        <p:style>
+          <a:lnRef idx="2">
+            <a:schemeClr val="accent1"/>
+          </a:lnRef>
+          <a:fillRef idx="1">
+            <a:schemeClr val="lt1"/>
+          </a:fillRef>
+          <a:effectRef idx="0">
+            <a:schemeClr val="accent1"/>
+          </a:effectRef>
+          <a:fontRef idx="minor">
+            <a:schemeClr val="dk1"/>
+          </a:fontRef>
+        </p:style>
+        <p:txBody>
+          <a:bodyPr wrap="square" rtlCol="0">
+            <a:spAutoFit/>
+          </a:bodyPr>
+          <a:lstStyle/>
+          <a:p>
+            <a:pPr>
+              <a:lnSpc>
+                <a:spcPct val="150000"/>
+              </a:lnSpc>
+            </a:pPr>
+            <a:r>
+              <a:rPr lang="en-US" dirty="0"/>
+              <a:t>Provide </a:t>
+            </a:r>
+            <a:r>
+              <a:rPr lang="my-MM" dirty="0"/>
+              <a:t>လုပ်ပေးဖို့တောင်းတဲ့အတွက် </a:t>
+            </a:r>
+            <a:r>
+              <a:rPr lang="en-US" dirty="0"/>
+              <a:t>service instance </a:t>
+            </a:r>
+            <a:r>
+              <a:rPr lang="my-MM" dirty="0"/>
+              <a:t>အသစ်တစ်ခုကိုရတယ်။</a:t>
+            </a:r>
+          </a:p>
+        </p:txBody>
+      </p:sp>
+      <p:sp>
+        <p:nvSpPr>
+          <p:cNvPr id="28" name="TextBox 27">
+            <a:extLst>
+              <a:ext uri="{FF2B5EF4-FFF2-40B4-BE49-F238E27FC236}">
+                <a16:creationId xmlns:a16="http://schemas.microsoft.com/office/drawing/2014/main" id="{E20185AC-7FAF-431E-AC4F-903A2AB2077E}"/>
+              </a:ext>
+            </a:extLst>
+          </p:cNvPr>
+          <p:cNvSpPr txBox="1"/>
+          <p:nvPr/>
+        </p:nvSpPr>
+        <p:spPr>
+          <a:xfrm>
+            <a:off x="4550230" y="2606039"/>
+            <a:ext cx="5743302" cy="923330"/>
+          </a:xfrm>
+          <a:prstGeom prst="rect">
+            <a:avLst/>
+          </a:prstGeom>
+        </p:spPr>
+        <p:style>
+          <a:lnRef idx="2">
+            <a:schemeClr val="accent1"/>
+          </a:lnRef>
+          <a:fillRef idx="1">
+            <a:schemeClr val="lt1"/>
+          </a:fillRef>
+          <a:effectRef idx="0">
+            <a:schemeClr val="accent1"/>
+          </a:effectRef>
+          <a:fontRef idx="minor">
+            <a:schemeClr val="dk1"/>
+          </a:fontRef>
+        </p:style>
+        <p:txBody>
+          <a:bodyPr wrap="square" rtlCol="0">
+            <a:spAutoFit/>
+          </a:bodyPr>
+          <a:lstStyle/>
+          <a:p>
+            <a:pPr>
+              <a:lnSpc>
+                <a:spcPct val="150000"/>
+              </a:lnSpc>
+            </a:pPr>
+            <a:r>
+              <a:rPr lang="my-MM" dirty="0"/>
+              <a:t>ဒီမှာထပ်ပြီး </a:t>
+            </a:r>
+            <a:r>
+              <a:rPr lang="en-US" dirty="0"/>
+              <a:t>provide </a:t>
+            </a:r>
+            <a:r>
+              <a:rPr lang="my-MM" dirty="0"/>
+              <a:t>လုပ်ပေးခိုင်းတဲ့အတွက် </a:t>
+            </a:r>
+            <a:r>
+              <a:rPr lang="en-US" dirty="0"/>
+              <a:t>new instance </a:t>
+            </a:r>
+            <a:r>
+              <a:rPr lang="my-MM" dirty="0"/>
+              <a:t>ထပ်ရပါတယ်။</a:t>
+            </a:r>
+          </a:p>
+        </p:txBody>
+      </p:sp>
+      <p:sp>
+        <p:nvSpPr>
+          <p:cNvPr id="29" name="TextBox 28">
+            <a:extLst>
+              <a:ext uri="{FF2B5EF4-FFF2-40B4-BE49-F238E27FC236}">
+                <a16:creationId xmlns:a16="http://schemas.microsoft.com/office/drawing/2014/main" id="{0CCAAE4A-C8CC-478D-95C2-2BB21AD48BF7}"/>
+              </a:ext>
+            </a:extLst>
+          </p:cNvPr>
+          <p:cNvSpPr txBox="1"/>
+          <p:nvPr/>
+        </p:nvSpPr>
+        <p:spPr>
+          <a:xfrm>
+            <a:off x="4550230" y="4507747"/>
+            <a:ext cx="5743302" cy="473206"/>
+          </a:xfrm>
+          <a:prstGeom prst="rect">
+            <a:avLst/>
+          </a:prstGeom>
+        </p:spPr>
+        <p:style>
+          <a:lnRef idx="2">
+            <a:schemeClr val="accent1"/>
+          </a:lnRef>
+          <a:fillRef idx="1">
+            <a:schemeClr val="lt1"/>
+          </a:fillRef>
+          <a:effectRef idx="0">
+            <a:schemeClr val="accent1"/>
+          </a:effectRef>
+          <a:fontRef idx="minor">
+            <a:schemeClr val="dk1"/>
+          </a:fontRef>
+        </p:style>
+        <p:txBody>
+          <a:bodyPr wrap="square" rtlCol="0">
+            <a:spAutoFit/>
+          </a:bodyPr>
+          <a:lstStyle/>
+          <a:p>
+            <a:pPr>
+              <a:lnSpc>
+                <a:spcPct val="150000"/>
+              </a:lnSpc>
+            </a:pPr>
+            <a:r>
+              <a:rPr lang="my-MM" dirty="0"/>
+              <a:t>ဒီမှာလည်း အတူတူပါပဲ </a:t>
+            </a:r>
+            <a:r>
+              <a:rPr lang="en-US" dirty="0"/>
+              <a:t>new instance </a:t>
+            </a:r>
+            <a:r>
+              <a:rPr lang="my-MM" dirty="0"/>
+              <a:t>ထပ်ရပြန်ပါတယ်။</a:t>
+            </a:r>
+          </a:p>
+        </p:txBody>
+      </p:sp>
+    </p:spTree>
+    <p:extLst>
+      <p:ext uri="{BB962C8B-B14F-4D97-AF65-F5344CB8AC3E}">
+        <p14:creationId xmlns:p14="http://schemas.microsoft.com/office/powerpoint/2010/main" val="978717030"/>
+      </p:ext>
+    </p:extLst>
+  </p:cSld>
+  <p:clrMapOvr>
+    <a:masterClrMapping/>
+  </p:clrMapOvr>
+</p:sld>
+</file>
+
 <file path=ppt/slides/slide2.xml><?xml version="1.0" encoding="utf-8"?>
 <p:sld xmlns:a="http://schemas.openxmlformats.org/drawingml/2006/main" xmlns:r="http://schemas.openxmlformats.org/officeDocument/2006/relationships" xmlns:p="http://schemas.openxmlformats.org/presentationml/2006/main">
   <p:cSld>

--- a/Resources/Notes.pptx
+++ b/Resources/Notes.pptx
@@ -5784,122 +5784,100 @@
           </a:p>
         </p:txBody>
       </p:sp>
-      <p:grpSp>
-        <p:nvGrpSpPr>
-          <p:cNvPr id="18" name="Group 17">
-            <a:extLst>
-              <a:ext uri="{FF2B5EF4-FFF2-40B4-BE49-F238E27FC236}">
-                <a16:creationId xmlns:a16="http://schemas.microsoft.com/office/drawing/2014/main" id="{24438CAD-16B5-4DA0-85DA-34A8CCC3005D}"/>
-              </a:ext>
-            </a:extLst>
-          </p:cNvPr>
-          <p:cNvGrpSpPr/>
-          <p:nvPr/>
-        </p:nvGrpSpPr>
-        <p:grpSpPr>
+      <p:sp>
+        <p:nvSpPr>
+          <p:cNvPr id="16" name="Oval 15">
+            <a:extLst>
+              <a:ext uri="{FF2B5EF4-FFF2-40B4-BE49-F238E27FC236}">
+                <a16:creationId xmlns:a16="http://schemas.microsoft.com/office/drawing/2014/main" id="{1370A3E4-F030-4FE1-87B7-763552B33803}"/>
+              </a:ext>
+            </a:extLst>
+          </p:cNvPr>
+          <p:cNvSpPr/>
+          <p:nvPr/>
+        </p:nvSpPr>
+        <p:spPr>
           <a:xfrm>
             <a:off x="2609306" y="376481"/>
             <a:ext cx="1245326" cy="705786"/>
-            <a:chOff x="2808515" y="571805"/>
-            <a:chExt cx="1245326" cy="705786"/>
-          </a:xfrm>
+          </a:xfrm>
+          <a:prstGeom prst="ellipse">
+            <a:avLst/>
+          </a:prstGeom>
           <a:solidFill>
             <a:schemeClr val="accent6">
               <a:lumMod val="75000"/>
             </a:schemeClr>
           </a:solidFill>
-        </p:grpSpPr>
-        <p:sp>
-          <p:nvSpPr>
-            <p:cNvPr id="16" name="Oval 15">
-              <a:extLst>
-                <a:ext uri="{FF2B5EF4-FFF2-40B4-BE49-F238E27FC236}">
-                  <a16:creationId xmlns:a16="http://schemas.microsoft.com/office/drawing/2014/main" id="{1370A3E4-F030-4FE1-87B7-763552B33803}"/>
-                </a:ext>
-              </a:extLst>
-            </p:cNvPr>
-            <p:cNvSpPr/>
-            <p:nvPr/>
-          </p:nvSpPr>
-          <p:spPr>
-            <a:xfrm>
-              <a:off x="2808515" y="571805"/>
-              <a:ext cx="1245326" cy="705786"/>
-            </a:xfrm>
-            <a:prstGeom prst="ellipse">
-              <a:avLst/>
-            </a:prstGeom>
-            <a:grpFill/>
-          </p:spPr>
-          <p:style>
-            <a:lnRef idx="2">
-              <a:schemeClr val="accent1">
-                <a:shade val="50000"/>
-              </a:schemeClr>
-            </a:lnRef>
-            <a:fillRef idx="1">
-              <a:schemeClr val="accent1"/>
-            </a:fillRef>
-            <a:effectRef idx="0">
-              <a:schemeClr val="accent1"/>
-            </a:effectRef>
-            <a:fontRef idx="minor">
-              <a:schemeClr val="lt1"/>
-            </a:fontRef>
-          </p:style>
-          <p:txBody>
-            <a:bodyPr rtlCol="0" anchor="ctr"/>
-            <a:lstStyle/>
-            <a:p>
-              <a:pPr algn="ctr"/>
-              <a:r>
-                <a:rPr lang="my-MM" dirty="0"/>
-                <a:t> </a:t>
-              </a:r>
-              <a:endParaRPr lang="en-US" dirty="0"/>
-            </a:p>
-          </p:txBody>
-        </p:sp>
-        <p:sp>
-          <p:nvSpPr>
-            <p:cNvPr id="17" name="TextBox 16">
-              <a:extLst>
-                <a:ext uri="{FF2B5EF4-FFF2-40B4-BE49-F238E27FC236}">
-                  <a16:creationId xmlns:a16="http://schemas.microsoft.com/office/drawing/2014/main" id="{E77DA11E-161D-431B-9DFD-A85A00DC2B0E}"/>
-                </a:ext>
-              </a:extLst>
-            </p:cNvPr>
-            <p:cNvSpPr txBox="1"/>
-            <p:nvPr/>
-          </p:nvSpPr>
-          <p:spPr>
-            <a:xfrm>
-              <a:off x="2887981" y="770809"/>
-              <a:ext cx="1138645" cy="307777"/>
-            </a:xfrm>
-            <a:prstGeom prst="rect">
-              <a:avLst/>
-            </a:prstGeom>
-            <a:grpFill/>
-          </p:spPr>
-          <p:txBody>
-            <a:bodyPr wrap="square" rtlCol="0">
-              <a:spAutoFit/>
-            </a:bodyPr>
-            <a:lstStyle/>
-            <a:p>
-              <a:r>
-                <a:rPr lang="en-US" sz="1400" dirty="0">
-                  <a:solidFill>
-                    <a:schemeClr val="bg1"/>
-                  </a:solidFill>
-                </a:rPr>
-                <a:t>new instance</a:t>
-              </a:r>
-            </a:p>
-          </p:txBody>
-        </p:sp>
-      </p:grpSp>
+        </p:spPr>
+        <p:style>
+          <a:lnRef idx="2">
+            <a:schemeClr val="accent1">
+              <a:shade val="50000"/>
+            </a:schemeClr>
+          </a:lnRef>
+          <a:fillRef idx="1">
+            <a:schemeClr val="accent1"/>
+          </a:fillRef>
+          <a:effectRef idx="0">
+            <a:schemeClr val="accent1"/>
+          </a:effectRef>
+          <a:fontRef idx="minor">
+            <a:schemeClr val="lt1"/>
+          </a:fontRef>
+        </p:style>
+        <p:txBody>
+          <a:bodyPr rtlCol="0" anchor="ctr"/>
+          <a:lstStyle/>
+          <a:p>
+            <a:pPr algn="ctr"/>
+            <a:r>
+              <a:rPr lang="my-MM" dirty="0"/>
+              <a:t> </a:t>
+            </a:r>
+            <a:endParaRPr lang="en-US" dirty="0"/>
+          </a:p>
+        </p:txBody>
+      </p:sp>
+      <p:sp>
+        <p:nvSpPr>
+          <p:cNvPr id="17" name="TextBox 16">
+            <a:extLst>
+              <a:ext uri="{FF2B5EF4-FFF2-40B4-BE49-F238E27FC236}">
+                <a16:creationId xmlns:a16="http://schemas.microsoft.com/office/drawing/2014/main" id="{E77DA11E-161D-431B-9DFD-A85A00DC2B0E}"/>
+              </a:ext>
+            </a:extLst>
+          </p:cNvPr>
+          <p:cNvSpPr txBox="1"/>
+          <p:nvPr/>
+        </p:nvSpPr>
+        <p:spPr>
+          <a:xfrm>
+            <a:off x="2688772" y="575485"/>
+            <a:ext cx="1138645" cy="307777"/>
+          </a:xfrm>
+          <a:prstGeom prst="rect">
+            <a:avLst/>
+          </a:prstGeom>
+          <a:noFill/>
+        </p:spPr>
+        <p:txBody>
+          <a:bodyPr wrap="square" rtlCol="0">
+            <a:spAutoFit/>
+          </a:bodyPr>
+          <a:lstStyle/>
+          <a:p>
+            <a:r>
+              <a:rPr lang="en-US" sz="1400" dirty="0">
+                <a:solidFill>
+                  <a:schemeClr val="bg1"/>
+                </a:solidFill>
+              </a:rPr>
+              <a:t>new instance</a:t>
+            </a:r>
+          </a:p>
+        </p:txBody>
+      </p:sp>
       <p:grpSp>
         <p:nvGrpSpPr>
           <p:cNvPr id="21" name="Group 20">
@@ -5996,7 +5974,7 @@
             <a:prstGeom prst="rect">
               <a:avLst/>
             </a:prstGeom>
-            <a:grpFill/>
+            <a:noFill/>
           </p:spPr>
           <p:txBody>
             <a:bodyPr wrap="square" rtlCol="0">
@@ -6112,7 +6090,7 @@
             <a:prstGeom prst="rect">
               <a:avLst/>
             </a:prstGeom>
-            <a:grpFill/>
+            <a:noFill/>
           </p:spPr>
           <p:txBody>
             <a:bodyPr wrap="square" rtlCol="0">

--- a/Resources/Notes.pptx
+++ b/Resources/Notes.pptx
@@ -20,6 +20,7 @@
     <p:sldId id="268" r:id="rId14"/>
     <p:sldId id="269" r:id="rId15"/>
     <p:sldId id="270" r:id="rId16"/>
+    <p:sldId id="271" r:id="rId17"/>
   </p:sldIdLst>
   <p:sldSz cx="12192000" cy="6858000"/>
   <p:notesSz cx="6858000" cy="9144000"/>
@@ -273,7 +274,7 @@
           <a:p>
             <a:fld id="{162DCEF9-7F5B-4235-8EC3-75D5AB177DA5}" type="datetimeFigureOut">
               <a:rPr lang="en-US" smtClean="0"/>
-              <a:t>5/13/2021</a:t>
+              <a:t>6/1/2021</a:t>
             </a:fld>
             <a:endParaRPr lang="en-US"/>
           </a:p>
@@ -471,7 +472,7 @@
           <a:p>
             <a:fld id="{162DCEF9-7F5B-4235-8EC3-75D5AB177DA5}" type="datetimeFigureOut">
               <a:rPr lang="en-US" smtClean="0"/>
-              <a:t>5/13/2021</a:t>
+              <a:t>6/1/2021</a:t>
             </a:fld>
             <a:endParaRPr lang="en-US"/>
           </a:p>
@@ -679,7 +680,7 @@
           <a:p>
             <a:fld id="{162DCEF9-7F5B-4235-8EC3-75D5AB177DA5}" type="datetimeFigureOut">
               <a:rPr lang="en-US" smtClean="0"/>
-              <a:t>5/13/2021</a:t>
+              <a:t>6/1/2021</a:t>
             </a:fld>
             <a:endParaRPr lang="en-US"/>
           </a:p>
@@ -877,7 +878,7 @@
           <a:p>
             <a:fld id="{162DCEF9-7F5B-4235-8EC3-75D5AB177DA5}" type="datetimeFigureOut">
               <a:rPr lang="en-US" smtClean="0"/>
-              <a:t>5/13/2021</a:t>
+              <a:t>6/1/2021</a:t>
             </a:fld>
             <a:endParaRPr lang="en-US"/>
           </a:p>
@@ -1152,7 +1153,7 @@
           <a:p>
             <a:fld id="{162DCEF9-7F5B-4235-8EC3-75D5AB177DA5}" type="datetimeFigureOut">
               <a:rPr lang="en-US" smtClean="0"/>
-              <a:t>5/13/2021</a:t>
+              <a:t>6/1/2021</a:t>
             </a:fld>
             <a:endParaRPr lang="en-US"/>
           </a:p>
@@ -1417,7 +1418,7 @@
           <a:p>
             <a:fld id="{162DCEF9-7F5B-4235-8EC3-75D5AB177DA5}" type="datetimeFigureOut">
               <a:rPr lang="en-US" smtClean="0"/>
-              <a:t>5/13/2021</a:t>
+              <a:t>6/1/2021</a:t>
             </a:fld>
             <a:endParaRPr lang="en-US"/>
           </a:p>
@@ -1829,7 +1830,7 @@
           <a:p>
             <a:fld id="{162DCEF9-7F5B-4235-8EC3-75D5AB177DA5}" type="datetimeFigureOut">
               <a:rPr lang="en-US" smtClean="0"/>
-              <a:t>5/13/2021</a:t>
+              <a:t>6/1/2021</a:t>
             </a:fld>
             <a:endParaRPr lang="en-US"/>
           </a:p>
@@ -1970,7 +1971,7 @@
           <a:p>
             <a:fld id="{162DCEF9-7F5B-4235-8EC3-75D5AB177DA5}" type="datetimeFigureOut">
               <a:rPr lang="en-US" smtClean="0"/>
-              <a:t>5/13/2021</a:t>
+              <a:t>6/1/2021</a:t>
             </a:fld>
             <a:endParaRPr lang="en-US"/>
           </a:p>
@@ -2083,7 +2084,7 @@
           <a:p>
             <a:fld id="{162DCEF9-7F5B-4235-8EC3-75D5AB177DA5}" type="datetimeFigureOut">
               <a:rPr lang="en-US" smtClean="0"/>
-              <a:t>5/13/2021</a:t>
+              <a:t>6/1/2021</a:t>
             </a:fld>
             <a:endParaRPr lang="en-US"/>
           </a:p>
@@ -2394,7 +2395,7 @@
           <a:p>
             <a:fld id="{162DCEF9-7F5B-4235-8EC3-75D5AB177DA5}" type="datetimeFigureOut">
               <a:rPr lang="en-US" smtClean="0"/>
-              <a:t>5/13/2021</a:t>
+              <a:t>6/1/2021</a:t>
             </a:fld>
             <a:endParaRPr lang="en-US"/>
           </a:p>
@@ -2682,7 +2683,7 @@
           <a:p>
             <a:fld id="{162DCEF9-7F5B-4235-8EC3-75D5AB177DA5}" type="datetimeFigureOut">
               <a:rPr lang="en-US" smtClean="0"/>
-              <a:t>5/13/2021</a:t>
+              <a:t>6/1/2021</a:t>
             </a:fld>
             <a:endParaRPr lang="en-US"/>
           </a:p>
@@ -2923,7 +2924,7 @@
           <a:p>
             <a:fld id="{162DCEF9-7F5B-4235-8EC3-75D5AB177DA5}" type="datetimeFigureOut">
               <a:rPr lang="en-US" smtClean="0"/>
-              <a:t>5/13/2021</a:t>
+              <a:t>6/1/2021</a:t>
             </a:fld>
             <a:endParaRPr lang="en-US"/>
           </a:p>
@@ -5649,10 +5650,9 @@
           <a:p>
             <a:pPr algn="ctr"/>
             <a:r>
-              <a:rPr lang="en-US" dirty="0" err="1"/>
+              <a:rPr lang="en-US" dirty="0"/>
               <a:t>ServersComponent</a:t>
             </a:r>
-            <a:endParaRPr lang="en-US" dirty="0"/>
           </a:p>
         </p:txBody>
       </p:sp>
@@ -5704,10 +5704,9 @@
           <a:p>
             <a:pPr algn="ctr"/>
             <a:r>
-              <a:rPr lang="en-US" dirty="0" err="1"/>
+              <a:rPr lang="en-US" dirty="0"/>
               <a:t>ServerComponent</a:t>
             </a:r>
-            <a:endParaRPr lang="en-US" dirty="0"/>
           </a:p>
         </p:txBody>
       </p:sp>
@@ -6309,6 +6308,628 @@
     <p:extLst>
       <p:ext uri="{BB962C8B-B14F-4D97-AF65-F5344CB8AC3E}">
         <p14:creationId xmlns:p14="http://schemas.microsoft.com/office/powerpoint/2010/main" val="978717030"/>
+      </p:ext>
+    </p:extLst>
+  </p:cSld>
+  <p:clrMapOvr>
+    <a:masterClrMapping/>
+  </p:clrMapOvr>
+</p:sld>
+</file>
+
+<file path=ppt/slides/slide16.xml><?xml version="1.0" encoding="utf-8"?>
+<p:sld xmlns:a="http://schemas.openxmlformats.org/drawingml/2006/main" xmlns:r="http://schemas.openxmlformats.org/officeDocument/2006/relationships" xmlns:p="http://schemas.openxmlformats.org/presentationml/2006/main">
+  <p:cSld>
+    <p:spTree>
+      <p:nvGrpSpPr>
+        <p:cNvPr id="1" name=""/>
+        <p:cNvGrpSpPr/>
+        <p:nvPr/>
+      </p:nvGrpSpPr>
+      <p:grpSpPr>
+        <a:xfrm>
+          <a:off x="0" y="0"/>
+          <a:ext cx="0" cy="0"/>
+          <a:chOff x="0" y="0"/>
+          <a:chExt cx="0" cy="0"/>
+        </a:xfrm>
+      </p:grpSpPr>
+      <p:sp>
+        <p:nvSpPr>
+          <p:cNvPr id="2" name="Rectangle 1">
+            <a:extLst>
+              <a:ext uri="{FF2B5EF4-FFF2-40B4-BE49-F238E27FC236}">
+                <a16:creationId xmlns:a16="http://schemas.microsoft.com/office/drawing/2014/main" id="{81FD0E5E-3062-4E07-90E8-DD763AE05A0D}"/>
+              </a:ext>
+            </a:extLst>
+          </p:cNvPr>
+          <p:cNvSpPr/>
+          <p:nvPr/>
+        </p:nvSpPr>
+        <p:spPr>
+          <a:xfrm>
+            <a:off x="1088778" y="611066"/>
+            <a:ext cx="2453055" cy="975946"/>
+          </a:xfrm>
+          <a:prstGeom prst="rect">
+            <a:avLst/>
+          </a:prstGeom>
+        </p:spPr>
+        <p:style>
+          <a:lnRef idx="2">
+            <a:schemeClr val="accent5">
+              <a:shade val="50000"/>
+            </a:schemeClr>
+          </a:lnRef>
+          <a:fillRef idx="1">
+            <a:schemeClr val="accent5"/>
+          </a:fillRef>
+          <a:effectRef idx="0">
+            <a:schemeClr val="accent5"/>
+          </a:effectRef>
+          <a:fontRef idx="minor">
+            <a:schemeClr val="lt1"/>
+          </a:fontRef>
+        </p:style>
+        <p:txBody>
+          <a:bodyPr rtlCol="0" anchor="ctr"/>
+          <a:lstStyle/>
+          <a:p>
+            <a:pPr algn="ctr"/>
+            <a:r>
+              <a:rPr lang="en-US" dirty="0"/>
+              <a:t>HomeComponent</a:t>
+            </a:r>
+          </a:p>
+        </p:txBody>
+      </p:sp>
+      <p:sp>
+        <p:nvSpPr>
+          <p:cNvPr id="3" name="Rectangle 2">
+            <a:extLst>
+              <a:ext uri="{FF2B5EF4-FFF2-40B4-BE49-F238E27FC236}">
+                <a16:creationId xmlns:a16="http://schemas.microsoft.com/office/drawing/2014/main" id="{9B0C75F3-6D6C-4000-82A4-0A012FA2DEB6}"/>
+              </a:ext>
+            </a:extLst>
+          </p:cNvPr>
+          <p:cNvSpPr/>
+          <p:nvPr/>
+        </p:nvSpPr>
+        <p:spPr>
+          <a:xfrm>
+            <a:off x="4522176" y="611066"/>
+            <a:ext cx="2453055" cy="975946"/>
+          </a:xfrm>
+          <a:prstGeom prst="rect">
+            <a:avLst/>
+          </a:prstGeom>
+        </p:spPr>
+        <p:style>
+          <a:lnRef idx="2">
+            <a:schemeClr val="accent5">
+              <a:shade val="50000"/>
+            </a:schemeClr>
+          </a:lnRef>
+          <a:fillRef idx="1">
+            <a:schemeClr val="accent5"/>
+          </a:fillRef>
+          <a:effectRef idx="0">
+            <a:schemeClr val="accent5"/>
+          </a:effectRef>
+          <a:fontRef idx="minor">
+            <a:schemeClr val="lt1"/>
+          </a:fontRef>
+        </p:style>
+        <p:txBody>
+          <a:bodyPr rtlCol="0" anchor="ctr"/>
+          <a:lstStyle/>
+          <a:p>
+            <a:pPr algn="ctr"/>
+            <a:r>
+              <a:rPr lang="en-US" dirty="0"/>
+              <a:t>ServersComponent</a:t>
+            </a:r>
+          </a:p>
+        </p:txBody>
+      </p:sp>
+      <p:sp>
+        <p:nvSpPr>
+          <p:cNvPr id="4" name="Rectangle 3">
+            <a:extLst>
+              <a:ext uri="{FF2B5EF4-FFF2-40B4-BE49-F238E27FC236}">
+                <a16:creationId xmlns:a16="http://schemas.microsoft.com/office/drawing/2014/main" id="{2D53A7CA-CC2B-43DC-9321-5C86693DD0BB}"/>
+              </a:ext>
+            </a:extLst>
+          </p:cNvPr>
+          <p:cNvSpPr/>
+          <p:nvPr/>
+        </p:nvSpPr>
+        <p:spPr>
+          <a:xfrm>
+            <a:off x="4847492" y="2250836"/>
+            <a:ext cx="2453055" cy="975946"/>
+          </a:xfrm>
+          <a:prstGeom prst="rect">
+            <a:avLst/>
+          </a:prstGeom>
+        </p:spPr>
+        <p:style>
+          <a:lnRef idx="2">
+            <a:schemeClr val="accent5">
+              <a:shade val="50000"/>
+            </a:schemeClr>
+          </a:lnRef>
+          <a:fillRef idx="1">
+            <a:schemeClr val="accent5"/>
+          </a:fillRef>
+          <a:effectRef idx="0">
+            <a:schemeClr val="accent5"/>
+          </a:effectRef>
+          <a:fontRef idx="minor">
+            <a:schemeClr val="lt1"/>
+          </a:fontRef>
+        </p:style>
+        <p:txBody>
+          <a:bodyPr rtlCol="0" anchor="ctr"/>
+          <a:lstStyle/>
+          <a:p>
+            <a:pPr algn="ctr"/>
+            <a:r>
+              <a:rPr lang="en-US" dirty="0"/>
+              <a:t>ServerComponent</a:t>
+            </a:r>
+          </a:p>
+        </p:txBody>
+      </p:sp>
+      <p:sp>
+        <p:nvSpPr>
+          <p:cNvPr id="5" name="Rectangle 4">
+            <a:extLst>
+              <a:ext uri="{FF2B5EF4-FFF2-40B4-BE49-F238E27FC236}">
+                <a16:creationId xmlns:a16="http://schemas.microsoft.com/office/drawing/2014/main" id="{21567D88-59B3-48BC-94A6-2A40D926306D}"/>
+              </a:ext>
+            </a:extLst>
+          </p:cNvPr>
+          <p:cNvSpPr/>
+          <p:nvPr/>
+        </p:nvSpPr>
+        <p:spPr>
+          <a:xfrm>
+            <a:off x="4847492" y="3780685"/>
+            <a:ext cx="2453055" cy="975946"/>
+          </a:xfrm>
+          <a:prstGeom prst="rect">
+            <a:avLst/>
+          </a:prstGeom>
+        </p:spPr>
+        <p:style>
+          <a:lnRef idx="2">
+            <a:schemeClr val="accent5">
+              <a:shade val="50000"/>
+            </a:schemeClr>
+          </a:lnRef>
+          <a:fillRef idx="1">
+            <a:schemeClr val="accent5"/>
+          </a:fillRef>
+          <a:effectRef idx="0">
+            <a:schemeClr val="accent5"/>
+          </a:effectRef>
+          <a:fontRef idx="minor">
+            <a:schemeClr val="lt1"/>
+          </a:fontRef>
+        </p:style>
+        <p:txBody>
+          <a:bodyPr rtlCol="0" anchor="ctr"/>
+          <a:lstStyle/>
+          <a:p>
+            <a:pPr algn="ctr"/>
+            <a:r>
+              <a:rPr lang="en-US" dirty="0"/>
+              <a:t>ServerEditComponent</a:t>
+            </a:r>
+          </a:p>
+        </p:txBody>
+      </p:sp>
+      <p:sp>
+        <p:nvSpPr>
+          <p:cNvPr id="6" name="Rectangle 5">
+            <a:extLst>
+              <a:ext uri="{FF2B5EF4-FFF2-40B4-BE49-F238E27FC236}">
+                <a16:creationId xmlns:a16="http://schemas.microsoft.com/office/drawing/2014/main" id="{F0780D2F-3629-4800-98D4-4A15A25AF8BD}"/>
+              </a:ext>
+            </a:extLst>
+          </p:cNvPr>
+          <p:cNvSpPr/>
+          <p:nvPr/>
+        </p:nvSpPr>
+        <p:spPr>
+          <a:xfrm>
+            <a:off x="4847492" y="5310534"/>
+            <a:ext cx="2453055" cy="975946"/>
+          </a:xfrm>
+          <a:prstGeom prst="rect">
+            <a:avLst/>
+          </a:prstGeom>
+          <a:solidFill>
+            <a:srgbClr val="FFC000"/>
+          </a:solidFill>
+        </p:spPr>
+        <p:style>
+          <a:lnRef idx="2">
+            <a:schemeClr val="accent5">
+              <a:shade val="50000"/>
+            </a:schemeClr>
+          </a:lnRef>
+          <a:fillRef idx="1">
+            <a:schemeClr val="accent5"/>
+          </a:fillRef>
+          <a:effectRef idx="0">
+            <a:schemeClr val="accent5"/>
+          </a:effectRef>
+          <a:fontRef idx="minor">
+            <a:schemeClr val="lt1"/>
+          </a:fontRef>
+        </p:style>
+        <p:txBody>
+          <a:bodyPr rtlCol="0" anchor="ctr"/>
+          <a:lstStyle/>
+          <a:p>
+            <a:pPr algn="ctr"/>
+            <a:r>
+              <a:rPr lang="en-US" dirty="0"/>
+              <a:t>ServerService</a:t>
+            </a:r>
+          </a:p>
+        </p:txBody>
+      </p:sp>
+      <p:sp>
+        <p:nvSpPr>
+          <p:cNvPr id="7" name="Rectangle 6">
+            <a:extLst>
+              <a:ext uri="{FF2B5EF4-FFF2-40B4-BE49-F238E27FC236}">
+                <a16:creationId xmlns:a16="http://schemas.microsoft.com/office/drawing/2014/main" id="{CEA5803E-BB2E-45A4-BE3A-67AE3F643A30}"/>
+              </a:ext>
+            </a:extLst>
+          </p:cNvPr>
+          <p:cNvSpPr/>
+          <p:nvPr/>
+        </p:nvSpPr>
+        <p:spPr>
+          <a:xfrm>
+            <a:off x="7955574" y="611066"/>
+            <a:ext cx="2453055" cy="975946"/>
+          </a:xfrm>
+          <a:prstGeom prst="rect">
+            <a:avLst/>
+          </a:prstGeom>
+        </p:spPr>
+        <p:style>
+          <a:lnRef idx="2">
+            <a:schemeClr val="accent5">
+              <a:shade val="50000"/>
+            </a:schemeClr>
+          </a:lnRef>
+          <a:fillRef idx="1">
+            <a:schemeClr val="accent5"/>
+          </a:fillRef>
+          <a:effectRef idx="0">
+            <a:schemeClr val="accent5"/>
+          </a:effectRef>
+          <a:fontRef idx="minor">
+            <a:schemeClr val="lt1"/>
+          </a:fontRef>
+        </p:style>
+        <p:txBody>
+          <a:bodyPr rtlCol="0" anchor="ctr"/>
+          <a:lstStyle/>
+          <a:p>
+            <a:pPr algn="ctr"/>
+            <a:r>
+              <a:rPr lang="en-US" dirty="0"/>
+              <a:t>UsersComponent</a:t>
+            </a:r>
+          </a:p>
+        </p:txBody>
+      </p:sp>
+      <p:sp>
+        <p:nvSpPr>
+          <p:cNvPr id="8" name="Rectangle 7">
+            <a:extLst>
+              <a:ext uri="{FF2B5EF4-FFF2-40B4-BE49-F238E27FC236}">
+                <a16:creationId xmlns:a16="http://schemas.microsoft.com/office/drawing/2014/main" id="{22BCC923-3888-4ABE-8ECA-4A42C7748D3F}"/>
+              </a:ext>
+            </a:extLst>
+          </p:cNvPr>
+          <p:cNvSpPr/>
+          <p:nvPr/>
+        </p:nvSpPr>
+        <p:spPr>
+          <a:xfrm>
+            <a:off x="8405446" y="2250836"/>
+            <a:ext cx="2453055" cy="975946"/>
+          </a:xfrm>
+          <a:prstGeom prst="rect">
+            <a:avLst/>
+          </a:prstGeom>
+        </p:spPr>
+        <p:style>
+          <a:lnRef idx="2">
+            <a:schemeClr val="accent5">
+              <a:shade val="50000"/>
+            </a:schemeClr>
+          </a:lnRef>
+          <a:fillRef idx="1">
+            <a:schemeClr val="accent5"/>
+          </a:fillRef>
+          <a:effectRef idx="0">
+            <a:schemeClr val="accent5"/>
+          </a:effectRef>
+          <a:fontRef idx="minor">
+            <a:schemeClr val="lt1"/>
+          </a:fontRef>
+        </p:style>
+        <p:txBody>
+          <a:bodyPr rtlCol="0" anchor="ctr"/>
+          <a:lstStyle/>
+          <a:p>
+            <a:pPr algn="ctr"/>
+            <a:r>
+              <a:rPr lang="en-US" dirty="0"/>
+              <a:t>UserComponent</a:t>
+            </a:r>
+          </a:p>
+        </p:txBody>
+      </p:sp>
+      <p:sp>
+        <p:nvSpPr>
+          <p:cNvPr id="9" name="Rectangle 8">
+            <a:extLst>
+              <a:ext uri="{FF2B5EF4-FFF2-40B4-BE49-F238E27FC236}">
+                <a16:creationId xmlns:a16="http://schemas.microsoft.com/office/drawing/2014/main" id="{8790A5A6-A81C-466E-B825-8655F51DA5A2}"/>
+              </a:ext>
+            </a:extLst>
+          </p:cNvPr>
+          <p:cNvSpPr/>
+          <p:nvPr/>
+        </p:nvSpPr>
+        <p:spPr>
+          <a:xfrm>
+            <a:off x="8405445" y="3780685"/>
+            <a:ext cx="2453055" cy="975946"/>
+          </a:xfrm>
+          <a:prstGeom prst="rect">
+            <a:avLst/>
+          </a:prstGeom>
+          <a:solidFill>
+            <a:srgbClr val="FFC000"/>
+          </a:solidFill>
+        </p:spPr>
+        <p:style>
+          <a:lnRef idx="2">
+            <a:schemeClr val="accent5">
+              <a:shade val="50000"/>
+            </a:schemeClr>
+          </a:lnRef>
+          <a:fillRef idx="1">
+            <a:schemeClr val="accent5"/>
+          </a:fillRef>
+          <a:effectRef idx="0">
+            <a:schemeClr val="accent5"/>
+          </a:effectRef>
+          <a:fontRef idx="minor">
+            <a:schemeClr val="lt1"/>
+          </a:fontRef>
+        </p:style>
+        <p:txBody>
+          <a:bodyPr rtlCol="0" anchor="ctr"/>
+          <a:lstStyle/>
+          <a:p>
+            <a:pPr algn="ctr"/>
+            <a:r>
+              <a:rPr lang="en-US" dirty="0"/>
+              <a:t>UserService</a:t>
+            </a:r>
+          </a:p>
+        </p:txBody>
+      </p:sp>
+      <p:cxnSp>
+        <p:nvCxnSpPr>
+          <p:cNvPr id="11" name="Connector: Elbow 10">
+            <a:extLst>
+              <a:ext uri="{FF2B5EF4-FFF2-40B4-BE49-F238E27FC236}">
+                <a16:creationId xmlns:a16="http://schemas.microsoft.com/office/drawing/2014/main" id="{8F5B7D52-D5C9-4598-B31A-8B99D827DB87}"/>
+              </a:ext>
+            </a:extLst>
+          </p:cNvPr>
+          <p:cNvCxnSpPr>
+            <a:endCxn id="4" idx="1"/>
+          </p:cNvCxnSpPr>
+          <p:nvPr/>
+        </p:nvCxnSpPr>
+        <p:spPr>
+          <a:xfrm rot="16200000" flipH="1">
+            <a:off x="4182205" y="2073521"/>
+            <a:ext cx="1151797" cy="178777"/>
+          </a:xfrm>
+          <a:prstGeom prst="bentConnector2">
+            <a:avLst/>
+          </a:prstGeom>
+          <a:ln w="28575"/>
+        </p:spPr>
+        <p:style>
+          <a:lnRef idx="1">
+            <a:schemeClr val="accent1"/>
+          </a:lnRef>
+          <a:fillRef idx="0">
+            <a:schemeClr val="accent1"/>
+          </a:fillRef>
+          <a:effectRef idx="0">
+            <a:schemeClr val="accent1"/>
+          </a:effectRef>
+          <a:fontRef idx="minor">
+            <a:schemeClr val="tx1"/>
+          </a:fontRef>
+        </p:style>
+      </p:cxnSp>
+      <p:cxnSp>
+        <p:nvCxnSpPr>
+          <p:cNvPr id="12" name="Connector: Elbow 11">
+            <a:extLst>
+              <a:ext uri="{FF2B5EF4-FFF2-40B4-BE49-F238E27FC236}">
+                <a16:creationId xmlns:a16="http://schemas.microsoft.com/office/drawing/2014/main" id="{61A9DA59-52F8-48C0-AAB5-E3D7EB84907E}"/>
+              </a:ext>
+            </a:extLst>
+          </p:cNvPr>
+          <p:cNvCxnSpPr>
+            <a:cxnSpLocks/>
+            <a:endCxn id="5" idx="1"/>
+          </p:cNvCxnSpPr>
+          <p:nvPr/>
+        </p:nvCxnSpPr>
+        <p:spPr>
+          <a:xfrm rot="16200000" flipH="1">
+            <a:off x="3965698" y="3386864"/>
+            <a:ext cx="1584810" cy="178778"/>
+          </a:xfrm>
+          <a:prstGeom prst="bentConnector2">
+            <a:avLst/>
+          </a:prstGeom>
+          <a:ln w="28575"/>
+        </p:spPr>
+        <p:style>
+          <a:lnRef idx="1">
+            <a:schemeClr val="accent1"/>
+          </a:lnRef>
+          <a:fillRef idx="0">
+            <a:schemeClr val="accent1"/>
+          </a:fillRef>
+          <a:effectRef idx="0">
+            <a:schemeClr val="accent1"/>
+          </a:effectRef>
+          <a:fontRef idx="minor">
+            <a:schemeClr val="tx1"/>
+          </a:fontRef>
+        </p:style>
+      </p:cxnSp>
+      <p:cxnSp>
+        <p:nvCxnSpPr>
+          <p:cNvPr id="14" name="Connector: Elbow 13">
+            <a:extLst>
+              <a:ext uri="{FF2B5EF4-FFF2-40B4-BE49-F238E27FC236}">
+                <a16:creationId xmlns:a16="http://schemas.microsoft.com/office/drawing/2014/main" id="{4918DC1E-E1FB-45CD-B026-B1F835373490}"/>
+              </a:ext>
+            </a:extLst>
+          </p:cNvPr>
+          <p:cNvCxnSpPr>
+            <a:cxnSpLocks/>
+          </p:cNvCxnSpPr>
+          <p:nvPr/>
+        </p:nvCxnSpPr>
+        <p:spPr>
+          <a:xfrm rot="16200000" flipH="1">
+            <a:off x="3965698" y="4944194"/>
+            <a:ext cx="1584810" cy="178778"/>
+          </a:xfrm>
+          <a:prstGeom prst="bentConnector2">
+            <a:avLst/>
+          </a:prstGeom>
+          <a:ln w="28575"/>
+        </p:spPr>
+        <p:style>
+          <a:lnRef idx="1">
+            <a:schemeClr val="accent1"/>
+          </a:lnRef>
+          <a:fillRef idx="0">
+            <a:schemeClr val="accent1"/>
+          </a:fillRef>
+          <a:effectRef idx="0">
+            <a:schemeClr val="accent1"/>
+          </a:effectRef>
+          <a:fontRef idx="minor">
+            <a:schemeClr val="tx1"/>
+          </a:fontRef>
+        </p:style>
+      </p:cxnSp>
+      <p:cxnSp>
+        <p:nvCxnSpPr>
+          <p:cNvPr id="15" name="Connector: Elbow 14">
+            <a:extLst>
+              <a:ext uri="{FF2B5EF4-FFF2-40B4-BE49-F238E27FC236}">
+                <a16:creationId xmlns:a16="http://schemas.microsoft.com/office/drawing/2014/main" id="{68FE965C-6119-4887-8F16-327485B5E64C}"/>
+              </a:ext>
+            </a:extLst>
+          </p:cNvPr>
+          <p:cNvCxnSpPr/>
+          <p:nvPr/>
+        </p:nvCxnSpPr>
+        <p:spPr>
+          <a:xfrm rot="16200000" flipH="1">
+            <a:off x="7740159" y="2073521"/>
+            <a:ext cx="1151797" cy="178777"/>
+          </a:xfrm>
+          <a:prstGeom prst="bentConnector2">
+            <a:avLst/>
+          </a:prstGeom>
+          <a:ln w="28575"/>
+        </p:spPr>
+        <p:style>
+          <a:lnRef idx="1">
+            <a:schemeClr val="accent1"/>
+          </a:lnRef>
+          <a:fillRef idx="0">
+            <a:schemeClr val="accent1"/>
+          </a:fillRef>
+          <a:effectRef idx="0">
+            <a:schemeClr val="accent1"/>
+          </a:effectRef>
+          <a:fontRef idx="minor">
+            <a:schemeClr val="tx1"/>
+          </a:fontRef>
+        </p:style>
+      </p:cxnSp>
+      <p:cxnSp>
+        <p:nvCxnSpPr>
+          <p:cNvPr id="16" name="Connector: Elbow 15">
+            <a:extLst>
+              <a:ext uri="{FF2B5EF4-FFF2-40B4-BE49-F238E27FC236}">
+                <a16:creationId xmlns:a16="http://schemas.microsoft.com/office/drawing/2014/main" id="{EA84EAF4-B443-48EF-A9E9-17CF56DA4B1C}"/>
+              </a:ext>
+            </a:extLst>
+          </p:cNvPr>
+          <p:cNvCxnSpPr>
+            <a:cxnSpLocks/>
+          </p:cNvCxnSpPr>
+          <p:nvPr/>
+        </p:nvCxnSpPr>
+        <p:spPr>
+          <a:xfrm rot="16200000" flipH="1">
+            <a:off x="7523652" y="3386864"/>
+            <a:ext cx="1584810" cy="178778"/>
+          </a:xfrm>
+          <a:prstGeom prst="bentConnector2">
+            <a:avLst/>
+          </a:prstGeom>
+          <a:ln w="28575"/>
+        </p:spPr>
+        <p:style>
+          <a:lnRef idx="1">
+            <a:schemeClr val="accent1"/>
+          </a:lnRef>
+          <a:fillRef idx="0">
+            <a:schemeClr val="accent1"/>
+          </a:fillRef>
+          <a:effectRef idx="0">
+            <a:schemeClr val="accent1"/>
+          </a:effectRef>
+          <a:fontRef idx="minor">
+            <a:schemeClr val="tx1"/>
+          </a:fontRef>
+        </p:style>
+      </p:cxnSp>
+    </p:spTree>
+    <p:extLst>
+      <p:ext uri="{BB962C8B-B14F-4D97-AF65-F5344CB8AC3E}">
+        <p14:creationId xmlns:p14="http://schemas.microsoft.com/office/powerpoint/2010/main" val="1500884864"/>
       </p:ext>
     </p:extLst>
   </p:cSld>
